--- a/presentations/1 CS-Studio - Probe.pptx
+++ b/presentations/1 CS-Studio - Probe.pptx
@@ -210,7 +210,7 @@
           <a:p>
             <a:fld id="{D9966FA8-7494-476B-82FA-6423FAB21465}" type="datetimeFigureOut">
               <a:rPr lang="en-US" smtClean="0"/>
-              <a:t>3/21/2016</a:t>
+              <a:t>5/16/2016</a:t>
             </a:fld>
             <a:endParaRPr lang="en-US"/>
           </a:p>
@@ -809,7 +809,7 @@
           <a:p>
             <a:fld id="{6222EF03-A9AE-4AF1-9CC5-BDF342F0A591}" type="datetimeFigureOut">
               <a:rPr lang="en-US" smtClean="0"/>
-              <a:t>3/21/2016</a:t>
+              <a:t>5/16/2016</a:t>
             </a:fld>
             <a:endParaRPr lang="en-US"/>
           </a:p>
@@ -979,7 +979,7 @@
           <a:p>
             <a:fld id="{6222EF03-A9AE-4AF1-9CC5-BDF342F0A591}" type="datetimeFigureOut">
               <a:rPr lang="en-US" smtClean="0"/>
-              <a:t>3/21/2016</a:t>
+              <a:t>5/16/2016</a:t>
             </a:fld>
             <a:endParaRPr lang="en-US"/>
           </a:p>
@@ -1159,7 +1159,7 @@
           <a:p>
             <a:fld id="{6222EF03-A9AE-4AF1-9CC5-BDF342F0A591}" type="datetimeFigureOut">
               <a:rPr lang="en-US" smtClean="0"/>
-              <a:t>3/21/2016</a:t>
+              <a:t>5/16/2016</a:t>
             </a:fld>
             <a:endParaRPr lang="en-US"/>
           </a:p>
@@ -1329,7 +1329,7 @@
           <a:p>
             <a:fld id="{6222EF03-A9AE-4AF1-9CC5-BDF342F0A591}" type="datetimeFigureOut">
               <a:rPr lang="en-US" smtClean="0"/>
-              <a:t>3/21/2016</a:t>
+              <a:t>5/16/2016</a:t>
             </a:fld>
             <a:endParaRPr lang="en-US"/>
           </a:p>
@@ -1575,7 +1575,7 @@
           <a:p>
             <a:fld id="{6222EF03-A9AE-4AF1-9CC5-BDF342F0A591}" type="datetimeFigureOut">
               <a:rPr lang="en-US" smtClean="0"/>
-              <a:t>3/21/2016</a:t>
+              <a:t>5/16/2016</a:t>
             </a:fld>
             <a:endParaRPr lang="en-US"/>
           </a:p>
@@ -1807,7 +1807,7 @@
           <a:p>
             <a:fld id="{6222EF03-A9AE-4AF1-9CC5-BDF342F0A591}" type="datetimeFigureOut">
               <a:rPr lang="en-US" smtClean="0"/>
-              <a:t>3/21/2016</a:t>
+              <a:t>5/16/2016</a:t>
             </a:fld>
             <a:endParaRPr lang="en-US"/>
           </a:p>
@@ -2174,7 +2174,7 @@
           <a:p>
             <a:fld id="{6222EF03-A9AE-4AF1-9CC5-BDF342F0A591}" type="datetimeFigureOut">
               <a:rPr lang="en-US" smtClean="0"/>
-              <a:t>3/21/2016</a:t>
+              <a:t>5/16/2016</a:t>
             </a:fld>
             <a:endParaRPr lang="en-US"/>
           </a:p>
@@ -2292,7 +2292,7 @@
           <a:p>
             <a:fld id="{6222EF03-A9AE-4AF1-9CC5-BDF342F0A591}" type="datetimeFigureOut">
               <a:rPr lang="en-US" smtClean="0"/>
-              <a:t>3/21/2016</a:t>
+              <a:t>5/16/2016</a:t>
             </a:fld>
             <a:endParaRPr lang="en-US"/>
           </a:p>
@@ -2387,7 +2387,7 @@
           <a:p>
             <a:fld id="{6222EF03-A9AE-4AF1-9CC5-BDF342F0A591}" type="datetimeFigureOut">
               <a:rPr lang="en-US" smtClean="0"/>
-              <a:t>3/21/2016</a:t>
+              <a:t>5/16/2016</a:t>
             </a:fld>
             <a:endParaRPr lang="en-US"/>
           </a:p>
@@ -2664,7 +2664,7 @@
           <a:p>
             <a:fld id="{6222EF03-A9AE-4AF1-9CC5-BDF342F0A591}" type="datetimeFigureOut">
               <a:rPr lang="en-US" smtClean="0"/>
-              <a:t>3/21/2016</a:t>
+              <a:t>5/16/2016</a:t>
             </a:fld>
             <a:endParaRPr lang="en-US"/>
           </a:p>
@@ -2917,7 +2917,7 @@
           <a:p>
             <a:fld id="{6222EF03-A9AE-4AF1-9CC5-BDF342F0A591}" type="datetimeFigureOut">
               <a:rPr lang="en-US" smtClean="0"/>
-              <a:t>3/21/2016</a:t>
+              <a:t>5/16/2016</a:t>
             </a:fld>
             <a:endParaRPr lang="en-US"/>
           </a:p>
@@ -3130,7 +3130,7 @@
           <a:p>
             <a:fld id="{6222EF03-A9AE-4AF1-9CC5-BDF342F0A591}" type="datetimeFigureOut">
               <a:rPr lang="en-US" smtClean="0"/>
-              <a:t>3/21/2016</a:t>
+              <a:t>5/16/2016</a:t>
             </a:fld>
             <a:endParaRPr lang="en-US"/>
           </a:p>
@@ -3662,11 +3662,7 @@
           <a:p>
             <a:r>
               <a:rPr lang="en-US" dirty="0" smtClean="0"/>
-              <a:t>Probe </a:t>
-            </a:r>
-            <a:r>
-              <a:rPr lang="en-US" dirty="0" smtClean="0"/>
-              <a:t>– process variable (</a:t>
+              <a:t>Probe – process variable (</a:t>
             </a:r>
             <a:r>
               <a:rPr lang="en-US" dirty="0" err="1" smtClean="0"/>
@@ -3734,7 +3730,6 @@
               <a:rPr lang="en-US" dirty="0" smtClean="0"/>
               <a:t>)</a:t>
             </a:r>
-            <a:endParaRPr lang="en-US" dirty="0" smtClean="0"/>
           </a:p>
           <a:p>
             <a:pPr lvl="1"/>
@@ -3754,7 +3749,6 @@
               <a:rPr lang="en-US" dirty="0" smtClean="0"/>
               <a:t>)</a:t>
             </a:r>
-            <a:endParaRPr lang="en-US" dirty="0" smtClean="0"/>
           </a:p>
           <a:p>
             <a:pPr lvl="1"/>
@@ -3774,7 +3768,6 @@
               <a:rPr lang="en-US" dirty="0" smtClean="0"/>
               <a:t>)</a:t>
             </a:r>
-            <a:endParaRPr lang="en-US" dirty="0" smtClean="0"/>
           </a:p>
           <a:p>
             <a:pPr lvl="1"/>
@@ -3809,7 +3802,6 @@
               <a:rPr lang="en-US" dirty="0" smtClean="0"/>
               <a:t>)</a:t>
             </a:r>
-            <a:endParaRPr lang="en-US" dirty="0" smtClean="0"/>
           </a:p>
           <a:p>
             <a:pPr lvl="1"/>
@@ -5379,6 +5371,13 @@
             </a:r>
             <a:r>
               <a:rPr lang="en-US" dirty="0"/>
+              <a:t/>
+            </a:r>
+            <a:br>
+              <a:rPr lang="en-US" dirty="0"/>
+            </a:br>
+            <a:r>
+              <a:rPr lang="en-US" dirty="0" smtClean="0"/>
               <a:t>“</a:t>
             </a:r>
             <a:r>

--- a/presentations/1 CS-Studio - Probe.pptx
+++ b/presentations/1 CS-Studio - Probe.pptx
@@ -5,23 +5,34 @@
     <p:sldMasterId id="2147483648" r:id="rId1"/>
   </p:sldMasterIdLst>
   <p:notesMasterIdLst>
-    <p:notesMasterId r:id="rId16"/>
+    <p:notesMasterId r:id="rId27"/>
   </p:notesMasterIdLst>
   <p:sldIdLst>
-    <p:sldId id="256" r:id="rId2"/>
-    <p:sldId id="263" r:id="rId3"/>
-    <p:sldId id="262" r:id="rId4"/>
-    <p:sldId id="264" r:id="rId5"/>
-    <p:sldId id="266" r:id="rId6"/>
-    <p:sldId id="265" r:id="rId7"/>
-    <p:sldId id="272" r:id="rId8"/>
-    <p:sldId id="267" r:id="rId9"/>
-    <p:sldId id="258" r:id="rId10"/>
-    <p:sldId id="273" r:id="rId11"/>
-    <p:sldId id="274" r:id="rId12"/>
-    <p:sldId id="268" r:id="rId13"/>
-    <p:sldId id="269" r:id="rId14"/>
-    <p:sldId id="270" r:id="rId15"/>
+    <p:sldId id="275" r:id="rId2"/>
+    <p:sldId id="276" r:id="rId3"/>
+    <p:sldId id="277" r:id="rId4"/>
+    <p:sldId id="278" r:id="rId5"/>
+    <p:sldId id="280" r:id="rId6"/>
+    <p:sldId id="279" r:id="rId7"/>
+    <p:sldId id="263" r:id="rId8"/>
+    <p:sldId id="262" r:id="rId9"/>
+    <p:sldId id="264" r:id="rId10"/>
+    <p:sldId id="266" r:id="rId11"/>
+    <p:sldId id="265" r:id="rId12"/>
+    <p:sldId id="272" r:id="rId13"/>
+    <p:sldId id="267" r:id="rId14"/>
+    <p:sldId id="258" r:id="rId15"/>
+    <p:sldId id="273" r:id="rId16"/>
+    <p:sldId id="274" r:id="rId17"/>
+    <p:sldId id="268" r:id="rId18"/>
+    <p:sldId id="269" r:id="rId19"/>
+    <p:sldId id="270" r:id="rId20"/>
+    <p:sldId id="286" r:id="rId21"/>
+    <p:sldId id="287" r:id="rId22"/>
+    <p:sldId id="288" r:id="rId23"/>
+    <p:sldId id="289" r:id="rId24"/>
+    <p:sldId id="290" r:id="rId25"/>
+    <p:sldId id="291" r:id="rId26"/>
   </p:sldIdLst>
   <p:sldSz cx="12192000" cy="6858000"/>
   <p:notesSz cx="6858000" cy="9144000"/>
@@ -210,7 +221,7 @@
           <a:p>
             <a:fld id="{D9966FA8-7494-476B-82FA-6423FAB21465}" type="datetimeFigureOut">
               <a:rPr lang="en-US" smtClean="0"/>
-              <a:t>5/16/2016</a:t>
+              <a:t>3/2/2018</a:t>
             </a:fld>
             <a:endParaRPr lang="en-US"/>
           </a:p>
@@ -524,19 +535,7 @@
           <a:p>
             <a:r>
               <a:rPr lang="en-US" dirty="0" smtClean="0"/>
-              <a:t>TODO</a:t>
-            </a:r>
-            <a:r>
-              <a:rPr lang="en-US" baseline="0" dirty="0" smtClean="0"/>
-              <a:t>: </a:t>
-            </a:r>
-            <a:r>
-              <a:rPr lang="en-US" baseline="0" dirty="0" err="1" smtClean="0"/>
-              <a:t>pv</a:t>
-            </a:r>
-            <a:r>
-              <a:rPr lang="en-US" baseline="0" dirty="0" smtClean="0"/>
-              <a:t> name</a:t>
+              <a:t>NSLS2</a:t>
             </a:r>
             <a:endParaRPr lang="en-US" dirty="0"/>
           </a:p>
@@ -557,9 +556,9 @@
           <a:bodyPr/>
           <a:lstStyle/>
           <a:p>
-            <a:fld id="{4CC6B687-54BD-4C41-8F43-427B2BD31DC0}" type="slidenum">
+            <a:fld id="{713D3ECA-B20F-4BB3-A4D6-9A0E54BA2457}" type="slidenum">
               <a:rPr lang="en-US" smtClean="0"/>
-              <a:t>3</a:t>
+              <a:t>2</a:t>
             </a:fld>
             <a:endParaRPr lang="en-US"/>
           </a:p>
@@ -568,7 +567,7 @@
     </p:spTree>
     <p:extLst>
       <p:ext uri="{BB962C8B-B14F-4D97-AF65-F5344CB8AC3E}">
-        <p14:creationId xmlns:p14="http://schemas.microsoft.com/office/powerpoint/2010/main" val="879407480"/>
+        <p14:creationId xmlns:p14="http://schemas.microsoft.com/office/powerpoint/2010/main" val="683765149"/>
       </p:ext>
     </p:extLst>
   </p:cSld>
@@ -624,19 +623,107 @@
           <a:p>
             <a:r>
               <a:rPr lang="en-US" dirty="0" smtClean="0"/>
-              <a:t>TODO: add autocomplete for </a:t>
-            </a:r>
-            <a:r>
-              <a:rPr lang="en-US" dirty="0" err="1" smtClean="0"/>
-              <a:t>softIOC</a:t>
+              <a:t>NSLS2</a:t>
+            </a:r>
+            <a:endParaRPr lang="en-US" dirty="0"/>
+          </a:p>
+        </p:txBody>
+      </p:sp>
+      <p:sp>
+        <p:nvSpPr>
+          <p:cNvPr id="4" name="Slide Number Placeholder 3"/>
+          <p:cNvSpPr>
+            <a:spLocks noGrp="1"/>
+          </p:cNvSpPr>
+          <p:nvPr>
+            <p:ph type="sldNum" sz="quarter" idx="10"/>
+          </p:nvPr>
+        </p:nvSpPr>
+        <p:spPr/>
+        <p:txBody>
+          <a:bodyPr/>
+          <a:lstStyle/>
+          <a:p>
+            <a:fld id="{713D3ECA-B20F-4BB3-A4D6-9A0E54BA2457}" type="slidenum">
+              <a:rPr lang="en-US" smtClean="0"/>
+              <a:t>3</a:t>
+            </a:fld>
+            <a:endParaRPr lang="en-US"/>
+          </a:p>
+        </p:txBody>
+      </p:sp>
+    </p:spTree>
+    <p:extLst>
+      <p:ext uri="{BB962C8B-B14F-4D97-AF65-F5344CB8AC3E}">
+        <p14:creationId xmlns:p14="http://schemas.microsoft.com/office/powerpoint/2010/main" val="3884665667"/>
+      </p:ext>
+    </p:extLst>
+  </p:cSld>
+  <p:clrMapOvr>
+    <a:masterClrMapping/>
+  </p:clrMapOvr>
+</p:notes>
+</file>
+
+<file path=ppt/notesSlides/notesSlide3.xml><?xml version="1.0" encoding="utf-8"?>
+<p:notes xmlns:a="http://schemas.openxmlformats.org/drawingml/2006/main" xmlns:r="http://schemas.openxmlformats.org/officeDocument/2006/relationships" xmlns:p="http://schemas.openxmlformats.org/presentationml/2006/main">
+  <p:cSld>
+    <p:spTree>
+      <p:nvGrpSpPr>
+        <p:cNvPr id="1" name=""/>
+        <p:cNvGrpSpPr/>
+        <p:nvPr/>
+      </p:nvGrpSpPr>
+      <p:grpSpPr>
+        <a:xfrm>
+          <a:off x="0" y="0"/>
+          <a:ext cx="0" cy="0"/>
+          <a:chOff x="0" y="0"/>
+          <a:chExt cx="0" cy="0"/>
+        </a:xfrm>
+      </p:grpSpPr>
+      <p:sp>
+        <p:nvSpPr>
+          <p:cNvPr id="2" name="Slide Image Placeholder 1"/>
+          <p:cNvSpPr>
+            <a:spLocks noGrp="1" noRot="1" noChangeAspect="1"/>
+          </p:cNvSpPr>
+          <p:nvPr>
+            <p:ph type="sldImg"/>
+          </p:nvPr>
+        </p:nvSpPr>
+        <p:spPr/>
+      </p:sp>
+      <p:sp>
+        <p:nvSpPr>
+          <p:cNvPr id="3" name="Notes Placeholder 2"/>
+          <p:cNvSpPr>
+            <a:spLocks noGrp="1"/>
+          </p:cNvSpPr>
+          <p:nvPr>
+            <p:ph type="body" idx="1"/>
+          </p:nvPr>
+        </p:nvSpPr>
+        <p:spPr/>
+        <p:txBody>
+          <a:bodyPr/>
+          <a:lstStyle/>
+          <a:p>
+            <a:r>
+              <a:rPr lang="en-US" dirty="0" smtClean="0"/>
+              <a:t>TODO</a:t>
             </a:r>
             <a:r>
               <a:rPr lang="en-US" baseline="0" dirty="0" smtClean="0"/>
-              <a:t> </a:t>
+              <a:t>: </a:t>
             </a:r>
             <a:r>
               <a:rPr lang="en-US" baseline="0" dirty="0" err="1" smtClean="0"/>
               <a:t>pv</a:t>
+            </a:r>
+            <a:r>
+              <a:rPr lang="en-US" baseline="0" dirty="0" smtClean="0"/>
+              <a:t> name</a:t>
             </a:r>
             <a:endParaRPr lang="en-US" dirty="0"/>
           </a:p>
@@ -660,6 +747,106 @@
             <a:fld id="{4CC6B687-54BD-4C41-8F43-427B2BD31DC0}" type="slidenum">
               <a:rPr lang="en-US" smtClean="0"/>
               <a:t>8</a:t>
+            </a:fld>
+            <a:endParaRPr lang="en-US"/>
+          </a:p>
+        </p:txBody>
+      </p:sp>
+    </p:spTree>
+    <p:extLst>
+      <p:ext uri="{BB962C8B-B14F-4D97-AF65-F5344CB8AC3E}">
+        <p14:creationId xmlns:p14="http://schemas.microsoft.com/office/powerpoint/2010/main" val="879407480"/>
+      </p:ext>
+    </p:extLst>
+  </p:cSld>
+  <p:clrMapOvr>
+    <a:masterClrMapping/>
+  </p:clrMapOvr>
+</p:notes>
+</file>
+
+<file path=ppt/notesSlides/notesSlide4.xml><?xml version="1.0" encoding="utf-8"?>
+<p:notes xmlns:a="http://schemas.openxmlformats.org/drawingml/2006/main" xmlns:r="http://schemas.openxmlformats.org/officeDocument/2006/relationships" xmlns:p="http://schemas.openxmlformats.org/presentationml/2006/main">
+  <p:cSld>
+    <p:spTree>
+      <p:nvGrpSpPr>
+        <p:cNvPr id="1" name=""/>
+        <p:cNvGrpSpPr/>
+        <p:nvPr/>
+      </p:nvGrpSpPr>
+      <p:grpSpPr>
+        <a:xfrm>
+          <a:off x="0" y="0"/>
+          <a:ext cx="0" cy="0"/>
+          <a:chOff x="0" y="0"/>
+          <a:chExt cx="0" cy="0"/>
+        </a:xfrm>
+      </p:grpSpPr>
+      <p:sp>
+        <p:nvSpPr>
+          <p:cNvPr id="2" name="Slide Image Placeholder 1"/>
+          <p:cNvSpPr>
+            <a:spLocks noGrp="1" noRot="1" noChangeAspect="1"/>
+          </p:cNvSpPr>
+          <p:nvPr>
+            <p:ph type="sldImg"/>
+          </p:nvPr>
+        </p:nvSpPr>
+        <p:spPr/>
+      </p:sp>
+      <p:sp>
+        <p:nvSpPr>
+          <p:cNvPr id="3" name="Notes Placeholder 2"/>
+          <p:cNvSpPr>
+            <a:spLocks noGrp="1"/>
+          </p:cNvSpPr>
+          <p:nvPr>
+            <p:ph type="body" idx="1"/>
+          </p:nvPr>
+        </p:nvSpPr>
+        <p:spPr/>
+        <p:txBody>
+          <a:bodyPr/>
+          <a:lstStyle/>
+          <a:p>
+            <a:r>
+              <a:rPr lang="en-US" dirty="0" smtClean="0"/>
+              <a:t>TODO: add autocomplete for </a:t>
+            </a:r>
+            <a:r>
+              <a:rPr lang="en-US" dirty="0" err="1" smtClean="0"/>
+              <a:t>softIOC</a:t>
+            </a:r>
+            <a:r>
+              <a:rPr lang="en-US" baseline="0" dirty="0" smtClean="0"/>
+              <a:t> </a:t>
+            </a:r>
+            <a:r>
+              <a:rPr lang="en-US" baseline="0" dirty="0" err="1" smtClean="0"/>
+              <a:t>pv</a:t>
+            </a:r>
+            <a:endParaRPr lang="en-US" dirty="0"/>
+          </a:p>
+        </p:txBody>
+      </p:sp>
+      <p:sp>
+        <p:nvSpPr>
+          <p:cNvPr id="4" name="Slide Number Placeholder 3"/>
+          <p:cNvSpPr>
+            <a:spLocks noGrp="1"/>
+          </p:cNvSpPr>
+          <p:nvPr>
+            <p:ph type="sldNum" sz="quarter" idx="10"/>
+          </p:nvPr>
+        </p:nvSpPr>
+        <p:spPr/>
+        <p:txBody>
+          <a:bodyPr/>
+          <a:lstStyle/>
+          <a:p>
+            <a:fld id="{4CC6B687-54BD-4C41-8F43-427B2BD31DC0}" type="slidenum">
+              <a:rPr lang="en-US" smtClean="0"/>
+              <a:t>13</a:t>
             </a:fld>
             <a:endParaRPr lang="en-US"/>
           </a:p>
@@ -809,7 +996,7 @@
           <a:p>
             <a:fld id="{6222EF03-A9AE-4AF1-9CC5-BDF342F0A591}" type="datetimeFigureOut">
               <a:rPr lang="en-US" smtClean="0"/>
-              <a:t>5/16/2016</a:t>
+              <a:t>3/2/2018</a:t>
             </a:fld>
             <a:endParaRPr lang="en-US"/>
           </a:p>
@@ -979,7 +1166,7 @@
           <a:p>
             <a:fld id="{6222EF03-A9AE-4AF1-9CC5-BDF342F0A591}" type="datetimeFigureOut">
               <a:rPr lang="en-US" smtClean="0"/>
-              <a:t>5/16/2016</a:t>
+              <a:t>3/2/2018</a:t>
             </a:fld>
             <a:endParaRPr lang="en-US"/>
           </a:p>
@@ -1159,7 +1346,7 @@
           <a:p>
             <a:fld id="{6222EF03-A9AE-4AF1-9CC5-BDF342F0A591}" type="datetimeFigureOut">
               <a:rPr lang="en-US" smtClean="0"/>
-              <a:t>5/16/2016</a:t>
+              <a:t>3/2/2018</a:t>
             </a:fld>
             <a:endParaRPr lang="en-US"/>
           </a:p>
@@ -1329,7 +1516,7 @@
           <a:p>
             <a:fld id="{6222EF03-A9AE-4AF1-9CC5-BDF342F0A591}" type="datetimeFigureOut">
               <a:rPr lang="en-US" smtClean="0"/>
-              <a:t>5/16/2016</a:t>
+              <a:t>3/2/2018</a:t>
             </a:fld>
             <a:endParaRPr lang="en-US"/>
           </a:p>
@@ -1575,7 +1762,7 @@
           <a:p>
             <a:fld id="{6222EF03-A9AE-4AF1-9CC5-BDF342F0A591}" type="datetimeFigureOut">
               <a:rPr lang="en-US" smtClean="0"/>
-              <a:t>5/16/2016</a:t>
+              <a:t>3/2/2018</a:t>
             </a:fld>
             <a:endParaRPr lang="en-US"/>
           </a:p>
@@ -1807,7 +1994,7 @@
           <a:p>
             <a:fld id="{6222EF03-A9AE-4AF1-9CC5-BDF342F0A591}" type="datetimeFigureOut">
               <a:rPr lang="en-US" smtClean="0"/>
-              <a:t>5/16/2016</a:t>
+              <a:t>3/2/2018</a:t>
             </a:fld>
             <a:endParaRPr lang="en-US"/>
           </a:p>
@@ -2174,7 +2361,7 @@
           <a:p>
             <a:fld id="{6222EF03-A9AE-4AF1-9CC5-BDF342F0A591}" type="datetimeFigureOut">
               <a:rPr lang="en-US" smtClean="0"/>
-              <a:t>5/16/2016</a:t>
+              <a:t>3/2/2018</a:t>
             </a:fld>
             <a:endParaRPr lang="en-US"/>
           </a:p>
@@ -2292,7 +2479,7 @@
           <a:p>
             <a:fld id="{6222EF03-A9AE-4AF1-9CC5-BDF342F0A591}" type="datetimeFigureOut">
               <a:rPr lang="en-US" smtClean="0"/>
-              <a:t>5/16/2016</a:t>
+              <a:t>3/2/2018</a:t>
             </a:fld>
             <a:endParaRPr lang="en-US"/>
           </a:p>
@@ -2387,7 +2574,7 @@
           <a:p>
             <a:fld id="{6222EF03-A9AE-4AF1-9CC5-BDF342F0A591}" type="datetimeFigureOut">
               <a:rPr lang="en-US" smtClean="0"/>
-              <a:t>5/16/2016</a:t>
+              <a:t>3/2/2018</a:t>
             </a:fld>
             <a:endParaRPr lang="en-US"/>
           </a:p>
@@ -2664,7 +2851,7 @@
           <a:p>
             <a:fld id="{6222EF03-A9AE-4AF1-9CC5-BDF342F0A591}" type="datetimeFigureOut">
               <a:rPr lang="en-US" smtClean="0"/>
-              <a:t>5/16/2016</a:t>
+              <a:t>3/2/2018</a:t>
             </a:fld>
             <a:endParaRPr lang="en-US"/>
           </a:p>
@@ -2917,7 +3104,7 @@
           <a:p>
             <a:fld id="{6222EF03-A9AE-4AF1-9CC5-BDF342F0A591}" type="datetimeFigureOut">
               <a:rPr lang="en-US" smtClean="0"/>
-              <a:t>5/16/2016</a:t>
+              <a:t>3/2/2018</a:t>
             </a:fld>
             <a:endParaRPr lang="en-US"/>
           </a:p>
@@ -3130,7 +3317,7 @@
           <a:p>
             <a:fld id="{6222EF03-A9AE-4AF1-9CC5-BDF342F0A591}" type="datetimeFigureOut">
               <a:rPr lang="en-US" smtClean="0"/>
-              <a:t>5/16/2016</a:t>
+              <a:t>3/2/2018</a:t>
             </a:fld>
             <a:endParaRPr lang="en-US"/>
           </a:p>
@@ -3537,7 +3724,7 @@
       </p:grpSpPr>
       <p:sp>
         <p:nvSpPr>
-          <p:cNvPr id="2" name="Title 1"/>
+          <p:cNvPr id="4" name="Title 3"/>
           <p:cNvSpPr>
             <a:spLocks noGrp="1"/>
           </p:cNvSpPr>
@@ -3547,19 +3734,29 @@
         </p:nvSpPr>
         <p:spPr/>
         <p:txBody>
-          <a:bodyPr/>
-          <a:lstStyle/>
-          <a:p>
-            <a:r>
-              <a:rPr lang="en-US" dirty="0" smtClean="0"/>
-              <a:t>CS-Studio:</a:t>
+          <a:bodyPr>
+            <a:normAutofit fontScale="90000"/>
+          </a:bodyPr>
+          <a:lstStyle/>
+          <a:p>
+            <a:r>
+              <a:rPr lang="en-US" dirty="0" smtClean="0"/>
+              <a:t/>
             </a:r>
             <a:br>
               <a:rPr lang="en-US" dirty="0" smtClean="0"/>
             </a:br>
             <a:r>
               <a:rPr lang="en-US" dirty="0" smtClean="0"/>
-              <a:t>Probe</a:t>
+              <a:t>Getting started with </a:t>
+            </a:r>
+            <a:r>
+              <a:rPr lang="en-US" dirty="0" err="1" smtClean="0"/>
+              <a:t>cs</a:t>
+            </a:r>
+            <a:r>
+              <a:rPr lang="en-US" dirty="0" smtClean="0"/>
+              <a:t>-studio:</a:t>
             </a:r>
             <a:endParaRPr lang="en-US" dirty="0"/>
           </a:p>
@@ -3567,7 +3764,7 @@
       </p:sp>
       <p:sp>
         <p:nvSpPr>
-          <p:cNvPr id="3" name="Subtitle 2"/>
+          <p:cNvPr id="2" name="Subtitle 1"/>
           <p:cNvSpPr>
             <a:spLocks noGrp="1"/>
           </p:cNvSpPr>
@@ -3587,7 +3784,7 @@
     </p:spTree>
     <p:extLst>
       <p:ext uri="{BB962C8B-B14F-4D97-AF65-F5344CB8AC3E}">
-        <p14:creationId xmlns:p14="http://schemas.microsoft.com/office/powerpoint/2010/main" val="1670662519"/>
+        <p14:creationId xmlns:p14="http://schemas.microsoft.com/office/powerpoint/2010/main" val="1497618373"/>
       </p:ext>
     </p:extLst>
   </p:cSld>
@@ -3621,9 +3818,95 @@
           <a:chExt cx="0" cy="0"/>
         </a:xfrm>
       </p:grpSpPr>
+      <p:sp>
+        <p:nvSpPr>
+          <p:cNvPr id="2" name="Title 1"/>
+          <p:cNvSpPr>
+            <a:spLocks noGrp="1"/>
+          </p:cNvSpPr>
+          <p:nvPr>
+            <p:ph type="title"/>
+          </p:nvPr>
+        </p:nvSpPr>
+        <p:spPr/>
+        <p:txBody>
+          <a:bodyPr/>
+          <a:lstStyle/>
+          <a:p>
+            <a:r>
+              <a:rPr lang="en-US" dirty="0" smtClean="0"/>
+              <a:t>Probe - deciphering the data</a:t>
+            </a:r>
+            <a:endParaRPr lang="en-US" dirty="0"/>
+          </a:p>
+        </p:txBody>
+      </p:sp>
+      <p:sp>
+        <p:nvSpPr>
+          <p:cNvPr id="3" name="Content Placeholder 2"/>
+          <p:cNvSpPr>
+            <a:spLocks noGrp="1"/>
+          </p:cNvSpPr>
+          <p:nvPr>
+            <p:ph sz="half" idx="1"/>
+          </p:nvPr>
+        </p:nvSpPr>
+        <p:spPr>
+          <a:xfrm>
+            <a:off x="838199" y="1825625"/>
+            <a:ext cx="5743271" cy="4351338"/>
+          </a:xfrm>
+        </p:spPr>
+        <p:txBody>
+          <a:bodyPr/>
+          <a:lstStyle/>
+          <a:p>
+            <a:r>
+              <a:rPr lang="en-US" dirty="0" smtClean="0"/>
+              <a:t>The drop down menu allows you to selected the additional information about the </a:t>
+            </a:r>
+            <a:r>
+              <a:rPr lang="en-US" dirty="0" err="1" smtClean="0"/>
+              <a:t>pv</a:t>
+            </a:r>
+            <a:r>
+              <a:rPr lang="en-US" dirty="0" smtClean="0"/>
+              <a:t> and the connection to be displayed</a:t>
+            </a:r>
+          </a:p>
+          <a:p>
+            <a:pPr lvl="1"/>
+            <a:r>
+              <a:rPr lang="en-US" dirty="0" smtClean="0"/>
+              <a:t>Viewer</a:t>
+            </a:r>
+          </a:p>
+          <a:p>
+            <a:pPr lvl="1"/>
+            <a:r>
+              <a:rPr lang="en-US" dirty="0" smtClean="0"/>
+              <a:t>Value</a:t>
+            </a:r>
+          </a:p>
+          <a:p>
+            <a:pPr lvl="1"/>
+            <a:r>
+              <a:rPr lang="en-US" dirty="0" smtClean="0"/>
+              <a:t>Change value</a:t>
+            </a:r>
+          </a:p>
+          <a:p>
+            <a:pPr lvl="1"/>
+            <a:r>
+              <a:rPr lang="en-US" dirty="0" smtClean="0"/>
+              <a:t>Details</a:t>
+            </a:r>
+          </a:p>
+        </p:txBody>
+      </p:sp>
       <p:pic>
         <p:nvPicPr>
-          <p:cNvPr id="9" name="Picture 8"/>
+          <p:cNvPr id="5" name="Picture 4"/>
           <p:cNvPicPr>
             <a:picLocks noChangeAspect="1"/>
           </p:cNvPicPr>
@@ -3637,237 +3920,23 @@
         </p:blipFill>
         <p:spPr>
           <a:xfrm>
-            <a:off x="5307612" y="1332732"/>
-            <a:ext cx="5105400" cy="3143250"/>
+            <a:off x="222451" y="723079"/>
+            <a:ext cx="615749" cy="609653"/>
           </a:xfrm>
           <a:prstGeom prst="rect">
             <a:avLst/>
           </a:prstGeom>
         </p:spPr>
       </p:pic>
-      <p:sp>
-        <p:nvSpPr>
-          <p:cNvPr id="2" name="Title 1"/>
-          <p:cNvSpPr>
-            <a:spLocks noGrp="1"/>
-          </p:cNvSpPr>
-          <p:nvPr>
-            <p:ph type="title"/>
-          </p:nvPr>
-        </p:nvSpPr>
-        <p:spPr/>
-        <p:txBody>
-          <a:bodyPr/>
-          <a:lstStyle/>
-          <a:p>
-            <a:r>
-              <a:rPr lang="en-US" dirty="0" smtClean="0"/>
-              <a:t>Probe – process variable (</a:t>
-            </a:r>
-            <a:r>
-              <a:rPr lang="en-US" dirty="0" err="1" smtClean="0"/>
-              <a:t>Datasource</a:t>
-            </a:r>
-            <a:r>
-              <a:rPr lang="en-US" dirty="0" smtClean="0"/>
-              <a:t>)</a:t>
-            </a:r>
-            <a:endParaRPr lang="en-US" dirty="0"/>
-          </a:p>
-        </p:txBody>
-      </p:sp>
-      <p:sp>
-        <p:nvSpPr>
-          <p:cNvPr id="4" name="Content Placeholder 3"/>
-          <p:cNvSpPr>
-            <a:spLocks noGrp="1"/>
-          </p:cNvSpPr>
-          <p:nvPr>
-            <p:ph sz="half" idx="1"/>
-          </p:nvPr>
-        </p:nvSpPr>
-        <p:spPr/>
-        <p:txBody>
-          <a:bodyPr>
-            <a:normAutofit lnSpcReduction="10000"/>
-          </a:bodyPr>
-          <a:lstStyle/>
-          <a:p>
-            <a:pPr marL="0" indent="0">
-              <a:buNone/>
-            </a:pPr>
-            <a:r>
-              <a:rPr lang="en-US" i="1" dirty="0"/>
-              <a:t>type</a:t>
-            </a:r>
-            <a:r>
-              <a:rPr lang="en-US" dirty="0"/>
-              <a:t>://some_pv_name </a:t>
-            </a:r>
-            <a:endParaRPr lang="en-US" dirty="0" smtClean="0"/>
-          </a:p>
-          <a:p>
-            <a:endParaRPr lang="en-US" dirty="0" smtClean="0"/>
-          </a:p>
-          <a:p>
-            <a:r>
-              <a:rPr lang="en-US" dirty="0" err="1" smtClean="0"/>
-              <a:t>Datasources</a:t>
-            </a:r>
-            <a:endParaRPr lang="en-US" dirty="0" smtClean="0"/>
-          </a:p>
-          <a:p>
-            <a:pPr lvl="1"/>
-            <a:r>
-              <a:rPr lang="en-US" dirty="0" smtClean="0"/>
-              <a:t>System (</a:t>
-            </a:r>
-            <a:r>
-              <a:rPr lang="en-US" i="1" dirty="0" smtClean="0"/>
-              <a:t>sys://</a:t>
-            </a:r>
-            <a:r>
-              <a:rPr lang="en-US" dirty="0" smtClean="0"/>
-              <a:t>)</a:t>
-            </a:r>
-          </a:p>
-          <a:p>
-            <a:pPr lvl="1"/>
-            <a:r>
-              <a:rPr lang="en-US" dirty="0"/>
-              <a:t>Local </a:t>
-            </a:r>
-            <a:r>
-              <a:rPr lang="en-US" dirty="0" smtClean="0"/>
-              <a:t>(</a:t>
-            </a:r>
-            <a:r>
-              <a:rPr lang="en-US" i="1" dirty="0" smtClean="0"/>
-              <a:t>loc://</a:t>
-            </a:r>
-            <a:r>
-              <a:rPr lang="en-US" dirty="0" smtClean="0"/>
-              <a:t>)</a:t>
-            </a:r>
-          </a:p>
-          <a:p>
-            <a:pPr lvl="1"/>
-            <a:r>
-              <a:rPr lang="en-US" dirty="0"/>
-              <a:t>Simulation (</a:t>
-            </a:r>
-            <a:r>
-              <a:rPr lang="en-US" i="1" dirty="0"/>
-              <a:t>sim</a:t>
-            </a:r>
-            <a:r>
-              <a:rPr lang="en-US" i="1" dirty="0" smtClean="0"/>
-              <a:t>://</a:t>
-            </a:r>
-            <a:r>
-              <a:rPr lang="en-US" dirty="0" smtClean="0"/>
-              <a:t>)</a:t>
-            </a:r>
-          </a:p>
-          <a:p>
-            <a:pPr lvl="1"/>
-            <a:r>
-              <a:rPr lang="en-US" dirty="0" smtClean="0"/>
-              <a:t>File(</a:t>
-            </a:r>
-            <a:r>
-              <a:rPr lang="en-US" i="1" dirty="0" smtClean="0"/>
-              <a:t>file://</a:t>
-            </a:r>
-            <a:r>
-              <a:rPr lang="en-US" dirty="0" smtClean="0"/>
-              <a:t>)</a:t>
-            </a:r>
-          </a:p>
-          <a:p>
-            <a:pPr lvl="1"/>
-            <a:r>
-              <a:rPr lang="en-US" dirty="0" err="1" smtClean="0"/>
-              <a:t>PVAccess</a:t>
-            </a:r>
-            <a:r>
-              <a:rPr lang="en-US" dirty="0" smtClean="0"/>
-              <a:t> (</a:t>
-            </a:r>
-            <a:r>
-              <a:rPr lang="en-US" i="1" dirty="0" smtClean="0"/>
-              <a:t>pva://</a:t>
-            </a:r>
-            <a:r>
-              <a:rPr lang="en-US" dirty="0" smtClean="0"/>
-              <a:t>)</a:t>
-            </a:r>
-          </a:p>
-          <a:p>
-            <a:pPr lvl="1"/>
-            <a:endParaRPr lang="en-US" dirty="0"/>
-          </a:p>
-          <a:p>
-            <a:r>
-              <a:rPr lang="en-US" dirty="0" smtClean="0"/>
-              <a:t>Help</a:t>
-            </a:r>
-          </a:p>
-          <a:p>
-            <a:pPr marL="457200" lvl="1" indent="0">
-              <a:buNone/>
-            </a:pPr>
-            <a:r>
-              <a:rPr lang="en-US" dirty="0" smtClean="0"/>
-              <a:t>CSS Core </a:t>
-            </a:r>
-            <a:r>
-              <a:rPr lang="en-US" dirty="0" smtClean="0">
-                <a:sym typeface="Wingdings" panose="05000000000000000000" pitchFamily="2" charset="2"/>
-              </a:rPr>
-              <a:t> </a:t>
-            </a:r>
-            <a:r>
-              <a:rPr lang="en-US" dirty="0">
-                <a:sym typeface="Wingdings" panose="05000000000000000000" pitchFamily="2" charset="2"/>
-              </a:rPr>
-              <a:t>P</a:t>
-            </a:r>
-            <a:r>
-              <a:rPr lang="en-US" dirty="0" smtClean="0">
-                <a:sym typeface="Wingdings" panose="05000000000000000000" pitchFamily="2" charset="2"/>
-              </a:rPr>
-              <a:t>rocess Variables</a:t>
-            </a:r>
-            <a:endParaRPr lang="en-US" dirty="0" smtClean="0"/>
-          </a:p>
-          <a:p>
-            <a:pPr marL="0" indent="0">
-              <a:buNone/>
-            </a:pPr>
-            <a:endParaRPr lang="en-US" dirty="0" smtClean="0"/>
-          </a:p>
-          <a:p>
-            <a:pPr marL="457200" lvl="1" indent="0">
-              <a:buNone/>
-            </a:pPr>
-            <a:endParaRPr lang="en-US" dirty="0" smtClean="0"/>
-          </a:p>
-          <a:p>
-            <a:pPr marL="457200" lvl="1" indent="0">
-              <a:buNone/>
-            </a:pPr>
-            <a:endParaRPr lang="en-US" dirty="0"/>
-          </a:p>
-        </p:txBody>
-      </p:sp>
       <p:pic>
         <p:nvPicPr>
-          <p:cNvPr id="5" name="Picture 4"/>
+          <p:cNvPr id="6" name="Content Placeholder 5"/>
           <p:cNvPicPr>
-            <a:picLocks noChangeAspect="1"/>
+            <a:picLocks noGrp="1" noChangeAspect="1"/>
           </p:cNvPicPr>
-          <p:nvPr/>
+          <p:nvPr>
+            <p:ph sz="half" idx="2"/>
+          </p:nvPr>
         </p:nvPicPr>
         <p:blipFill>
           <a:blip r:embed="rId3"/>
@@ -3877,42 +3946,135 @@
         </p:blipFill>
         <p:spPr>
           <a:xfrm>
-            <a:off x="222451" y="723079"/>
-            <a:ext cx="615749" cy="609653"/>
+            <a:off x="6581470" y="1825625"/>
+            <a:ext cx="4363059" cy="4351338"/>
           </a:xfrm>
           <a:prstGeom prst="rect">
             <a:avLst/>
           </a:prstGeom>
         </p:spPr>
       </p:pic>
-      <p:pic>
-        <p:nvPicPr>
-          <p:cNvPr id="8" name="Picture 7"/>
-          <p:cNvPicPr>
-            <a:picLocks noChangeAspect="1"/>
-          </p:cNvPicPr>
+      <p:sp>
+        <p:nvSpPr>
+          <p:cNvPr id="7" name="Oval 6"/>
+          <p:cNvSpPr/>
           <p:nvPr/>
-        </p:nvPicPr>
-        <p:blipFill>
-          <a:blip r:embed="rId4"/>
-          <a:stretch>
-            <a:fillRect/>
-          </a:stretch>
-        </p:blipFill>
-        <p:spPr>
-          <a:xfrm>
-            <a:off x="6405785" y="3215651"/>
-            <a:ext cx="4948015" cy="2961312"/>
-          </a:xfrm>
-          <a:prstGeom prst="rect">
+        </p:nvSpPr>
+        <p:spPr>
+          <a:xfrm>
+            <a:off x="9248173" y="1690688"/>
+            <a:ext cx="457200" cy="457200"/>
+          </a:xfrm>
+          <a:prstGeom prst="ellipse">
             <a:avLst/>
           </a:prstGeom>
-        </p:spPr>
-      </p:pic>
+          <a:noFill/>
+        </p:spPr>
+        <p:style>
+          <a:lnRef idx="2">
+            <a:schemeClr val="accent6"/>
+          </a:lnRef>
+          <a:fillRef idx="1">
+            <a:schemeClr val="lt1"/>
+          </a:fillRef>
+          <a:effectRef idx="0">
+            <a:schemeClr val="accent6"/>
+          </a:effectRef>
+          <a:fontRef idx="minor">
+            <a:schemeClr val="dk1"/>
+          </a:fontRef>
+        </p:style>
+        <p:txBody>
+          <a:bodyPr rtlCol="0" anchor="ctr"/>
+          <a:lstStyle/>
+          <a:p>
+            <a:pPr algn="ctr"/>
+            <a:endParaRPr lang="en-US"/>
+          </a:p>
+        </p:txBody>
+      </p:sp>
+      <p:sp>
+        <p:nvSpPr>
+          <p:cNvPr id="9" name="Oval 8"/>
+          <p:cNvSpPr/>
+          <p:nvPr/>
+        </p:nvSpPr>
+        <p:spPr>
+          <a:xfrm>
+            <a:off x="9065293" y="1507808"/>
+            <a:ext cx="822960" cy="822960"/>
+          </a:xfrm>
+          <a:prstGeom prst="ellipse">
+            <a:avLst/>
+          </a:prstGeom>
+          <a:noFill/>
+        </p:spPr>
+        <p:style>
+          <a:lnRef idx="2">
+            <a:schemeClr val="accent6"/>
+          </a:lnRef>
+          <a:fillRef idx="1">
+            <a:schemeClr val="lt1"/>
+          </a:fillRef>
+          <a:effectRef idx="0">
+            <a:schemeClr val="accent6"/>
+          </a:effectRef>
+          <a:fontRef idx="minor">
+            <a:schemeClr val="dk1"/>
+          </a:fontRef>
+        </p:style>
+        <p:txBody>
+          <a:bodyPr rtlCol="0" anchor="ctr"/>
+          <a:lstStyle/>
+          <a:p>
+            <a:pPr algn="ctr"/>
+            <a:endParaRPr lang="en-US"/>
+          </a:p>
+        </p:txBody>
+      </p:sp>
+      <p:sp>
+        <p:nvSpPr>
+          <p:cNvPr id="10" name="Oval 9"/>
+          <p:cNvSpPr/>
+          <p:nvPr/>
+        </p:nvSpPr>
+        <p:spPr>
+          <a:xfrm>
+            <a:off x="9156733" y="1599248"/>
+            <a:ext cx="640080" cy="640080"/>
+          </a:xfrm>
+          <a:prstGeom prst="ellipse">
+            <a:avLst/>
+          </a:prstGeom>
+          <a:noFill/>
+        </p:spPr>
+        <p:style>
+          <a:lnRef idx="2">
+            <a:schemeClr val="accent6"/>
+          </a:lnRef>
+          <a:fillRef idx="1">
+            <a:schemeClr val="lt1"/>
+          </a:fillRef>
+          <a:effectRef idx="0">
+            <a:schemeClr val="accent6"/>
+          </a:effectRef>
+          <a:fontRef idx="minor">
+            <a:schemeClr val="dk1"/>
+          </a:fontRef>
+        </p:style>
+        <p:txBody>
+          <a:bodyPr rtlCol="0" anchor="ctr"/>
+          <a:lstStyle/>
+          <a:p>
+            <a:pPr algn="ctr"/>
+            <a:endParaRPr lang="en-US"/>
+          </a:p>
+        </p:txBody>
+      </p:sp>
     </p:spTree>
     <p:extLst>
       <p:ext uri="{BB962C8B-B14F-4D97-AF65-F5344CB8AC3E}">
-        <p14:creationId xmlns:p14="http://schemas.microsoft.com/office/powerpoint/2010/main" val="1902595995"/>
+        <p14:creationId xmlns:p14="http://schemas.microsoft.com/office/powerpoint/2010/main" val="2668535233"/>
       </p:ext>
     </p:extLst>
   </p:cSld>
@@ -3963,60 +4125,102 @@
           <a:p>
             <a:r>
               <a:rPr lang="en-US" dirty="0" smtClean="0"/>
-              <a:t>Probe - Autocomplete </a:t>
+              <a:t>Probe - writing a value</a:t>
+            </a:r>
+            <a:endParaRPr lang="en-US" dirty="0"/>
+          </a:p>
+        </p:txBody>
+      </p:sp>
+      <p:sp>
+        <p:nvSpPr>
+          <p:cNvPr id="3" name="Content Placeholder 2"/>
+          <p:cNvSpPr>
+            <a:spLocks noGrp="1"/>
+          </p:cNvSpPr>
+          <p:nvPr>
+            <p:ph sz="half" idx="1"/>
+          </p:nvPr>
+        </p:nvSpPr>
+        <p:spPr>
+          <a:xfrm>
+            <a:off x="838200" y="1825625"/>
+            <a:ext cx="6291806" cy="4351338"/>
+          </a:xfrm>
+        </p:spPr>
+        <p:txBody>
+          <a:bodyPr/>
+          <a:lstStyle/>
+          <a:p>
+            <a:r>
+              <a:rPr lang="en-US" dirty="0" smtClean="0"/>
+              <a:t>Connect to a simple scalar </a:t>
             </a:r>
             <a:r>
               <a:rPr lang="en-US" dirty="0" err="1" smtClean="0"/>
-              <a:t>Datasources</a:t>
+              <a:t>pv</a:t>
+            </a:r>
+            <a:r>
+              <a:rPr lang="en-US" dirty="0" smtClean="0"/>
+              <a:t> (local)</a:t>
             </a:r>
             <a:endParaRPr lang="en-US" dirty="0"/>
           </a:p>
-        </p:txBody>
-      </p:sp>
-      <p:sp>
-        <p:nvSpPr>
-          <p:cNvPr id="3" name="Content Placeholder 2"/>
-          <p:cNvSpPr>
-            <a:spLocks noGrp="1"/>
-          </p:cNvSpPr>
-          <p:nvPr>
-            <p:ph sz="half" idx="1"/>
-          </p:nvPr>
-        </p:nvSpPr>
-        <p:spPr>
-          <a:xfrm>
-            <a:off x="838199" y="1825625"/>
-            <a:ext cx="4118303" cy="4351338"/>
-          </a:xfrm>
-        </p:spPr>
-        <p:txBody>
-          <a:bodyPr>
-            <a:normAutofit/>
-          </a:bodyPr>
-          <a:lstStyle/>
-          <a:p>
-            <a:r>
-              <a:rPr lang="en-US" dirty="0" smtClean="0"/>
-              <a:t>Autocomplete will list the various </a:t>
+          <a:p>
+            <a:pPr lvl="1"/>
+            <a:r>
+              <a:rPr lang="en-US" dirty="0" smtClean="0"/>
+              <a:t>In the </a:t>
+            </a:r>
+            <a:r>
+              <a:rPr lang="en-US" i="1" dirty="0" smtClean="0"/>
+              <a:t>PV Formula: </a:t>
+            </a:r>
+            <a:r>
+              <a:rPr lang="en-US" dirty="0" smtClean="0"/>
+              <a:t>field type “</a:t>
             </a:r>
             <a:r>
               <a:rPr lang="en-US" dirty="0" err="1" smtClean="0"/>
-              <a:t>pv’s</a:t>
-            </a:r>
-            <a:r>
-              <a:rPr lang="en-US" dirty="0" smtClean="0"/>
-              <a:t> available for a particular </a:t>
+              <a:t>loc</a:t>
+            </a:r>
+            <a:r>
+              <a:rPr lang="en-US" dirty="0" smtClean="0"/>
+              <a:t>://</a:t>
             </a:r>
             <a:r>
               <a:rPr lang="en-US" dirty="0" err="1" smtClean="0"/>
-              <a:t>datasource</a:t>
-            </a:r>
+              <a:t>my_test_pv</a:t>
+            </a:r>
+            <a:r>
+              <a:rPr lang="en-US" dirty="0" smtClean="0"/>
+              <a:t>(0)” and hit RETURN</a:t>
+            </a:r>
+          </a:p>
+          <a:p>
+            <a:pPr lvl="1"/>
+            <a:r>
+              <a:rPr lang="en-US" dirty="0" smtClean="0"/>
+              <a:t>In the </a:t>
+            </a:r>
+            <a:r>
+              <a:rPr lang="en-US" i="1" dirty="0" smtClean="0"/>
+              <a:t>New Value</a:t>
+            </a:r>
+            <a:r>
+              <a:rPr lang="en-US" dirty="0"/>
+              <a:t>:</a:t>
+            </a:r>
+            <a:r>
+              <a:rPr lang="en-US" dirty="0" smtClean="0"/>
+              <a:t> field enter any valid number and hit RETURN</a:t>
+            </a:r>
+          </a:p>
+          <a:p>
+            <a:pPr lvl="1"/>
             <a:endParaRPr lang="en-US" dirty="0" smtClean="0"/>
           </a:p>
           <a:p>
-            <a:pPr marL="457200" lvl="1" indent="0">
-              <a:buNone/>
-            </a:pPr>
+            <a:pPr lvl="1"/>
             <a:endParaRPr lang="en-US" dirty="0" smtClean="0"/>
           </a:p>
         </p:txBody>
@@ -4045,44 +4249,15 @@
           </a:prstGeom>
         </p:spPr>
       </p:pic>
-      <p:sp>
-        <p:nvSpPr>
-          <p:cNvPr id="9" name="TextBox 8"/>
-          <p:cNvSpPr txBox="1"/>
-          <p:nvPr/>
-        </p:nvSpPr>
-        <p:spPr>
-          <a:xfrm>
-            <a:off x="9186440" y="4511675"/>
-            <a:ext cx="1134319" cy="369332"/>
-          </a:xfrm>
-          <a:prstGeom prst="rect">
-            <a:avLst/>
-          </a:prstGeom>
-          <a:noFill/>
-        </p:spPr>
-        <p:txBody>
-          <a:bodyPr wrap="square" rtlCol="0">
-            <a:spAutoFit/>
-          </a:bodyPr>
-          <a:lstStyle/>
-          <a:p>
-            <a:pPr algn="ctr"/>
-            <a:r>
-              <a:rPr lang="en-US" dirty="0" smtClean="0"/>
-              <a:t>Figure 1</a:t>
-            </a:r>
-            <a:endParaRPr lang="en-US" dirty="0"/>
-          </a:p>
-        </p:txBody>
-      </p:sp>
       <p:pic>
         <p:nvPicPr>
-          <p:cNvPr id="6" name="Picture 5"/>
+          <p:cNvPr id="10" name="Content Placeholder 9"/>
           <p:cNvPicPr>
-            <a:picLocks noChangeAspect="1"/>
+            <a:picLocks noGrp="1" noChangeAspect="1"/>
           </p:cNvPicPr>
-          <p:nvPr/>
+          <p:nvPr>
+            <p:ph sz="half" idx="2"/>
+          </p:nvPr>
         </p:nvPicPr>
         <p:blipFill>
           <a:blip r:embed="rId3"/>
@@ -4092,80 +4267,8 @@
         </p:blipFill>
         <p:spPr>
           <a:xfrm>
-            <a:off x="5002997" y="1228312"/>
-            <a:ext cx="5429250" cy="4210050"/>
-          </a:xfrm>
-          <a:prstGeom prst="rect">
-            <a:avLst/>
-          </a:prstGeom>
-        </p:spPr>
-      </p:pic>
-      <p:pic>
-        <p:nvPicPr>
-          <p:cNvPr id="4" name="Picture 3"/>
-          <p:cNvPicPr>
-            <a:picLocks noChangeAspect="1"/>
-          </p:cNvPicPr>
-          <p:nvPr/>
-        </p:nvPicPr>
-        <p:blipFill>
-          <a:blip r:embed="rId4"/>
-          <a:stretch>
-            <a:fillRect/>
-          </a:stretch>
-        </p:blipFill>
-        <p:spPr>
-          <a:xfrm>
-            <a:off x="5826909" y="1835252"/>
-            <a:ext cx="3781425" cy="3924300"/>
-          </a:xfrm>
-          <a:prstGeom prst="rect">
-            <a:avLst/>
-          </a:prstGeom>
-        </p:spPr>
-      </p:pic>
-      <p:pic>
-        <p:nvPicPr>
-          <p:cNvPr id="13" name="Picture 12"/>
-          <p:cNvPicPr>
-            <a:picLocks noChangeAspect="1"/>
-          </p:cNvPicPr>
-          <p:nvPr/>
-        </p:nvPicPr>
-        <p:blipFill>
-          <a:blip r:embed="rId5"/>
-          <a:stretch>
-            <a:fillRect/>
-          </a:stretch>
-        </p:blipFill>
-        <p:spPr>
-          <a:xfrm>
-            <a:off x="7923266" y="2824678"/>
-            <a:ext cx="3733800" cy="3743325"/>
-          </a:xfrm>
-          <a:prstGeom prst="rect">
-            <a:avLst/>
-          </a:prstGeom>
-        </p:spPr>
-      </p:pic>
-      <p:pic>
-        <p:nvPicPr>
-          <p:cNvPr id="11" name="Picture 10"/>
-          <p:cNvPicPr>
-            <a:picLocks noChangeAspect="1"/>
-          </p:cNvPicPr>
-          <p:nvPr/>
-        </p:nvPicPr>
-        <p:blipFill>
-          <a:blip r:embed="rId6"/>
-          <a:stretch>
-            <a:fillRect/>
-          </a:stretch>
-        </p:blipFill>
-        <p:spPr>
-          <a:xfrm>
-            <a:off x="8650613" y="3333337"/>
-            <a:ext cx="3052948" cy="3328562"/>
+            <a:off x="7475759" y="1825625"/>
+            <a:ext cx="3883224" cy="4351338"/>
           </a:xfrm>
           <a:prstGeom prst="rect">
             <a:avLst/>
@@ -4175,7 +4278,7 @@
     </p:spTree>
     <p:extLst>
       <p:ext uri="{BB962C8B-B14F-4D97-AF65-F5344CB8AC3E}">
-        <p14:creationId xmlns:p14="http://schemas.microsoft.com/office/powerpoint/2010/main" val="3780380596"/>
+        <p14:creationId xmlns:p14="http://schemas.microsoft.com/office/powerpoint/2010/main" val="2981400463"/>
       </p:ext>
     </p:extLst>
   </p:cSld>
@@ -4226,133 +4329,157 @@
           <a:p>
             <a:r>
               <a:rPr lang="en-US" dirty="0" smtClean="0"/>
-              <a:t>Probe - </a:t>
+              <a:t>Probe - writing a value</a:t>
+            </a:r>
+            <a:endParaRPr lang="en-US" dirty="0"/>
+          </a:p>
+        </p:txBody>
+      </p:sp>
+      <p:sp>
+        <p:nvSpPr>
+          <p:cNvPr id="7" name="Text Placeholder 6"/>
+          <p:cNvSpPr>
+            <a:spLocks noGrp="1"/>
+          </p:cNvSpPr>
+          <p:nvPr>
+            <p:ph type="body" sz="half" idx="2"/>
+          </p:nvPr>
+        </p:nvSpPr>
+        <p:spPr/>
+        <p:txBody>
+          <a:bodyPr/>
+          <a:lstStyle/>
+          <a:p>
+            <a:endParaRPr lang="en-US" dirty="0" smtClean="0"/>
+          </a:p>
+          <a:p>
+            <a:pPr marL="285750" indent="-285750">
+              <a:buFont typeface="Arial" panose="020B0604020202020204" pitchFamily="34" charset="0"/>
+              <a:buChar char="•"/>
+            </a:pPr>
+            <a:r>
+              <a:rPr lang="en-US" dirty="0" smtClean="0"/>
+              <a:t>Open 2 probes</a:t>
+            </a:r>
+          </a:p>
+          <a:p>
+            <a:pPr marL="285750" indent="-285750">
+              <a:buFont typeface="Arial" panose="020B0604020202020204" pitchFamily="34" charset="0"/>
+              <a:buChar char="•"/>
+            </a:pPr>
+            <a:r>
+              <a:rPr lang="en-US" dirty="0" smtClean="0"/>
+              <a:t>Move the probe views so that they can be both viewed simultaneously</a:t>
+            </a:r>
+          </a:p>
+          <a:p>
+            <a:pPr marL="285750" indent="-285750">
+              <a:buFont typeface="Arial" panose="020B0604020202020204" pitchFamily="34" charset="0"/>
+              <a:buChar char="•"/>
+            </a:pPr>
+            <a:r>
+              <a:rPr lang="en-US" dirty="0" smtClean="0"/>
+              <a:t>In the first probe enter the </a:t>
             </a:r>
             <a:r>
               <a:rPr lang="en-US" dirty="0" err="1" smtClean="0"/>
-              <a:t>pv’s</a:t>
-            </a:r>
-            <a:r>
-              <a:rPr lang="en-US" dirty="0" smtClean="0"/>
-              <a:t> and formulas</a:t>
+              <a:t>setpoint</a:t>
+            </a:r>
+            <a:r>
+              <a:rPr lang="en-US" dirty="0" smtClean="0"/>
+              <a:t> </a:t>
+            </a:r>
+            <a:r>
+              <a:rPr lang="en-US" dirty="0" err="1" smtClean="0"/>
+              <a:t>pv</a:t>
+            </a:r>
+            <a:r>
+              <a:rPr lang="en-US" dirty="0" smtClean="0"/>
+              <a:t/>
+            </a:r>
+            <a:br>
+              <a:rPr lang="en-US" dirty="0" smtClean="0"/>
+            </a:br>
+            <a:r>
+              <a:rPr lang="en-US" dirty="0" smtClean="0"/>
+              <a:t>PV</a:t>
+            </a:r>
+            <a:r>
+              <a:rPr lang="en-US" dirty="0"/>
+              <a:t>: </a:t>
+            </a:r>
+            <a:r>
+              <a:rPr lang="en-US" i="1" dirty="0" smtClean="0"/>
+              <a:t>XF:31IDA-OP{Tbl-Ax:X1}</a:t>
+            </a:r>
+            <a:r>
+              <a:rPr lang="en-US" i="1" dirty="0" err="1" smtClean="0"/>
+              <a:t>Mtr</a:t>
+            </a:r>
+            <a:endParaRPr lang="en-US" i="1" dirty="0" smtClean="0"/>
+          </a:p>
+          <a:p>
+            <a:pPr marL="285750" indent="-285750">
+              <a:buFont typeface="Arial" panose="020B0604020202020204" pitchFamily="34" charset="0"/>
+              <a:buChar char="•"/>
+            </a:pPr>
+            <a:r>
+              <a:rPr lang="en-US" dirty="0" smtClean="0"/>
+              <a:t>In the second probe enter the </a:t>
+            </a:r>
+            <a:r>
+              <a:rPr lang="en-US" dirty="0" err="1" smtClean="0"/>
+              <a:t>Readback</a:t>
+            </a:r>
+            <a:r>
+              <a:rPr lang="en-US" dirty="0" smtClean="0"/>
+              <a:t> </a:t>
+            </a:r>
+            <a:r>
+              <a:rPr lang="en-US" dirty="0" err="1" smtClean="0"/>
+              <a:t>pv</a:t>
+            </a:r>
+            <a:r>
+              <a:rPr lang="en-US" dirty="0"/>
+              <a:t/>
+            </a:r>
+            <a:br>
+              <a:rPr lang="en-US" dirty="0"/>
+            </a:br>
+            <a:r>
+              <a:rPr lang="en-US" dirty="0" smtClean="0"/>
+              <a:t>PV: </a:t>
+            </a:r>
+            <a:r>
+              <a:rPr lang="en-US" i="1" dirty="0" smtClean="0"/>
+              <a:t>XF:31IDA-OP{Tbl-Ax:X1}</a:t>
+            </a:r>
+            <a:r>
+              <a:rPr lang="en-US" i="1" dirty="0" err="1" smtClean="0"/>
+              <a:t>Mtr.RBV</a:t>
+            </a:r>
+            <a:endParaRPr lang="en-US" i="1" dirty="0" smtClean="0"/>
+          </a:p>
+          <a:p>
+            <a:pPr marL="285750" indent="-285750">
+              <a:buFont typeface="Arial" panose="020B0604020202020204" pitchFamily="34" charset="0"/>
+              <a:buChar char="•"/>
+            </a:pPr>
+            <a:r>
+              <a:rPr lang="en-US" dirty="0" smtClean="0"/>
+              <a:t>Set a new motor position (-100 and 100)</a:t>
             </a:r>
             <a:endParaRPr lang="en-US" dirty="0"/>
           </a:p>
-        </p:txBody>
-      </p:sp>
-      <p:sp>
-        <p:nvSpPr>
-          <p:cNvPr id="4" name="Content Placeholder 3"/>
-          <p:cNvSpPr>
-            <a:spLocks noGrp="1"/>
-          </p:cNvSpPr>
-          <p:nvPr>
-            <p:ph sz="half" idx="1"/>
-          </p:nvPr>
-        </p:nvSpPr>
-        <p:spPr/>
-        <p:txBody>
-          <a:bodyPr/>
-          <a:lstStyle/>
-          <a:p>
-            <a:r>
-              <a:rPr lang="en-US" dirty="0" smtClean="0"/>
-              <a:t>Formulas </a:t>
-            </a:r>
-          </a:p>
-          <a:p>
-            <a:pPr lvl="1"/>
-            <a:r>
-              <a:rPr lang="en-US" dirty="0" smtClean="0"/>
-              <a:t>Mathematical operations</a:t>
-            </a:r>
-          </a:p>
-          <a:p>
-            <a:pPr lvl="1"/>
-            <a:r>
-              <a:rPr lang="en-US" dirty="0" smtClean="0"/>
-              <a:t>Logical operations</a:t>
-            </a:r>
-          </a:p>
-          <a:p>
-            <a:pPr lvl="1"/>
-            <a:r>
-              <a:rPr lang="en-US" dirty="0" smtClean="0"/>
-              <a:t>Array operations</a:t>
-            </a:r>
-          </a:p>
-          <a:p>
-            <a:pPr lvl="1"/>
-            <a:r>
-              <a:rPr lang="en-US" dirty="0" smtClean="0"/>
-              <a:t>Create/modify tables and arrays</a:t>
-            </a:r>
-          </a:p>
-          <a:p>
-            <a:pPr lvl="1"/>
-            <a:endParaRPr lang="en-US" dirty="0"/>
-          </a:p>
-          <a:p>
-            <a:r>
-              <a:rPr lang="en-US" dirty="0" smtClean="0"/>
-              <a:t>Start with a ‘=‘</a:t>
-            </a:r>
-          </a:p>
-          <a:p>
-            <a:r>
-              <a:rPr lang="en-US" dirty="0" smtClean="0"/>
-              <a:t>Don’t use formulas for things that should be done in the IOC</a:t>
-            </a:r>
-          </a:p>
-          <a:p>
-            <a:endParaRPr lang="en-US" dirty="0" smtClean="0"/>
-          </a:p>
-          <a:p>
-            <a:pPr marL="0" indent="0">
-              <a:buNone/>
+          <a:p>
+            <a:pPr marL="285750" indent="-285750">
+              <a:buFont typeface="Arial" panose="020B0604020202020204" pitchFamily="34" charset="0"/>
+              <a:buChar char="•"/>
             </a:pPr>
             <a:endParaRPr lang="en-US" dirty="0" smtClean="0"/>
           </a:p>
-          <a:p>
-            <a:pPr marL="457200" lvl="1" indent="0">
-              <a:buNone/>
-            </a:pPr>
-            <a:endParaRPr lang="en-US" dirty="0" smtClean="0"/>
-          </a:p>
-          <a:p>
-            <a:pPr marL="457200" lvl="1" indent="0">
-              <a:buNone/>
-            </a:pPr>
-            <a:endParaRPr lang="en-US" dirty="0"/>
-          </a:p>
-        </p:txBody>
-      </p:sp>
-      <p:pic>
-        <p:nvPicPr>
-          <p:cNvPr id="7" name="Content Placeholder 6"/>
-          <p:cNvPicPr>
-            <a:picLocks noGrp="1" noChangeAspect="1"/>
-          </p:cNvPicPr>
-          <p:nvPr>
-            <p:ph sz="half" idx="2"/>
-          </p:nvPr>
-        </p:nvPicPr>
-        <p:blipFill>
-          <a:blip r:embed="rId2"/>
-          <a:stretch>
-            <a:fillRect/>
-          </a:stretch>
-        </p:blipFill>
-        <p:spPr>
-          <a:xfrm>
-            <a:off x="6529387" y="1901031"/>
-            <a:ext cx="4467225" cy="4200525"/>
-          </a:xfrm>
-          <a:prstGeom prst="rect">
-            <a:avLst/>
-          </a:prstGeom>
-        </p:spPr>
-      </p:pic>
+        </p:txBody>
+      </p:sp>
       <p:pic>
         <p:nvPicPr>
           <p:cNvPr id="5" name="Picture 4"/>
@@ -4362,6 +4489,32 @@
           <p:nvPr/>
         </p:nvPicPr>
         <p:blipFill>
+          <a:blip r:embed="rId2"/>
+          <a:stretch>
+            <a:fillRect/>
+          </a:stretch>
+        </p:blipFill>
+        <p:spPr>
+          <a:xfrm>
+            <a:off x="222451" y="723079"/>
+            <a:ext cx="615749" cy="609653"/>
+          </a:xfrm>
+          <a:prstGeom prst="rect">
+            <a:avLst/>
+          </a:prstGeom>
+        </p:spPr>
+      </p:pic>
+      <p:pic>
+        <p:nvPicPr>
+          <p:cNvPr id="9" name="Content Placeholder 5"/>
+          <p:cNvPicPr>
+            <a:picLocks noGrp="1" noChangeAspect="1"/>
+          </p:cNvPicPr>
+          <p:nvPr>
+            <p:ph idx="1"/>
+          </p:nvPr>
+        </p:nvPicPr>
+        <p:blipFill>
           <a:blip r:embed="rId3"/>
           <a:stretch>
             <a:fillRect/>
@@ -4369,8 +4522,8 @@
         </p:blipFill>
         <p:spPr>
           <a:xfrm>
-            <a:off x="222451" y="723079"/>
-            <a:ext cx="615749" cy="609653"/>
+            <a:off x="5710860" y="855561"/>
+            <a:ext cx="5227216" cy="5112835"/>
           </a:xfrm>
           <a:prstGeom prst="rect">
             <a:avLst/>
@@ -4380,7 +4533,7 @@
     </p:spTree>
     <p:extLst>
       <p:ext uri="{BB962C8B-B14F-4D97-AF65-F5344CB8AC3E}">
-        <p14:creationId xmlns:p14="http://schemas.microsoft.com/office/powerpoint/2010/main" val="2095962594"/>
+        <p14:creationId xmlns:p14="http://schemas.microsoft.com/office/powerpoint/2010/main" val="1109382699"/>
       </p:ext>
     </p:extLst>
   </p:cSld>
@@ -4424,6 +4577,1115 @@
             <p:ph type="title"/>
           </p:nvPr>
         </p:nvSpPr>
+        <p:spPr/>
+        <p:txBody>
+          <a:bodyPr/>
+          <a:lstStyle/>
+          <a:p>
+            <a:r>
+              <a:rPr lang="en-US" dirty="0" smtClean="0"/>
+              <a:t>Probe - Autocomplete</a:t>
+            </a:r>
+            <a:endParaRPr lang="en-US" dirty="0"/>
+          </a:p>
+        </p:txBody>
+      </p:sp>
+      <p:sp>
+        <p:nvSpPr>
+          <p:cNvPr id="3" name="Content Placeholder 2"/>
+          <p:cNvSpPr>
+            <a:spLocks noGrp="1"/>
+          </p:cNvSpPr>
+          <p:nvPr>
+            <p:ph sz="half" idx="1"/>
+          </p:nvPr>
+        </p:nvSpPr>
+        <p:spPr>
+          <a:xfrm>
+            <a:off x="838200" y="1825625"/>
+            <a:ext cx="5334000" cy="4351338"/>
+          </a:xfrm>
+        </p:spPr>
+        <p:txBody>
+          <a:bodyPr/>
+          <a:lstStyle/>
+          <a:p>
+            <a:r>
+              <a:rPr lang="en-US" dirty="0" smtClean="0"/>
+              <a:t>Autocomplete</a:t>
+            </a:r>
+          </a:p>
+          <a:p>
+            <a:pPr lvl="1"/>
+            <a:r>
+              <a:rPr lang="en-US" dirty="0" smtClean="0"/>
+              <a:t>History</a:t>
+            </a:r>
+          </a:p>
+          <a:p>
+            <a:pPr lvl="1"/>
+            <a:r>
+              <a:rPr lang="en-US" dirty="0" err="1" smtClean="0"/>
+              <a:t>ChannelFinder</a:t>
+            </a:r>
+            <a:endParaRPr lang="en-US" dirty="0" smtClean="0"/>
+          </a:p>
+          <a:p>
+            <a:pPr lvl="1"/>
+            <a:r>
+              <a:rPr lang="en-US" dirty="0" smtClean="0"/>
+              <a:t>Predefined simulation </a:t>
+            </a:r>
+            <a:r>
+              <a:rPr lang="en-US" dirty="0" err="1" smtClean="0"/>
+              <a:t>pv’s</a:t>
+            </a:r>
+            <a:r>
+              <a:rPr lang="en-US" dirty="0" smtClean="0"/>
+              <a:t> (</a:t>
+            </a:r>
+            <a:r>
+              <a:rPr lang="en-US" dirty="0" err="1" smtClean="0"/>
+              <a:t>Datasources</a:t>
+            </a:r>
+            <a:r>
+              <a:rPr lang="en-US" dirty="0" smtClean="0"/>
+              <a:t>)</a:t>
+            </a:r>
+          </a:p>
+          <a:p>
+            <a:pPr lvl="1"/>
+            <a:r>
+              <a:rPr lang="en-US" dirty="0" smtClean="0"/>
+              <a:t>Formula functions</a:t>
+            </a:r>
+          </a:p>
+        </p:txBody>
+      </p:sp>
+      <p:pic>
+        <p:nvPicPr>
+          <p:cNvPr id="5" name="Picture 4"/>
+          <p:cNvPicPr>
+            <a:picLocks noChangeAspect="1"/>
+          </p:cNvPicPr>
+          <p:nvPr/>
+        </p:nvPicPr>
+        <p:blipFill>
+          <a:blip r:embed="rId3"/>
+          <a:stretch>
+            <a:fillRect/>
+          </a:stretch>
+        </p:blipFill>
+        <p:spPr>
+          <a:xfrm>
+            <a:off x="222451" y="723079"/>
+            <a:ext cx="615749" cy="609653"/>
+          </a:xfrm>
+          <a:prstGeom prst="rect">
+            <a:avLst/>
+          </a:prstGeom>
+        </p:spPr>
+      </p:pic>
+      <p:pic>
+        <p:nvPicPr>
+          <p:cNvPr id="6" name="Content Placeholder 5"/>
+          <p:cNvPicPr>
+            <a:picLocks noGrp="1" noChangeAspect="1"/>
+          </p:cNvPicPr>
+          <p:nvPr>
+            <p:ph sz="half" idx="2"/>
+          </p:nvPr>
+        </p:nvPicPr>
+        <p:blipFill>
+          <a:blip r:embed="rId4"/>
+          <a:stretch>
+            <a:fillRect/>
+          </a:stretch>
+        </p:blipFill>
+        <p:spPr>
+          <a:xfrm>
+            <a:off x="6838950" y="1825625"/>
+            <a:ext cx="4514850" cy="3438525"/>
+          </a:xfrm>
+          <a:prstGeom prst="rect">
+            <a:avLst/>
+          </a:prstGeom>
+        </p:spPr>
+      </p:pic>
+    </p:spTree>
+    <p:extLst>
+      <p:ext uri="{BB962C8B-B14F-4D97-AF65-F5344CB8AC3E}">
+        <p14:creationId xmlns:p14="http://schemas.microsoft.com/office/powerpoint/2010/main" val="4152635381"/>
+      </p:ext>
+    </p:extLst>
+  </p:cSld>
+  <p:clrMapOvr>
+    <a:masterClrMapping/>
+  </p:clrMapOvr>
+  <p:timing>
+    <p:tnLst>
+      <p:par>
+        <p:cTn id="1" dur="indefinite" restart="never" nodeType="tmRoot"/>
+      </p:par>
+    </p:tnLst>
+  </p:timing>
+</p:sld>
+</file>
+
+<file path=ppt/slides/slide14.xml><?xml version="1.0" encoding="utf-8"?>
+<p:sld xmlns:a="http://schemas.openxmlformats.org/drawingml/2006/main" xmlns:r="http://schemas.openxmlformats.org/officeDocument/2006/relationships" xmlns:p="http://schemas.openxmlformats.org/presentationml/2006/main">
+  <p:cSld>
+    <p:spTree>
+      <p:nvGrpSpPr>
+        <p:cNvPr id="1" name=""/>
+        <p:cNvGrpSpPr/>
+        <p:nvPr/>
+      </p:nvGrpSpPr>
+      <p:grpSpPr>
+        <a:xfrm>
+          <a:off x="0" y="0"/>
+          <a:ext cx="0" cy="0"/>
+          <a:chOff x="0" y="0"/>
+          <a:chExt cx="0" cy="0"/>
+        </a:xfrm>
+      </p:grpSpPr>
+      <p:sp>
+        <p:nvSpPr>
+          <p:cNvPr id="2" name="Title 1"/>
+          <p:cNvSpPr>
+            <a:spLocks noGrp="1"/>
+          </p:cNvSpPr>
+          <p:nvPr>
+            <p:ph type="title"/>
+          </p:nvPr>
+        </p:nvSpPr>
+        <p:spPr/>
+        <p:txBody>
+          <a:bodyPr/>
+          <a:lstStyle/>
+          <a:p>
+            <a:r>
+              <a:rPr lang="en-US" dirty="0" smtClean="0"/>
+              <a:t>Probe - Help</a:t>
+            </a:r>
+            <a:endParaRPr lang="en-US" dirty="0"/>
+          </a:p>
+        </p:txBody>
+      </p:sp>
+      <p:pic>
+        <p:nvPicPr>
+          <p:cNvPr id="4" name="Content Placeholder 3"/>
+          <p:cNvPicPr>
+            <a:picLocks noGrp="1" noChangeAspect="1"/>
+          </p:cNvPicPr>
+          <p:nvPr>
+            <p:ph sz="half" idx="1"/>
+          </p:nvPr>
+        </p:nvPicPr>
+        <p:blipFill>
+          <a:blip r:embed="rId2">
+            <a:extLst>
+              <a:ext uri="{28A0092B-C50C-407E-A947-70E740481C1C}">
+                <a14:useLocalDpi xmlns:a14="http://schemas.microsoft.com/office/drawing/2010/main" val="0"/>
+              </a:ext>
+            </a:extLst>
+          </a:blip>
+          <a:stretch>
+            <a:fillRect/>
+          </a:stretch>
+        </p:blipFill>
+        <p:spPr>
+          <a:xfrm>
+            <a:off x="228461" y="723036"/>
+            <a:ext cx="609739" cy="609739"/>
+          </a:xfrm>
+        </p:spPr>
+      </p:pic>
+      <p:sp>
+        <p:nvSpPr>
+          <p:cNvPr id="5" name="Content Placeholder 4"/>
+          <p:cNvSpPr>
+            <a:spLocks noGrp="1"/>
+          </p:cNvSpPr>
+          <p:nvPr>
+            <p:ph sz="half" idx="2"/>
+          </p:nvPr>
+        </p:nvSpPr>
+        <p:spPr>
+          <a:xfrm>
+            <a:off x="838200" y="1690686"/>
+            <a:ext cx="10515600" cy="4452206"/>
+          </a:xfrm>
+        </p:spPr>
+        <p:txBody>
+          <a:bodyPr/>
+          <a:lstStyle/>
+          <a:p>
+            <a:r>
+              <a:rPr lang="en-US" dirty="0" smtClean="0"/>
+              <a:t>Help </a:t>
+            </a:r>
+            <a:r>
+              <a:rPr lang="en-US" dirty="0" smtClean="0">
+                <a:sym typeface="Wingdings" panose="05000000000000000000" pitchFamily="2" charset="2"/>
+              </a:rPr>
+              <a:t> Help Content</a:t>
+            </a:r>
+          </a:p>
+          <a:p>
+            <a:pPr marL="457200" lvl="1" indent="0">
+              <a:buNone/>
+            </a:pPr>
+            <a:r>
+              <a:rPr lang="en-US" dirty="0" smtClean="0">
+                <a:sym typeface="Wingdings" panose="05000000000000000000" pitchFamily="2" charset="2"/>
+              </a:rPr>
+              <a:t>CSS Applications  Diagnostic Tools  Probe</a:t>
+            </a:r>
+            <a:endParaRPr lang="en-US" dirty="0"/>
+          </a:p>
+        </p:txBody>
+      </p:sp>
+    </p:spTree>
+    <p:extLst>
+      <p:ext uri="{BB962C8B-B14F-4D97-AF65-F5344CB8AC3E}">
+        <p14:creationId xmlns:p14="http://schemas.microsoft.com/office/powerpoint/2010/main" val="378823300"/>
+      </p:ext>
+    </p:extLst>
+  </p:cSld>
+  <p:clrMapOvr>
+    <a:masterClrMapping/>
+  </p:clrMapOvr>
+  <p:timing>
+    <p:tnLst>
+      <p:par>
+        <p:cTn id="1" dur="indefinite" restart="never" nodeType="tmRoot"/>
+      </p:par>
+    </p:tnLst>
+  </p:timing>
+</p:sld>
+</file>
+
+<file path=ppt/slides/slide15.xml><?xml version="1.0" encoding="utf-8"?>
+<p:sld xmlns:a="http://schemas.openxmlformats.org/drawingml/2006/main" xmlns:r="http://schemas.openxmlformats.org/officeDocument/2006/relationships" xmlns:p="http://schemas.openxmlformats.org/presentationml/2006/main">
+  <p:cSld>
+    <p:spTree>
+      <p:nvGrpSpPr>
+        <p:cNvPr id="1" name=""/>
+        <p:cNvGrpSpPr/>
+        <p:nvPr/>
+      </p:nvGrpSpPr>
+      <p:grpSpPr>
+        <a:xfrm>
+          <a:off x="0" y="0"/>
+          <a:ext cx="0" cy="0"/>
+          <a:chOff x="0" y="0"/>
+          <a:chExt cx="0" cy="0"/>
+        </a:xfrm>
+      </p:grpSpPr>
+      <p:pic>
+        <p:nvPicPr>
+          <p:cNvPr id="9" name="Picture 8"/>
+          <p:cNvPicPr>
+            <a:picLocks noChangeAspect="1"/>
+          </p:cNvPicPr>
+          <p:nvPr/>
+        </p:nvPicPr>
+        <p:blipFill>
+          <a:blip r:embed="rId2"/>
+          <a:stretch>
+            <a:fillRect/>
+          </a:stretch>
+        </p:blipFill>
+        <p:spPr>
+          <a:xfrm>
+            <a:off x="5307612" y="1332732"/>
+            <a:ext cx="5105400" cy="3143250"/>
+          </a:xfrm>
+          <a:prstGeom prst="rect">
+            <a:avLst/>
+          </a:prstGeom>
+        </p:spPr>
+      </p:pic>
+      <p:sp>
+        <p:nvSpPr>
+          <p:cNvPr id="2" name="Title 1"/>
+          <p:cNvSpPr>
+            <a:spLocks noGrp="1"/>
+          </p:cNvSpPr>
+          <p:nvPr>
+            <p:ph type="title"/>
+          </p:nvPr>
+        </p:nvSpPr>
+        <p:spPr/>
+        <p:txBody>
+          <a:bodyPr/>
+          <a:lstStyle/>
+          <a:p>
+            <a:r>
+              <a:rPr lang="en-US" dirty="0" smtClean="0"/>
+              <a:t>Probe – process variable (</a:t>
+            </a:r>
+            <a:r>
+              <a:rPr lang="en-US" dirty="0" err="1" smtClean="0"/>
+              <a:t>Datasource</a:t>
+            </a:r>
+            <a:r>
+              <a:rPr lang="en-US" dirty="0" smtClean="0"/>
+              <a:t>)</a:t>
+            </a:r>
+            <a:endParaRPr lang="en-US" dirty="0"/>
+          </a:p>
+        </p:txBody>
+      </p:sp>
+      <p:sp>
+        <p:nvSpPr>
+          <p:cNvPr id="4" name="Content Placeholder 3"/>
+          <p:cNvSpPr>
+            <a:spLocks noGrp="1"/>
+          </p:cNvSpPr>
+          <p:nvPr>
+            <p:ph sz="half" idx="1"/>
+          </p:nvPr>
+        </p:nvSpPr>
+        <p:spPr/>
+        <p:txBody>
+          <a:bodyPr>
+            <a:normAutofit lnSpcReduction="10000"/>
+          </a:bodyPr>
+          <a:lstStyle/>
+          <a:p>
+            <a:pPr marL="0" indent="0">
+              <a:buNone/>
+            </a:pPr>
+            <a:r>
+              <a:rPr lang="en-US" i="1" dirty="0"/>
+              <a:t>type</a:t>
+            </a:r>
+            <a:r>
+              <a:rPr lang="en-US" dirty="0"/>
+              <a:t>://some_pv_name </a:t>
+            </a:r>
+            <a:endParaRPr lang="en-US" dirty="0" smtClean="0"/>
+          </a:p>
+          <a:p>
+            <a:endParaRPr lang="en-US" dirty="0" smtClean="0"/>
+          </a:p>
+          <a:p>
+            <a:r>
+              <a:rPr lang="en-US" dirty="0" err="1" smtClean="0"/>
+              <a:t>Datasources</a:t>
+            </a:r>
+            <a:endParaRPr lang="en-US" dirty="0" smtClean="0"/>
+          </a:p>
+          <a:p>
+            <a:pPr lvl="1"/>
+            <a:r>
+              <a:rPr lang="en-US" dirty="0" smtClean="0"/>
+              <a:t>System (</a:t>
+            </a:r>
+            <a:r>
+              <a:rPr lang="en-US" i="1" dirty="0" smtClean="0"/>
+              <a:t>sys://</a:t>
+            </a:r>
+            <a:r>
+              <a:rPr lang="en-US" dirty="0" smtClean="0"/>
+              <a:t>)</a:t>
+            </a:r>
+          </a:p>
+          <a:p>
+            <a:pPr lvl="1"/>
+            <a:r>
+              <a:rPr lang="en-US" dirty="0"/>
+              <a:t>Local </a:t>
+            </a:r>
+            <a:r>
+              <a:rPr lang="en-US" dirty="0" smtClean="0"/>
+              <a:t>(</a:t>
+            </a:r>
+            <a:r>
+              <a:rPr lang="en-US" i="1" dirty="0" smtClean="0"/>
+              <a:t>loc://</a:t>
+            </a:r>
+            <a:r>
+              <a:rPr lang="en-US" dirty="0" smtClean="0"/>
+              <a:t>)</a:t>
+            </a:r>
+          </a:p>
+          <a:p>
+            <a:pPr lvl="1"/>
+            <a:r>
+              <a:rPr lang="en-US" dirty="0"/>
+              <a:t>Simulation (</a:t>
+            </a:r>
+            <a:r>
+              <a:rPr lang="en-US" i="1" dirty="0"/>
+              <a:t>sim</a:t>
+            </a:r>
+            <a:r>
+              <a:rPr lang="en-US" i="1" dirty="0" smtClean="0"/>
+              <a:t>://</a:t>
+            </a:r>
+            <a:r>
+              <a:rPr lang="en-US" dirty="0" smtClean="0"/>
+              <a:t>)</a:t>
+            </a:r>
+          </a:p>
+          <a:p>
+            <a:pPr lvl="1"/>
+            <a:r>
+              <a:rPr lang="en-US" dirty="0" smtClean="0"/>
+              <a:t>File(</a:t>
+            </a:r>
+            <a:r>
+              <a:rPr lang="en-US" i="1" dirty="0" smtClean="0"/>
+              <a:t>file://</a:t>
+            </a:r>
+            <a:r>
+              <a:rPr lang="en-US" dirty="0" smtClean="0"/>
+              <a:t>)</a:t>
+            </a:r>
+          </a:p>
+          <a:p>
+            <a:pPr lvl="1"/>
+            <a:r>
+              <a:rPr lang="en-US" dirty="0" err="1" smtClean="0"/>
+              <a:t>PVAccess</a:t>
+            </a:r>
+            <a:r>
+              <a:rPr lang="en-US" dirty="0" smtClean="0"/>
+              <a:t> (</a:t>
+            </a:r>
+            <a:r>
+              <a:rPr lang="en-US" i="1" dirty="0" smtClean="0"/>
+              <a:t>pva://</a:t>
+            </a:r>
+            <a:r>
+              <a:rPr lang="en-US" dirty="0" smtClean="0"/>
+              <a:t>)</a:t>
+            </a:r>
+          </a:p>
+          <a:p>
+            <a:pPr lvl="1"/>
+            <a:endParaRPr lang="en-US" dirty="0"/>
+          </a:p>
+          <a:p>
+            <a:r>
+              <a:rPr lang="en-US" dirty="0" smtClean="0"/>
+              <a:t>Help</a:t>
+            </a:r>
+          </a:p>
+          <a:p>
+            <a:pPr marL="457200" lvl="1" indent="0">
+              <a:buNone/>
+            </a:pPr>
+            <a:r>
+              <a:rPr lang="en-US" dirty="0" smtClean="0"/>
+              <a:t>CSS Core </a:t>
+            </a:r>
+            <a:r>
+              <a:rPr lang="en-US" dirty="0" smtClean="0">
+                <a:sym typeface="Wingdings" panose="05000000000000000000" pitchFamily="2" charset="2"/>
+              </a:rPr>
+              <a:t> </a:t>
+            </a:r>
+            <a:r>
+              <a:rPr lang="en-US" dirty="0">
+                <a:sym typeface="Wingdings" panose="05000000000000000000" pitchFamily="2" charset="2"/>
+              </a:rPr>
+              <a:t>P</a:t>
+            </a:r>
+            <a:r>
+              <a:rPr lang="en-US" dirty="0" smtClean="0">
+                <a:sym typeface="Wingdings" panose="05000000000000000000" pitchFamily="2" charset="2"/>
+              </a:rPr>
+              <a:t>rocess Variables</a:t>
+            </a:r>
+            <a:endParaRPr lang="en-US" dirty="0" smtClean="0"/>
+          </a:p>
+          <a:p>
+            <a:pPr marL="0" indent="0">
+              <a:buNone/>
+            </a:pPr>
+            <a:endParaRPr lang="en-US" dirty="0" smtClean="0"/>
+          </a:p>
+          <a:p>
+            <a:pPr marL="457200" lvl="1" indent="0">
+              <a:buNone/>
+            </a:pPr>
+            <a:endParaRPr lang="en-US" dirty="0" smtClean="0"/>
+          </a:p>
+          <a:p>
+            <a:pPr marL="457200" lvl="1" indent="0">
+              <a:buNone/>
+            </a:pPr>
+            <a:endParaRPr lang="en-US" dirty="0"/>
+          </a:p>
+        </p:txBody>
+      </p:sp>
+      <p:pic>
+        <p:nvPicPr>
+          <p:cNvPr id="5" name="Picture 4"/>
+          <p:cNvPicPr>
+            <a:picLocks noChangeAspect="1"/>
+          </p:cNvPicPr>
+          <p:nvPr/>
+        </p:nvPicPr>
+        <p:blipFill>
+          <a:blip r:embed="rId3"/>
+          <a:stretch>
+            <a:fillRect/>
+          </a:stretch>
+        </p:blipFill>
+        <p:spPr>
+          <a:xfrm>
+            <a:off x="222451" y="723079"/>
+            <a:ext cx="615749" cy="609653"/>
+          </a:xfrm>
+          <a:prstGeom prst="rect">
+            <a:avLst/>
+          </a:prstGeom>
+        </p:spPr>
+      </p:pic>
+      <p:pic>
+        <p:nvPicPr>
+          <p:cNvPr id="8" name="Picture 7"/>
+          <p:cNvPicPr>
+            <a:picLocks noChangeAspect="1"/>
+          </p:cNvPicPr>
+          <p:nvPr/>
+        </p:nvPicPr>
+        <p:blipFill>
+          <a:blip r:embed="rId4"/>
+          <a:stretch>
+            <a:fillRect/>
+          </a:stretch>
+        </p:blipFill>
+        <p:spPr>
+          <a:xfrm>
+            <a:off x="6405785" y="3215651"/>
+            <a:ext cx="4948015" cy="2961312"/>
+          </a:xfrm>
+          <a:prstGeom prst="rect">
+            <a:avLst/>
+          </a:prstGeom>
+        </p:spPr>
+      </p:pic>
+    </p:spTree>
+    <p:extLst>
+      <p:ext uri="{BB962C8B-B14F-4D97-AF65-F5344CB8AC3E}">
+        <p14:creationId xmlns:p14="http://schemas.microsoft.com/office/powerpoint/2010/main" val="1902595995"/>
+      </p:ext>
+    </p:extLst>
+  </p:cSld>
+  <p:clrMapOvr>
+    <a:masterClrMapping/>
+  </p:clrMapOvr>
+  <p:timing>
+    <p:tnLst>
+      <p:par>
+        <p:cTn id="1" dur="indefinite" restart="never" nodeType="tmRoot"/>
+      </p:par>
+    </p:tnLst>
+  </p:timing>
+</p:sld>
+</file>
+
+<file path=ppt/slides/slide16.xml><?xml version="1.0" encoding="utf-8"?>
+<p:sld xmlns:a="http://schemas.openxmlformats.org/drawingml/2006/main" xmlns:r="http://schemas.openxmlformats.org/officeDocument/2006/relationships" xmlns:p="http://schemas.openxmlformats.org/presentationml/2006/main">
+  <p:cSld>
+    <p:spTree>
+      <p:nvGrpSpPr>
+        <p:cNvPr id="1" name=""/>
+        <p:cNvGrpSpPr/>
+        <p:nvPr/>
+      </p:nvGrpSpPr>
+      <p:grpSpPr>
+        <a:xfrm>
+          <a:off x="0" y="0"/>
+          <a:ext cx="0" cy="0"/>
+          <a:chOff x="0" y="0"/>
+          <a:chExt cx="0" cy="0"/>
+        </a:xfrm>
+      </p:grpSpPr>
+      <p:sp>
+        <p:nvSpPr>
+          <p:cNvPr id="2" name="Title 1"/>
+          <p:cNvSpPr>
+            <a:spLocks noGrp="1"/>
+          </p:cNvSpPr>
+          <p:nvPr>
+            <p:ph type="title"/>
+          </p:nvPr>
+        </p:nvSpPr>
+        <p:spPr/>
+        <p:txBody>
+          <a:bodyPr/>
+          <a:lstStyle/>
+          <a:p>
+            <a:r>
+              <a:rPr lang="en-US" dirty="0" smtClean="0"/>
+              <a:t>Probe - Autocomplete </a:t>
+            </a:r>
+            <a:r>
+              <a:rPr lang="en-US" dirty="0" err="1" smtClean="0"/>
+              <a:t>Datasources</a:t>
+            </a:r>
+            <a:endParaRPr lang="en-US" dirty="0"/>
+          </a:p>
+        </p:txBody>
+      </p:sp>
+      <p:sp>
+        <p:nvSpPr>
+          <p:cNvPr id="3" name="Content Placeholder 2"/>
+          <p:cNvSpPr>
+            <a:spLocks noGrp="1"/>
+          </p:cNvSpPr>
+          <p:nvPr>
+            <p:ph sz="half" idx="1"/>
+          </p:nvPr>
+        </p:nvSpPr>
+        <p:spPr>
+          <a:xfrm>
+            <a:off x="838199" y="1825625"/>
+            <a:ext cx="4118303" cy="4351338"/>
+          </a:xfrm>
+        </p:spPr>
+        <p:txBody>
+          <a:bodyPr>
+            <a:normAutofit/>
+          </a:bodyPr>
+          <a:lstStyle/>
+          <a:p>
+            <a:r>
+              <a:rPr lang="en-US" dirty="0" smtClean="0"/>
+              <a:t>Autocomplete will list the various </a:t>
+            </a:r>
+            <a:r>
+              <a:rPr lang="en-US" dirty="0" err="1" smtClean="0"/>
+              <a:t>pv’s</a:t>
+            </a:r>
+            <a:r>
+              <a:rPr lang="en-US" dirty="0" smtClean="0"/>
+              <a:t> available for a particular </a:t>
+            </a:r>
+            <a:r>
+              <a:rPr lang="en-US" dirty="0" err="1" smtClean="0"/>
+              <a:t>datasource</a:t>
+            </a:r>
+            <a:endParaRPr lang="en-US" dirty="0" smtClean="0"/>
+          </a:p>
+          <a:p>
+            <a:pPr marL="457200" lvl="1" indent="0">
+              <a:buNone/>
+            </a:pPr>
+            <a:endParaRPr lang="en-US" dirty="0" smtClean="0"/>
+          </a:p>
+        </p:txBody>
+      </p:sp>
+      <p:pic>
+        <p:nvPicPr>
+          <p:cNvPr id="5" name="Picture 4"/>
+          <p:cNvPicPr>
+            <a:picLocks noChangeAspect="1"/>
+          </p:cNvPicPr>
+          <p:nvPr/>
+        </p:nvPicPr>
+        <p:blipFill>
+          <a:blip r:embed="rId2"/>
+          <a:stretch>
+            <a:fillRect/>
+          </a:stretch>
+        </p:blipFill>
+        <p:spPr>
+          <a:xfrm>
+            <a:off x="222451" y="723079"/>
+            <a:ext cx="615749" cy="609653"/>
+          </a:xfrm>
+          <a:prstGeom prst="rect">
+            <a:avLst/>
+          </a:prstGeom>
+        </p:spPr>
+      </p:pic>
+      <p:sp>
+        <p:nvSpPr>
+          <p:cNvPr id="9" name="TextBox 8"/>
+          <p:cNvSpPr txBox="1"/>
+          <p:nvPr/>
+        </p:nvSpPr>
+        <p:spPr>
+          <a:xfrm>
+            <a:off x="9186440" y="4511675"/>
+            <a:ext cx="1134319" cy="369332"/>
+          </a:xfrm>
+          <a:prstGeom prst="rect">
+            <a:avLst/>
+          </a:prstGeom>
+          <a:noFill/>
+        </p:spPr>
+        <p:txBody>
+          <a:bodyPr wrap="square" rtlCol="0">
+            <a:spAutoFit/>
+          </a:bodyPr>
+          <a:lstStyle/>
+          <a:p>
+            <a:pPr algn="ctr"/>
+            <a:r>
+              <a:rPr lang="en-US" dirty="0" smtClean="0"/>
+              <a:t>Figure 1</a:t>
+            </a:r>
+            <a:endParaRPr lang="en-US" dirty="0"/>
+          </a:p>
+        </p:txBody>
+      </p:sp>
+      <p:pic>
+        <p:nvPicPr>
+          <p:cNvPr id="6" name="Picture 5"/>
+          <p:cNvPicPr>
+            <a:picLocks noChangeAspect="1"/>
+          </p:cNvPicPr>
+          <p:nvPr/>
+        </p:nvPicPr>
+        <p:blipFill>
+          <a:blip r:embed="rId3"/>
+          <a:stretch>
+            <a:fillRect/>
+          </a:stretch>
+        </p:blipFill>
+        <p:spPr>
+          <a:xfrm>
+            <a:off x="5002997" y="1228312"/>
+            <a:ext cx="5429250" cy="4210050"/>
+          </a:xfrm>
+          <a:prstGeom prst="rect">
+            <a:avLst/>
+          </a:prstGeom>
+        </p:spPr>
+      </p:pic>
+      <p:pic>
+        <p:nvPicPr>
+          <p:cNvPr id="4" name="Picture 3"/>
+          <p:cNvPicPr>
+            <a:picLocks noChangeAspect="1"/>
+          </p:cNvPicPr>
+          <p:nvPr/>
+        </p:nvPicPr>
+        <p:blipFill>
+          <a:blip r:embed="rId4"/>
+          <a:stretch>
+            <a:fillRect/>
+          </a:stretch>
+        </p:blipFill>
+        <p:spPr>
+          <a:xfrm>
+            <a:off x="5826909" y="1835252"/>
+            <a:ext cx="3781425" cy="3924300"/>
+          </a:xfrm>
+          <a:prstGeom prst="rect">
+            <a:avLst/>
+          </a:prstGeom>
+        </p:spPr>
+      </p:pic>
+      <p:pic>
+        <p:nvPicPr>
+          <p:cNvPr id="13" name="Picture 12"/>
+          <p:cNvPicPr>
+            <a:picLocks noChangeAspect="1"/>
+          </p:cNvPicPr>
+          <p:nvPr/>
+        </p:nvPicPr>
+        <p:blipFill>
+          <a:blip r:embed="rId5"/>
+          <a:stretch>
+            <a:fillRect/>
+          </a:stretch>
+        </p:blipFill>
+        <p:spPr>
+          <a:xfrm>
+            <a:off x="7923266" y="2824678"/>
+            <a:ext cx="3733800" cy="3743325"/>
+          </a:xfrm>
+          <a:prstGeom prst="rect">
+            <a:avLst/>
+          </a:prstGeom>
+        </p:spPr>
+      </p:pic>
+      <p:pic>
+        <p:nvPicPr>
+          <p:cNvPr id="11" name="Picture 10"/>
+          <p:cNvPicPr>
+            <a:picLocks noChangeAspect="1"/>
+          </p:cNvPicPr>
+          <p:nvPr/>
+        </p:nvPicPr>
+        <p:blipFill>
+          <a:blip r:embed="rId6"/>
+          <a:stretch>
+            <a:fillRect/>
+          </a:stretch>
+        </p:blipFill>
+        <p:spPr>
+          <a:xfrm>
+            <a:off x="8650613" y="3333337"/>
+            <a:ext cx="3052948" cy="3328562"/>
+          </a:xfrm>
+          <a:prstGeom prst="rect">
+            <a:avLst/>
+          </a:prstGeom>
+        </p:spPr>
+      </p:pic>
+    </p:spTree>
+    <p:extLst>
+      <p:ext uri="{BB962C8B-B14F-4D97-AF65-F5344CB8AC3E}">
+        <p14:creationId xmlns:p14="http://schemas.microsoft.com/office/powerpoint/2010/main" val="3780380596"/>
+      </p:ext>
+    </p:extLst>
+  </p:cSld>
+  <p:clrMapOvr>
+    <a:masterClrMapping/>
+  </p:clrMapOvr>
+  <p:timing>
+    <p:tnLst>
+      <p:par>
+        <p:cTn id="1" dur="indefinite" restart="never" nodeType="tmRoot"/>
+      </p:par>
+    </p:tnLst>
+  </p:timing>
+</p:sld>
+</file>
+
+<file path=ppt/slides/slide17.xml><?xml version="1.0" encoding="utf-8"?>
+<p:sld xmlns:a="http://schemas.openxmlformats.org/drawingml/2006/main" xmlns:r="http://schemas.openxmlformats.org/officeDocument/2006/relationships" xmlns:p="http://schemas.openxmlformats.org/presentationml/2006/main">
+  <p:cSld>
+    <p:spTree>
+      <p:nvGrpSpPr>
+        <p:cNvPr id="1" name=""/>
+        <p:cNvGrpSpPr/>
+        <p:nvPr/>
+      </p:nvGrpSpPr>
+      <p:grpSpPr>
+        <a:xfrm>
+          <a:off x="0" y="0"/>
+          <a:ext cx="0" cy="0"/>
+          <a:chOff x="0" y="0"/>
+          <a:chExt cx="0" cy="0"/>
+        </a:xfrm>
+      </p:grpSpPr>
+      <p:sp>
+        <p:nvSpPr>
+          <p:cNvPr id="2" name="Title 1"/>
+          <p:cNvSpPr>
+            <a:spLocks noGrp="1"/>
+          </p:cNvSpPr>
+          <p:nvPr>
+            <p:ph type="title"/>
+          </p:nvPr>
+        </p:nvSpPr>
+        <p:spPr/>
+        <p:txBody>
+          <a:bodyPr/>
+          <a:lstStyle/>
+          <a:p>
+            <a:r>
+              <a:rPr lang="en-US" dirty="0" smtClean="0"/>
+              <a:t>Probe - </a:t>
+            </a:r>
+            <a:r>
+              <a:rPr lang="en-US" dirty="0" err="1" smtClean="0"/>
+              <a:t>pv’s</a:t>
+            </a:r>
+            <a:r>
+              <a:rPr lang="en-US" dirty="0" smtClean="0"/>
+              <a:t> and formulas</a:t>
+            </a:r>
+            <a:endParaRPr lang="en-US" dirty="0"/>
+          </a:p>
+        </p:txBody>
+      </p:sp>
+      <p:sp>
+        <p:nvSpPr>
+          <p:cNvPr id="4" name="Content Placeholder 3"/>
+          <p:cNvSpPr>
+            <a:spLocks noGrp="1"/>
+          </p:cNvSpPr>
+          <p:nvPr>
+            <p:ph sz="half" idx="1"/>
+          </p:nvPr>
+        </p:nvSpPr>
+        <p:spPr/>
+        <p:txBody>
+          <a:bodyPr/>
+          <a:lstStyle/>
+          <a:p>
+            <a:r>
+              <a:rPr lang="en-US" dirty="0" smtClean="0"/>
+              <a:t>Formulas </a:t>
+            </a:r>
+          </a:p>
+          <a:p>
+            <a:pPr lvl="1"/>
+            <a:r>
+              <a:rPr lang="en-US" dirty="0" smtClean="0"/>
+              <a:t>Mathematical operations</a:t>
+            </a:r>
+          </a:p>
+          <a:p>
+            <a:pPr lvl="1"/>
+            <a:r>
+              <a:rPr lang="en-US" dirty="0" smtClean="0"/>
+              <a:t>Logical operations</a:t>
+            </a:r>
+          </a:p>
+          <a:p>
+            <a:pPr lvl="1"/>
+            <a:r>
+              <a:rPr lang="en-US" dirty="0" smtClean="0"/>
+              <a:t>Array operations</a:t>
+            </a:r>
+          </a:p>
+          <a:p>
+            <a:pPr lvl="1"/>
+            <a:r>
+              <a:rPr lang="en-US" dirty="0" smtClean="0"/>
+              <a:t>Create/modify tables and arrays</a:t>
+            </a:r>
+          </a:p>
+          <a:p>
+            <a:pPr lvl="1"/>
+            <a:endParaRPr lang="en-US" dirty="0"/>
+          </a:p>
+          <a:p>
+            <a:r>
+              <a:rPr lang="en-US" dirty="0" smtClean="0"/>
+              <a:t>Start with a ‘=‘</a:t>
+            </a:r>
+          </a:p>
+          <a:p>
+            <a:r>
+              <a:rPr lang="en-US" dirty="0" smtClean="0"/>
+              <a:t>Don’t use formulas for things that should be done in the IOC</a:t>
+            </a:r>
+          </a:p>
+          <a:p>
+            <a:endParaRPr lang="en-US" dirty="0" smtClean="0"/>
+          </a:p>
+          <a:p>
+            <a:pPr marL="0" indent="0">
+              <a:buNone/>
+            </a:pPr>
+            <a:endParaRPr lang="en-US" dirty="0" smtClean="0"/>
+          </a:p>
+          <a:p>
+            <a:pPr marL="457200" lvl="1" indent="0">
+              <a:buNone/>
+            </a:pPr>
+            <a:endParaRPr lang="en-US" dirty="0" smtClean="0"/>
+          </a:p>
+          <a:p>
+            <a:pPr marL="457200" lvl="1" indent="0">
+              <a:buNone/>
+            </a:pPr>
+            <a:endParaRPr lang="en-US" dirty="0"/>
+          </a:p>
+        </p:txBody>
+      </p:sp>
+      <p:pic>
+        <p:nvPicPr>
+          <p:cNvPr id="7" name="Content Placeholder 6"/>
+          <p:cNvPicPr>
+            <a:picLocks noGrp="1" noChangeAspect="1"/>
+          </p:cNvPicPr>
+          <p:nvPr>
+            <p:ph sz="half" idx="2"/>
+          </p:nvPr>
+        </p:nvPicPr>
+        <p:blipFill>
+          <a:blip r:embed="rId2"/>
+          <a:stretch>
+            <a:fillRect/>
+          </a:stretch>
+        </p:blipFill>
+        <p:spPr>
+          <a:xfrm>
+            <a:off x="6529387" y="1901031"/>
+            <a:ext cx="4467225" cy="4200525"/>
+          </a:xfrm>
+          <a:prstGeom prst="rect">
+            <a:avLst/>
+          </a:prstGeom>
+        </p:spPr>
+      </p:pic>
+      <p:pic>
+        <p:nvPicPr>
+          <p:cNvPr id="5" name="Picture 4"/>
+          <p:cNvPicPr>
+            <a:picLocks noChangeAspect="1"/>
+          </p:cNvPicPr>
+          <p:nvPr/>
+        </p:nvPicPr>
+        <p:blipFill>
+          <a:blip r:embed="rId3"/>
+          <a:stretch>
+            <a:fillRect/>
+          </a:stretch>
+        </p:blipFill>
+        <p:spPr>
+          <a:xfrm>
+            <a:off x="222451" y="723079"/>
+            <a:ext cx="615749" cy="609653"/>
+          </a:xfrm>
+          <a:prstGeom prst="rect">
+            <a:avLst/>
+          </a:prstGeom>
+        </p:spPr>
+      </p:pic>
+    </p:spTree>
+    <p:extLst>
+      <p:ext uri="{BB962C8B-B14F-4D97-AF65-F5344CB8AC3E}">
+        <p14:creationId xmlns:p14="http://schemas.microsoft.com/office/powerpoint/2010/main" val="2095962594"/>
+      </p:ext>
+    </p:extLst>
+  </p:cSld>
+  <p:clrMapOvr>
+    <a:masterClrMapping/>
+  </p:clrMapOvr>
+  <p:timing>
+    <p:tnLst>
+      <p:par>
+        <p:cTn id="1" dur="indefinite" restart="never" nodeType="tmRoot"/>
+      </p:par>
+    </p:tnLst>
+  </p:timing>
+</p:sld>
+</file>
+
+<file path=ppt/slides/slide18.xml><?xml version="1.0" encoding="utf-8"?>
+<p:sld xmlns:a="http://schemas.openxmlformats.org/drawingml/2006/main" xmlns:r="http://schemas.openxmlformats.org/officeDocument/2006/relationships" xmlns:p="http://schemas.openxmlformats.org/presentationml/2006/main">
+  <p:cSld>
+    <p:spTree>
+      <p:nvGrpSpPr>
+        <p:cNvPr id="1" name=""/>
+        <p:cNvGrpSpPr/>
+        <p:nvPr/>
+      </p:nvGrpSpPr>
+      <p:grpSpPr>
+        <a:xfrm>
+          <a:off x="0" y="0"/>
+          <a:ext cx="0" cy="0"/>
+          <a:chOff x="0" y="0"/>
+          <a:chExt cx="0" cy="0"/>
+        </a:xfrm>
+      </p:grpSpPr>
+      <p:sp>
+        <p:nvSpPr>
+          <p:cNvPr id="2" name="Title 1"/>
+          <p:cNvSpPr>
+            <a:spLocks noGrp="1"/>
+          </p:cNvSpPr>
+          <p:nvPr>
+            <p:ph type="title"/>
+          </p:nvPr>
+        </p:nvSpPr>
         <p:spPr>
           <a:xfrm>
             <a:off x="838200" y="723079"/>
@@ -4575,7 +5837,7 @@
 </p:sld>
 </file>
 
-<file path=ppt/slides/slide14.xml><?xml version="1.0" encoding="utf-8"?>
+<file path=ppt/slides/slide19.xml><?xml version="1.0" encoding="utf-8"?>
 <p:sld xmlns:a="http://schemas.openxmlformats.org/drawingml/2006/main" xmlns:r="http://schemas.openxmlformats.org/officeDocument/2006/relationships" xmlns:p="http://schemas.openxmlformats.org/presentationml/2006/main">
   <p:cSld>
     <p:spTree>
@@ -4837,6 +6099,218 @@
       </p:grpSpPr>
       <p:sp>
         <p:nvSpPr>
+          <p:cNvPr id="4" name="Title 3"/>
+          <p:cNvSpPr>
+            <a:spLocks noGrp="1"/>
+          </p:cNvSpPr>
+          <p:nvPr>
+            <p:ph type="title"/>
+          </p:nvPr>
+        </p:nvSpPr>
+        <p:spPr/>
+        <p:txBody>
+          <a:bodyPr/>
+          <a:lstStyle/>
+          <a:p>
+            <a:r>
+              <a:rPr lang="en-US" dirty="0" smtClean="0"/>
+              <a:t>Running CS-Studio</a:t>
+            </a:r>
+            <a:endParaRPr lang="en-US" dirty="0"/>
+          </a:p>
+        </p:txBody>
+      </p:sp>
+      <p:sp>
+        <p:nvSpPr>
+          <p:cNvPr id="5" name="Content Placeholder 4"/>
+          <p:cNvSpPr>
+            <a:spLocks noGrp="1"/>
+          </p:cNvSpPr>
+          <p:nvPr>
+            <p:ph sz="half" idx="1"/>
+          </p:nvPr>
+        </p:nvSpPr>
+        <p:spPr>
+          <a:xfrm>
+            <a:off x="838200" y="1825625"/>
+            <a:ext cx="6731000" cy="4351338"/>
+          </a:xfrm>
+        </p:spPr>
+        <p:txBody>
+          <a:bodyPr/>
+          <a:lstStyle/>
+          <a:p>
+            <a:r>
+              <a:rPr lang="en-US" dirty="0" smtClean="0"/>
+              <a:t>Running </a:t>
+            </a:r>
+            <a:r>
+              <a:rPr lang="en-US" dirty="0" err="1" smtClean="0"/>
+              <a:t>cs</a:t>
+            </a:r>
+            <a:r>
+              <a:rPr lang="en-US" dirty="0" smtClean="0"/>
+              <a:t>-studio from command line</a:t>
+            </a:r>
+            <a:endParaRPr lang="en-US" dirty="0"/>
+          </a:p>
+          <a:p>
+            <a:pPr marL="457200" lvl="1" indent="0">
+              <a:buNone/>
+            </a:pPr>
+            <a:r>
+              <a:rPr lang="en-US" dirty="0" err="1" smtClean="0"/>
+              <a:t>train@training</a:t>
+            </a:r>
+            <a:r>
+              <a:rPr lang="en-US" dirty="0" smtClean="0"/>
+              <a:t>:~/</a:t>
+            </a:r>
+            <a:r>
+              <a:rPr lang="en-US" dirty="0" err="1" smtClean="0"/>
+              <a:t>cs</a:t>
+            </a:r>
+            <a:r>
+              <a:rPr lang="en-US" dirty="0" smtClean="0"/>
+              <a:t>-studio$ ./</a:t>
+            </a:r>
+            <a:r>
+              <a:rPr lang="en-US" dirty="0" err="1" smtClean="0"/>
+              <a:t>cs</a:t>
+            </a:r>
+            <a:r>
+              <a:rPr lang="en-US" dirty="0" smtClean="0"/>
+              <a:t>-studio-with-</a:t>
+            </a:r>
+            <a:r>
+              <a:rPr lang="en-US" dirty="0" err="1" smtClean="0"/>
+              <a:t>pref</a:t>
+            </a:r>
+            <a:endParaRPr lang="en-US" dirty="0" smtClean="0"/>
+          </a:p>
+          <a:p>
+            <a:pPr marL="457200" lvl="1" indent="0">
+              <a:buNone/>
+            </a:pPr>
+            <a:endParaRPr lang="en-US" dirty="0"/>
+          </a:p>
+        </p:txBody>
+      </p:sp>
+    </p:spTree>
+    <p:extLst>
+      <p:ext uri="{BB962C8B-B14F-4D97-AF65-F5344CB8AC3E}">
+        <p14:creationId xmlns:p14="http://schemas.microsoft.com/office/powerpoint/2010/main" val="2000049881"/>
+      </p:ext>
+    </p:extLst>
+  </p:cSld>
+  <p:clrMapOvr>
+    <a:masterClrMapping/>
+  </p:clrMapOvr>
+  <p:timing>
+    <p:tnLst>
+      <p:par>
+        <p:cTn id="1" dur="indefinite" restart="never" nodeType="tmRoot"/>
+      </p:par>
+    </p:tnLst>
+  </p:timing>
+</p:sld>
+</file>
+
+<file path=ppt/slides/slide20.xml><?xml version="1.0" encoding="utf-8"?>
+<p:sld xmlns:a="http://schemas.openxmlformats.org/drawingml/2006/main" xmlns:r="http://schemas.openxmlformats.org/officeDocument/2006/relationships" xmlns:p="http://schemas.openxmlformats.org/presentationml/2006/main">
+  <p:cSld>
+    <p:spTree>
+      <p:nvGrpSpPr>
+        <p:cNvPr id="1" name=""/>
+        <p:cNvGrpSpPr/>
+        <p:nvPr/>
+      </p:nvGrpSpPr>
+      <p:grpSpPr>
+        <a:xfrm>
+          <a:off x="0" y="0"/>
+          <a:ext cx="0" cy="0"/>
+          <a:chOff x="0" y="0"/>
+          <a:chExt cx="0" cy="0"/>
+        </a:xfrm>
+      </p:grpSpPr>
+      <p:sp>
+        <p:nvSpPr>
+          <p:cNvPr id="5" name="Title 4"/>
+          <p:cNvSpPr>
+            <a:spLocks noGrp="1"/>
+          </p:cNvSpPr>
+          <p:nvPr>
+            <p:ph type="title"/>
+          </p:nvPr>
+        </p:nvSpPr>
+        <p:spPr/>
+        <p:txBody>
+          <a:bodyPr/>
+          <a:lstStyle/>
+          <a:p>
+            <a:r>
+              <a:rPr lang="en-US" dirty="0" smtClean="0"/>
+              <a:t>CS-Studio and </a:t>
+            </a:r>
+            <a:r>
+              <a:rPr lang="en-US" dirty="0" err="1" smtClean="0"/>
+              <a:t>PVAccess</a:t>
+            </a:r>
+            <a:endParaRPr lang="en-US" dirty="0"/>
+          </a:p>
+        </p:txBody>
+      </p:sp>
+      <p:sp>
+        <p:nvSpPr>
+          <p:cNvPr id="6" name="Text Placeholder 5"/>
+          <p:cNvSpPr>
+            <a:spLocks noGrp="1"/>
+          </p:cNvSpPr>
+          <p:nvPr>
+            <p:ph type="body" idx="1"/>
+          </p:nvPr>
+        </p:nvSpPr>
+        <p:spPr/>
+        <p:txBody>
+          <a:bodyPr/>
+          <a:lstStyle/>
+          <a:p>
+            <a:endParaRPr lang="en-US" dirty="0"/>
+          </a:p>
+        </p:txBody>
+      </p:sp>
+    </p:spTree>
+    <p:extLst>
+      <p:ext uri="{BB962C8B-B14F-4D97-AF65-F5344CB8AC3E}">
+        <p14:creationId xmlns:p14="http://schemas.microsoft.com/office/powerpoint/2010/main" val="124497156"/>
+      </p:ext>
+    </p:extLst>
+  </p:cSld>
+  <p:clrMapOvr>
+    <a:masterClrMapping/>
+  </p:clrMapOvr>
+</p:sld>
+</file>
+
+<file path=ppt/slides/slide21.xml><?xml version="1.0" encoding="utf-8"?>
+<p:sld xmlns:a="http://schemas.openxmlformats.org/drawingml/2006/main" xmlns:r="http://schemas.openxmlformats.org/officeDocument/2006/relationships" xmlns:p="http://schemas.openxmlformats.org/presentationml/2006/main">
+  <p:cSld>
+    <p:spTree>
+      <p:nvGrpSpPr>
+        <p:cNvPr id="1" name=""/>
+        <p:cNvGrpSpPr/>
+        <p:nvPr/>
+      </p:nvGrpSpPr>
+      <p:grpSpPr>
+        <a:xfrm>
+          <a:off x="0" y="0"/>
+          <a:ext cx="0" cy="0"/>
+          <a:chOff x="0" y="0"/>
+          <a:chExt cx="0" cy="0"/>
+        </a:xfrm>
+      </p:grpSpPr>
+      <p:sp>
+        <p:nvSpPr>
           <p:cNvPr id="2" name="Title 1"/>
           <p:cNvSpPr>
             <a:spLocks noGrp="1"/>
@@ -4845,195 +6319,105 @@
             <p:ph type="title"/>
           </p:nvPr>
         </p:nvSpPr>
-        <p:spPr/>
+        <p:spPr>
+          <a:xfrm>
+            <a:off x="838200" y="723079"/>
+            <a:ext cx="2471057" cy="2466435"/>
+          </a:xfrm>
+        </p:spPr>
+        <p:txBody>
+          <a:bodyPr>
+            <a:normAutofit fontScale="90000"/>
+          </a:bodyPr>
+          <a:lstStyle/>
+          <a:p>
+            <a:r>
+              <a:rPr lang="en-US" dirty="0"/>
+              <a:t>Creating EPICS7 channels</a:t>
+            </a:r>
+            <a:br>
+              <a:rPr lang="en-US" dirty="0"/>
+            </a:br>
+            <a:r>
+              <a:rPr lang="en-US" dirty="0" err="1"/>
+              <a:t>pva</a:t>
+            </a:r>
+            <a:r>
+              <a:rPr lang="en-US" dirty="0"/>
+              <a:t> </a:t>
+            </a:r>
+            <a:r>
+              <a:rPr lang="en-US" dirty="0" err="1"/>
+              <a:t>datasource</a:t>
+            </a:r>
+            <a:r>
+              <a:rPr lang="en-US" dirty="0"/>
+              <a:t/>
+            </a:r>
+            <a:br>
+              <a:rPr lang="en-US" dirty="0"/>
+            </a:br>
+            <a:endParaRPr lang="en-US" dirty="0"/>
+          </a:p>
+        </p:txBody>
+      </p:sp>
+      <p:sp>
+        <p:nvSpPr>
+          <p:cNvPr id="10" name="Text Placeholder 9"/>
+          <p:cNvSpPr>
+            <a:spLocks noGrp="1"/>
+          </p:cNvSpPr>
+          <p:nvPr>
+            <p:ph type="body" sz="half" idx="2"/>
+          </p:nvPr>
+        </p:nvSpPr>
+        <p:spPr>
+          <a:xfrm>
+            <a:off x="824241" y="2939143"/>
+            <a:ext cx="2637415" cy="3062502"/>
+          </a:xfrm>
+        </p:spPr>
         <p:txBody>
           <a:bodyPr/>
           <a:lstStyle/>
           <a:p>
-            <a:r>
-              <a:rPr lang="en-US" dirty="0" smtClean="0"/>
-              <a:t>Probe </a:t>
-            </a:r>
-            <a:endParaRPr lang="en-US" dirty="0"/>
-          </a:p>
-        </p:txBody>
-      </p:sp>
-      <p:sp>
-        <p:nvSpPr>
-          <p:cNvPr id="6" name="Content Placeholder 5"/>
-          <p:cNvSpPr>
-            <a:spLocks noGrp="1"/>
-          </p:cNvSpPr>
-          <p:nvPr>
-            <p:ph idx="1"/>
-          </p:nvPr>
-        </p:nvSpPr>
-        <p:spPr/>
-        <p:txBody>
-          <a:bodyPr>
-            <a:normAutofit lnSpcReduction="10000"/>
-          </a:bodyPr>
-          <a:lstStyle/>
-          <a:p>
-            <a:r>
-              <a:rPr lang="en-US" dirty="0" smtClean="0"/>
-              <a:t>A simple application to connect to </a:t>
-            </a:r>
-            <a:r>
-              <a:rPr lang="en-US" dirty="0" err="1" smtClean="0"/>
-              <a:t>pv’s</a:t>
-            </a:r>
             <a:endParaRPr lang="en-US" dirty="0" smtClean="0"/>
           </a:p>
           <a:p>
-            <a:pPr lvl="1"/>
-            <a:r>
-              <a:rPr lang="en-US" dirty="0" smtClean="0"/>
-              <a:t>Monitor </a:t>
-            </a:r>
-            <a:r>
-              <a:rPr lang="en-US" dirty="0" err="1" smtClean="0"/>
-              <a:t>pv’s</a:t>
-            </a:r>
-            <a:r>
-              <a:rPr lang="en-US" dirty="0" smtClean="0"/>
-              <a:t> (</a:t>
-            </a:r>
-            <a:r>
-              <a:rPr lang="en-US" dirty="0" err="1" smtClean="0"/>
-              <a:t>caget</a:t>
-            </a:r>
-            <a:r>
-              <a:rPr lang="en-US" dirty="0" smtClean="0"/>
-              <a:t>, </a:t>
-            </a:r>
-            <a:r>
-              <a:rPr lang="en-US" dirty="0" err="1" smtClean="0"/>
-              <a:t>camonitor</a:t>
-            </a:r>
-            <a:r>
-              <a:rPr lang="en-US" dirty="0" smtClean="0"/>
-              <a:t>)</a:t>
-            </a:r>
-          </a:p>
-          <a:p>
-            <a:pPr lvl="1"/>
-            <a:r>
-              <a:rPr lang="en-US" dirty="0" smtClean="0"/>
-              <a:t>Write to </a:t>
-            </a:r>
-            <a:r>
-              <a:rPr lang="en-US" dirty="0" err="1" smtClean="0"/>
-              <a:t>pv’s</a:t>
-            </a:r>
-            <a:r>
-              <a:rPr lang="en-US" dirty="0" smtClean="0"/>
-              <a:t> (caput)</a:t>
-            </a:r>
-          </a:p>
-          <a:p>
-            <a:r>
-              <a:rPr lang="en-US" dirty="0" smtClean="0"/>
-              <a:t>Opening probe </a:t>
-            </a:r>
-          </a:p>
-          <a:p>
-            <a:pPr lvl="1"/>
-            <a:r>
-              <a:rPr lang="en-US" dirty="0" smtClean="0"/>
-              <a:t>Menu:</a:t>
+            <a:r>
+              <a:rPr lang="en-US" dirty="0"/>
+              <a:t>The </a:t>
+            </a:r>
+            <a:r>
+              <a:rPr lang="en-US" dirty="0" err="1"/>
+              <a:t>pvaccess</a:t>
+            </a:r>
+            <a:r>
+              <a:rPr lang="en-US" dirty="0"/>
+              <a:t> </a:t>
+            </a:r>
+            <a:r>
+              <a:rPr lang="en-US" dirty="0" err="1"/>
+              <a:t>datasource</a:t>
+            </a:r>
+            <a:r>
+              <a:rPr lang="en-US" dirty="0"/>
+              <a:t> prefix when creating the channel</a:t>
             </a:r>
             <a:br>
-              <a:rPr lang="en-US" dirty="0" smtClean="0"/>
+              <a:rPr lang="en-US" dirty="0"/>
             </a:br>
             <a:r>
-              <a:rPr lang="en-US" dirty="0" smtClean="0"/>
-              <a:t>CSS </a:t>
-            </a:r>
-            <a:r>
-              <a:rPr lang="en-US" dirty="0" smtClean="0">
-                <a:sym typeface="Wingdings" panose="05000000000000000000" pitchFamily="2" charset="2"/>
-              </a:rPr>
-              <a:t> Diagnostic Tools     Probe</a:t>
-            </a:r>
-          </a:p>
-          <a:p>
-            <a:pPr lvl="1"/>
-            <a:r>
-              <a:rPr lang="en-US" dirty="0" smtClean="0">
-                <a:sym typeface="Wingdings" panose="05000000000000000000" pitchFamily="2" charset="2"/>
-              </a:rPr>
-              <a:t>Toolbar:</a:t>
+              <a:rPr lang="en-US" dirty="0"/>
+              <a:t/>
             </a:r>
             <a:br>
-              <a:rPr lang="en-US" dirty="0" smtClean="0">
-                <a:sym typeface="Wingdings" panose="05000000000000000000" pitchFamily="2" charset="2"/>
-              </a:rPr>
+              <a:rPr lang="en-US" dirty="0"/>
             </a:br>
             <a:r>
-              <a:rPr lang="en-US" dirty="0" smtClean="0">
-                <a:sym typeface="Wingdings" panose="05000000000000000000" pitchFamily="2" charset="2"/>
-              </a:rPr>
-              <a:t/>
-            </a:r>
-            <a:br>
-              <a:rPr lang="en-US" dirty="0" smtClean="0">
-                <a:sym typeface="Wingdings" panose="05000000000000000000" pitchFamily="2" charset="2"/>
-              </a:rPr>
-            </a:br>
-            <a:r>
-              <a:rPr lang="en-US" dirty="0" smtClean="0">
-                <a:sym typeface="Wingdings" panose="05000000000000000000" pitchFamily="2" charset="2"/>
-              </a:rPr>
-              <a:t/>
-            </a:r>
-            <a:br>
-              <a:rPr lang="en-US" dirty="0" smtClean="0">
-                <a:sym typeface="Wingdings" panose="05000000000000000000" pitchFamily="2" charset="2"/>
-              </a:rPr>
-            </a:br>
-            <a:endParaRPr lang="en-US" dirty="0" smtClean="0">
-              <a:sym typeface="Wingdings" panose="05000000000000000000" pitchFamily="2" charset="2"/>
-            </a:endParaRPr>
-          </a:p>
-          <a:p>
-            <a:pPr lvl="1"/>
-            <a:r>
-              <a:rPr lang="en-US" dirty="0" smtClean="0">
-                <a:sym typeface="Wingdings" panose="05000000000000000000" pitchFamily="2" charset="2"/>
-              </a:rPr>
-              <a:t>Context Menu*:</a:t>
-            </a:r>
-            <a:r>
-              <a:rPr lang="en-US" dirty="0">
-                <a:sym typeface="Wingdings" panose="05000000000000000000" pitchFamily="2" charset="2"/>
-              </a:rPr>
-              <a:t/>
-            </a:r>
-            <a:br>
-              <a:rPr lang="en-US" dirty="0">
-                <a:sym typeface="Wingdings" panose="05000000000000000000" pitchFamily="2" charset="2"/>
-              </a:rPr>
-            </a:br>
-            <a:r>
-              <a:rPr lang="en-US" dirty="0">
-                <a:sym typeface="Wingdings" panose="05000000000000000000" pitchFamily="2" charset="2"/>
-              </a:rPr>
-              <a:t>Process Variable  </a:t>
-            </a:r>
-            <a:r>
-              <a:rPr lang="en-US" dirty="0" smtClean="0">
-                <a:sym typeface="Wingdings" panose="05000000000000000000" pitchFamily="2" charset="2"/>
-              </a:rPr>
-              <a:t>Probe</a:t>
-            </a:r>
-            <a:endParaRPr lang="en-US" dirty="0"/>
-          </a:p>
-          <a:p>
-            <a:pPr lvl="1"/>
-            <a:endParaRPr lang="en-US" dirty="0" smtClean="0">
-              <a:sym typeface="Wingdings" panose="05000000000000000000" pitchFamily="2" charset="2"/>
-            </a:endParaRPr>
+              <a:rPr lang="en-US" b="1" i="1" dirty="0"/>
+              <a:t>pva://&lt;name&gt;</a:t>
+            </a:r>
           </a:p>
         </p:txBody>
       </p:sp>
@@ -5063,7 +6447,573 @@
       </p:pic>
       <p:pic>
         <p:nvPicPr>
-          <p:cNvPr id="7" name="Picture 6"/>
+          <p:cNvPr id="8" name="Content Placeholder 7"/>
+          <p:cNvPicPr>
+            <a:picLocks noGrp="1" noChangeAspect="1"/>
+          </p:cNvPicPr>
+          <p:nvPr>
+            <p:ph idx="1"/>
+          </p:nvPr>
+        </p:nvPicPr>
+        <p:blipFill>
+          <a:blip r:embed="rId3">
+            <a:extLst>
+              <a:ext uri="{28A0092B-C50C-407E-A947-70E740481C1C}">
+                <a14:useLocalDpi xmlns:a14="http://schemas.microsoft.com/office/drawing/2010/main" val="0"/>
+              </a:ext>
+            </a:extLst>
+          </a:blip>
+          <a:srcRect l="-30300" r="-30300"/>
+          <a:stretch>
+            <a:fillRect/>
+          </a:stretch>
+        </p:blipFill>
+        <p:spPr>
+          <a:xfrm>
+            <a:off x="4582886" y="328513"/>
+            <a:ext cx="6923314" cy="5813981"/>
+          </a:xfrm>
+          <a:prstGeom prst="rect">
+            <a:avLst/>
+          </a:prstGeom>
+        </p:spPr>
+      </p:pic>
+    </p:spTree>
+    <p:extLst>
+      <p:ext uri="{BB962C8B-B14F-4D97-AF65-F5344CB8AC3E}">
+        <p14:creationId xmlns:p14="http://schemas.microsoft.com/office/powerpoint/2010/main" val="2119709448"/>
+      </p:ext>
+    </p:extLst>
+  </p:cSld>
+  <p:clrMapOvr>
+    <a:masterClrMapping/>
+  </p:clrMapOvr>
+  <p:timing>
+    <p:tnLst>
+      <p:par>
+        <p:cTn id="1" dur="indefinite" restart="never" nodeType="tmRoot"/>
+      </p:par>
+    </p:tnLst>
+  </p:timing>
+</p:sld>
+</file>
+
+<file path=ppt/slides/slide22.xml><?xml version="1.0" encoding="utf-8"?>
+<p:sld xmlns:a="http://schemas.openxmlformats.org/drawingml/2006/main" xmlns:r="http://schemas.openxmlformats.org/officeDocument/2006/relationships" xmlns:p="http://schemas.openxmlformats.org/presentationml/2006/main">
+  <p:cSld>
+    <p:spTree>
+      <p:nvGrpSpPr>
+        <p:cNvPr id="1" name=""/>
+        <p:cNvGrpSpPr/>
+        <p:nvPr/>
+      </p:nvGrpSpPr>
+      <p:grpSpPr>
+        <a:xfrm>
+          <a:off x="0" y="0"/>
+          <a:ext cx="0" cy="0"/>
+          <a:chOff x="0" y="0"/>
+          <a:chExt cx="0" cy="0"/>
+        </a:xfrm>
+      </p:grpSpPr>
+      <p:sp>
+        <p:nvSpPr>
+          <p:cNvPr id="2" name="Title 1"/>
+          <p:cNvSpPr>
+            <a:spLocks noGrp="1"/>
+          </p:cNvSpPr>
+          <p:nvPr>
+            <p:ph type="title"/>
+          </p:nvPr>
+        </p:nvSpPr>
+        <p:spPr>
+          <a:xfrm>
+            <a:off x="838200" y="723079"/>
+            <a:ext cx="2471057" cy="2466435"/>
+          </a:xfrm>
+        </p:spPr>
+        <p:txBody>
+          <a:bodyPr>
+            <a:normAutofit fontScale="90000"/>
+          </a:bodyPr>
+          <a:lstStyle/>
+          <a:p>
+            <a:r>
+              <a:rPr lang="en-US" dirty="0"/>
+              <a:t>Creating EPICS7 channels</a:t>
+            </a:r>
+            <a:br>
+              <a:rPr lang="en-US" dirty="0"/>
+            </a:br>
+            <a:r>
+              <a:rPr lang="en-US" dirty="0" err="1"/>
+              <a:t>pva</a:t>
+            </a:r>
+            <a:r>
+              <a:rPr lang="en-US" dirty="0"/>
+              <a:t> </a:t>
+            </a:r>
+            <a:r>
+              <a:rPr lang="en-US" dirty="0" err="1"/>
+              <a:t>datasource</a:t>
+            </a:r>
+            <a:r>
+              <a:rPr lang="en-US" dirty="0"/>
+              <a:t/>
+            </a:r>
+            <a:br>
+              <a:rPr lang="en-US" dirty="0"/>
+            </a:br>
+            <a:endParaRPr lang="en-US" dirty="0"/>
+          </a:p>
+        </p:txBody>
+      </p:sp>
+      <p:sp>
+        <p:nvSpPr>
+          <p:cNvPr id="10" name="Text Placeholder 9"/>
+          <p:cNvSpPr>
+            <a:spLocks noGrp="1"/>
+          </p:cNvSpPr>
+          <p:nvPr>
+            <p:ph type="body" sz="half" idx="2"/>
+          </p:nvPr>
+        </p:nvSpPr>
+        <p:spPr>
+          <a:xfrm>
+            <a:off x="824241" y="2939143"/>
+            <a:ext cx="3355873" cy="3062502"/>
+          </a:xfrm>
+        </p:spPr>
+        <p:txBody>
+          <a:bodyPr/>
+          <a:lstStyle/>
+          <a:p>
+            <a:endParaRPr lang="en-US" dirty="0" smtClean="0"/>
+          </a:p>
+          <a:p>
+            <a:r>
+              <a:rPr lang="en-US" dirty="0"/>
+              <a:t>Use the </a:t>
+            </a:r>
+            <a:r>
+              <a:rPr lang="en-US" dirty="0" err="1"/>
+              <a:t>pvacess</a:t>
+            </a:r>
+            <a:r>
+              <a:rPr lang="en-US" dirty="0"/>
+              <a:t> </a:t>
+            </a:r>
+            <a:r>
+              <a:rPr lang="en-US" dirty="0" err="1"/>
+              <a:t>datasource</a:t>
+            </a:r>
+            <a:r>
+              <a:rPr lang="en-US" dirty="0"/>
+              <a:t> prefix when creating the channel</a:t>
+            </a:r>
+            <a:br>
+              <a:rPr lang="en-US" dirty="0"/>
+            </a:br>
+            <a:r>
+              <a:rPr lang="en-US" dirty="0"/>
+              <a:t/>
+            </a:r>
+            <a:br>
+              <a:rPr lang="en-US" dirty="0"/>
+            </a:br>
+            <a:r>
+              <a:rPr lang="en-US" b="1" i="1" dirty="0"/>
+              <a:t>pva://pvcounter</a:t>
+            </a:r>
+            <a:br>
+              <a:rPr lang="en-US" b="1" i="1" dirty="0"/>
+            </a:br>
+            <a:r>
+              <a:rPr lang="en-US" dirty="0"/>
+              <a:t/>
+            </a:r>
+            <a:br>
+              <a:rPr lang="en-US" dirty="0"/>
+            </a:br>
+            <a:r>
+              <a:rPr lang="en-US" dirty="0" err="1"/>
+              <a:t>epics:nt</a:t>
+            </a:r>
+            <a:r>
+              <a:rPr lang="en-US" dirty="0"/>
+              <a:t>/NTScalar:1.0 -&gt; </a:t>
+            </a:r>
+            <a:r>
+              <a:rPr lang="en-US" dirty="0" err="1"/>
+              <a:t>Vdouble</a:t>
+            </a:r>
+            <a:endParaRPr lang="en-US" dirty="0"/>
+          </a:p>
+        </p:txBody>
+      </p:sp>
+      <p:pic>
+        <p:nvPicPr>
+          <p:cNvPr id="5" name="Picture 4"/>
+          <p:cNvPicPr>
+            <a:picLocks noChangeAspect="1"/>
+          </p:cNvPicPr>
+          <p:nvPr/>
+        </p:nvPicPr>
+        <p:blipFill>
+          <a:blip r:embed="rId2"/>
+          <a:stretch>
+            <a:fillRect/>
+          </a:stretch>
+        </p:blipFill>
+        <p:spPr>
+          <a:xfrm>
+            <a:off x="222451" y="723079"/>
+            <a:ext cx="615749" cy="609653"/>
+          </a:xfrm>
+          <a:prstGeom prst="rect">
+            <a:avLst/>
+          </a:prstGeom>
+        </p:spPr>
+      </p:pic>
+      <p:pic>
+        <p:nvPicPr>
+          <p:cNvPr id="8" name="Content Placeholder 7"/>
+          <p:cNvPicPr>
+            <a:picLocks noGrp="1" noChangeAspect="1"/>
+          </p:cNvPicPr>
+          <p:nvPr>
+            <p:ph idx="1"/>
+          </p:nvPr>
+        </p:nvPicPr>
+        <p:blipFill>
+          <a:blip r:embed="rId3">
+            <a:extLst>
+              <a:ext uri="{28A0092B-C50C-407E-A947-70E740481C1C}">
+                <a14:useLocalDpi xmlns:a14="http://schemas.microsoft.com/office/drawing/2010/main" val="0"/>
+              </a:ext>
+            </a:extLst>
+          </a:blip>
+          <a:srcRect l="-30300" r="-30300"/>
+          <a:stretch>
+            <a:fillRect/>
+          </a:stretch>
+        </p:blipFill>
+        <p:spPr>
+          <a:xfrm>
+            <a:off x="3252704" y="282523"/>
+            <a:ext cx="6923314" cy="5813981"/>
+          </a:xfrm>
+          <a:prstGeom prst="rect">
+            <a:avLst/>
+          </a:prstGeom>
+        </p:spPr>
+      </p:pic>
+      <p:pic>
+        <p:nvPicPr>
+          <p:cNvPr id="6" name="Picture 5" descr="pvcounter.PNG"/>
+          <p:cNvPicPr>
+            <a:picLocks noChangeAspect="1"/>
+          </p:cNvPicPr>
+          <p:nvPr/>
+        </p:nvPicPr>
+        <p:blipFill>
+          <a:blip r:embed="rId4">
+            <a:extLst>
+              <a:ext uri="{28A0092B-C50C-407E-A947-70E740481C1C}">
+                <a14:useLocalDpi xmlns:a14="http://schemas.microsoft.com/office/drawing/2010/main" val="0"/>
+              </a:ext>
+            </a:extLst>
+          </a:blip>
+          <a:stretch>
+            <a:fillRect/>
+          </a:stretch>
+        </p:blipFill>
+        <p:spPr>
+          <a:xfrm>
+            <a:off x="8194138" y="2071981"/>
+            <a:ext cx="3267075" cy="4191000"/>
+          </a:xfrm>
+          <a:prstGeom prst="rect">
+            <a:avLst/>
+          </a:prstGeom>
+        </p:spPr>
+      </p:pic>
+    </p:spTree>
+    <p:extLst>
+      <p:ext uri="{BB962C8B-B14F-4D97-AF65-F5344CB8AC3E}">
+        <p14:creationId xmlns:p14="http://schemas.microsoft.com/office/powerpoint/2010/main" val="472604140"/>
+      </p:ext>
+    </p:extLst>
+  </p:cSld>
+  <p:clrMapOvr>
+    <a:masterClrMapping/>
+  </p:clrMapOvr>
+  <p:timing>
+    <p:tnLst>
+      <p:par>
+        <p:cTn id="1" dur="indefinite" restart="never" nodeType="tmRoot"/>
+      </p:par>
+    </p:tnLst>
+  </p:timing>
+</p:sld>
+</file>
+
+<file path=ppt/slides/slide23.xml><?xml version="1.0" encoding="utf-8"?>
+<p:sld xmlns:a="http://schemas.openxmlformats.org/drawingml/2006/main" xmlns:r="http://schemas.openxmlformats.org/officeDocument/2006/relationships" xmlns:p="http://schemas.openxmlformats.org/presentationml/2006/main">
+  <p:cSld>
+    <p:spTree>
+      <p:nvGrpSpPr>
+        <p:cNvPr id="1" name=""/>
+        <p:cNvGrpSpPr/>
+        <p:nvPr/>
+      </p:nvGrpSpPr>
+      <p:grpSpPr>
+        <a:xfrm>
+          <a:off x="0" y="0"/>
+          <a:ext cx="0" cy="0"/>
+          <a:chOff x="0" y="0"/>
+          <a:chExt cx="0" cy="0"/>
+        </a:xfrm>
+      </p:grpSpPr>
+      <p:sp>
+        <p:nvSpPr>
+          <p:cNvPr id="2" name="Title 1"/>
+          <p:cNvSpPr>
+            <a:spLocks noGrp="1"/>
+          </p:cNvSpPr>
+          <p:nvPr>
+            <p:ph type="title"/>
+          </p:nvPr>
+        </p:nvSpPr>
+        <p:spPr>
+          <a:xfrm>
+            <a:off x="838200" y="723080"/>
+            <a:ext cx="3189514" cy="1007750"/>
+          </a:xfrm>
+        </p:spPr>
+        <p:txBody>
+          <a:bodyPr>
+            <a:normAutofit/>
+          </a:bodyPr>
+          <a:lstStyle/>
+          <a:p>
+            <a:r>
+              <a:rPr lang="en-US" dirty="0"/>
+              <a:t>Accessing EPICS7 structured data</a:t>
+            </a:r>
+          </a:p>
+        </p:txBody>
+      </p:sp>
+      <p:sp>
+        <p:nvSpPr>
+          <p:cNvPr id="10" name="Text Placeholder 9"/>
+          <p:cNvSpPr>
+            <a:spLocks noGrp="1"/>
+          </p:cNvSpPr>
+          <p:nvPr>
+            <p:ph type="body" sz="half" idx="2"/>
+          </p:nvPr>
+        </p:nvSpPr>
+        <p:spPr>
+          <a:xfrm>
+            <a:off x="824241" y="1730830"/>
+            <a:ext cx="3355873" cy="4270815"/>
+          </a:xfrm>
+        </p:spPr>
+        <p:txBody>
+          <a:bodyPr>
+            <a:normAutofit/>
+          </a:bodyPr>
+          <a:lstStyle/>
+          <a:p>
+            <a:endParaRPr lang="en-US" dirty="0" smtClean="0"/>
+          </a:p>
+          <a:p>
+            <a:pPr marL="285750" indent="-285750">
+              <a:buFont typeface="Arial" panose="020B0604020202020204" pitchFamily="34" charset="0"/>
+              <a:buChar char="•"/>
+            </a:pPr>
+            <a:r>
+              <a:rPr lang="en-US" dirty="0"/>
+              <a:t>The </a:t>
+            </a:r>
+            <a:r>
+              <a:rPr lang="en-US" dirty="0" err="1"/>
+              <a:t>pva</a:t>
+            </a:r>
+            <a:r>
+              <a:rPr lang="en-US" dirty="0"/>
+              <a:t> module provides the mapping for </a:t>
+            </a:r>
+            <a:r>
+              <a:rPr lang="en-US" dirty="0" err="1"/>
+              <a:t>NTTypes</a:t>
+            </a:r>
+            <a:r>
+              <a:rPr lang="en-US" dirty="0"/>
+              <a:t> to </a:t>
+            </a:r>
+            <a:r>
+              <a:rPr lang="en-US" dirty="0" err="1"/>
+              <a:t>Vtypes</a:t>
+            </a:r>
+            <a:endParaRPr lang="en-US" dirty="0"/>
+          </a:p>
+          <a:p>
+            <a:pPr marL="285750" indent="-285750">
+              <a:buFont typeface="Arial" panose="020B0604020202020204" pitchFamily="34" charset="0"/>
+              <a:buChar char="•"/>
+            </a:pPr>
+            <a:r>
+              <a:rPr lang="en-US" dirty="0" smtClean="0"/>
+              <a:t>Currently </a:t>
+            </a:r>
+            <a:r>
+              <a:rPr lang="en-US" dirty="0"/>
+              <a:t>supported </a:t>
+            </a:r>
+            <a:r>
+              <a:rPr lang="en-US" dirty="0" err="1"/>
+              <a:t>NTTypes</a:t>
+            </a:r>
+            <a:r>
+              <a:rPr lang="en-US" dirty="0"/>
+              <a:t> includes</a:t>
+            </a:r>
+          </a:p>
+          <a:p>
+            <a:r>
+              <a:rPr lang="en-US" dirty="0" smtClean="0"/>
+              <a:t>General </a:t>
+            </a:r>
+            <a:r>
+              <a:rPr lang="en-US" dirty="0"/>
+              <a:t>Normative Types</a:t>
+            </a:r>
+          </a:p>
+          <a:p>
+            <a:pPr marL="742950" lvl="1" indent="-285750">
+              <a:buFont typeface="Arial" panose="020B0604020202020204" pitchFamily="34" charset="0"/>
+              <a:buChar char="•"/>
+            </a:pPr>
+            <a:r>
+              <a:rPr lang="en-US" dirty="0" err="1" smtClean="0"/>
+              <a:t>NTScalar</a:t>
+            </a:r>
+            <a:endParaRPr lang="en-US" dirty="0"/>
+          </a:p>
+          <a:p>
+            <a:pPr marL="742950" lvl="1" indent="-285750">
+              <a:buFont typeface="Arial" panose="020B0604020202020204" pitchFamily="34" charset="0"/>
+              <a:buChar char="•"/>
+            </a:pPr>
+            <a:r>
+              <a:rPr lang="en-US" dirty="0" err="1" smtClean="0"/>
+              <a:t>NTScalarArray</a:t>
+            </a:r>
+            <a:endParaRPr lang="en-US" dirty="0"/>
+          </a:p>
+          <a:p>
+            <a:pPr marL="742950" lvl="1" indent="-285750">
+              <a:buFont typeface="Arial" panose="020B0604020202020204" pitchFamily="34" charset="0"/>
+              <a:buChar char="•"/>
+            </a:pPr>
+            <a:r>
+              <a:rPr lang="en-US" dirty="0" err="1" smtClean="0"/>
+              <a:t>NTEnum</a:t>
+            </a:r>
+            <a:endParaRPr lang="en-US" dirty="0"/>
+          </a:p>
+          <a:p>
+            <a:pPr marL="742950" lvl="1" indent="-285750">
+              <a:buFont typeface="Arial" panose="020B0604020202020204" pitchFamily="34" charset="0"/>
+              <a:buChar char="•"/>
+            </a:pPr>
+            <a:r>
+              <a:rPr lang="en-US" dirty="0" err="1" smtClean="0"/>
+              <a:t>NTTable</a:t>
+            </a:r>
+            <a:endParaRPr lang="en-US" dirty="0"/>
+          </a:p>
+          <a:p>
+            <a:r>
+              <a:rPr lang="en-US" dirty="0" smtClean="0"/>
+              <a:t>Specific </a:t>
+            </a:r>
+            <a:r>
+              <a:rPr lang="en-US" dirty="0"/>
+              <a:t>Normative Types</a:t>
+            </a:r>
+          </a:p>
+          <a:p>
+            <a:pPr marL="742950" lvl="1" indent="-285750">
+              <a:buFont typeface="Arial" panose="020B0604020202020204" pitchFamily="34" charset="0"/>
+              <a:buChar char="•"/>
+            </a:pPr>
+            <a:r>
+              <a:rPr lang="en-US" dirty="0" err="1" smtClean="0"/>
+              <a:t>NTMultiChannel</a:t>
+            </a:r>
+            <a:endParaRPr lang="en-US" dirty="0"/>
+          </a:p>
+          <a:p>
+            <a:pPr marL="742950" lvl="1" indent="-285750">
+              <a:buFont typeface="Arial" panose="020B0604020202020204" pitchFamily="34" charset="0"/>
+              <a:buChar char="•"/>
+            </a:pPr>
+            <a:r>
+              <a:rPr lang="en-US" dirty="0" err="1" smtClean="0"/>
+              <a:t>NTNDArray</a:t>
+            </a:r>
+            <a:endParaRPr lang="en-US" dirty="0"/>
+          </a:p>
+        </p:txBody>
+      </p:sp>
+      <p:pic>
+        <p:nvPicPr>
+          <p:cNvPr id="5" name="Picture 4"/>
+          <p:cNvPicPr>
+            <a:picLocks noChangeAspect="1"/>
+          </p:cNvPicPr>
+          <p:nvPr/>
+        </p:nvPicPr>
+        <p:blipFill>
+          <a:blip r:embed="rId2"/>
+          <a:stretch>
+            <a:fillRect/>
+          </a:stretch>
+        </p:blipFill>
+        <p:spPr>
+          <a:xfrm>
+            <a:off x="222451" y="723079"/>
+            <a:ext cx="615749" cy="609653"/>
+          </a:xfrm>
+          <a:prstGeom prst="rect">
+            <a:avLst/>
+          </a:prstGeom>
+        </p:spPr>
+      </p:pic>
+      <p:sp>
+        <p:nvSpPr>
+          <p:cNvPr id="3" name="Content Placeholder 2"/>
+          <p:cNvSpPr>
+            <a:spLocks noGrp="1"/>
+          </p:cNvSpPr>
+          <p:nvPr>
+            <p:ph idx="1"/>
+          </p:nvPr>
+        </p:nvSpPr>
+        <p:spPr/>
+        <p:txBody>
+          <a:bodyPr/>
+          <a:lstStyle/>
+          <a:p>
+            <a:endParaRPr lang="en-US"/>
+          </a:p>
+        </p:txBody>
+      </p:sp>
+      <p:pic>
+        <p:nvPicPr>
+          <p:cNvPr id="9" name="Content Placeholder 8"/>
           <p:cNvPicPr>
             <a:picLocks noChangeAspect="1"/>
           </p:cNvPicPr>
@@ -5083,8 +7033,8 @@
         </p:blipFill>
         <p:spPr>
           <a:xfrm>
-            <a:off x="4871668" y="3765230"/>
-            <a:ext cx="203175" cy="203175"/>
+            <a:off x="4180114" y="528308"/>
+            <a:ext cx="4022623" cy="4454721"/>
           </a:xfrm>
           <a:prstGeom prst="rect">
             <a:avLst/>
@@ -5093,149 +7043,650 @@
       </p:pic>
       <p:pic>
         <p:nvPicPr>
-          <p:cNvPr id="3" name="Picture 2"/>
+          <p:cNvPr id="11" name="Picture 10"/>
           <p:cNvPicPr>
             <a:picLocks noChangeAspect="1"/>
           </p:cNvPicPr>
           <p:nvPr/>
         </p:nvPicPr>
         <p:blipFill>
-          <a:blip r:embed="rId4"/>
+          <a:blip r:embed="rId4">
+            <a:extLst>
+              <a:ext uri="{28A0092B-C50C-407E-A947-70E740481C1C}">
+                <a14:useLocalDpi xmlns:a14="http://schemas.microsoft.com/office/drawing/2010/main" val="0"/>
+              </a:ext>
+            </a:extLst>
+          </a:blip>
           <a:stretch>
             <a:fillRect/>
           </a:stretch>
         </p:blipFill>
         <p:spPr>
           <a:xfrm>
-            <a:off x="2794126" y="4103342"/>
-            <a:ext cx="4155083" cy="983794"/>
+            <a:off x="5985130" y="1226955"/>
+            <a:ext cx="4032910" cy="4444431"/>
           </a:xfrm>
           <a:prstGeom prst="rect">
             <a:avLst/>
           </a:prstGeom>
         </p:spPr>
       </p:pic>
-      <p:sp>
-        <p:nvSpPr>
-          <p:cNvPr id="9" name="Oval 8"/>
-          <p:cNvSpPr/>
+      <p:pic>
+        <p:nvPicPr>
+          <p:cNvPr id="12" name="Picture 11"/>
+          <p:cNvPicPr>
+            <a:picLocks noChangeAspect="1"/>
+          </p:cNvPicPr>
           <p:nvPr/>
-        </p:nvSpPr>
-        <p:spPr>
-          <a:xfrm>
-            <a:off x="4405892" y="4685930"/>
-            <a:ext cx="457200" cy="457200"/>
-          </a:xfrm>
-          <a:prstGeom prst="ellipse">
+        </p:nvPicPr>
+        <p:blipFill>
+          <a:blip r:embed="rId5">
+            <a:extLst>
+              <a:ext uri="{28A0092B-C50C-407E-A947-70E740481C1C}">
+                <a14:useLocalDpi xmlns:a14="http://schemas.microsoft.com/office/drawing/2010/main" val="0"/>
+              </a:ext>
+            </a:extLst>
+          </a:blip>
+          <a:stretch>
+            <a:fillRect/>
+          </a:stretch>
+        </p:blipFill>
+        <p:spPr>
+          <a:xfrm>
+            <a:off x="7772896" y="3424237"/>
+            <a:ext cx="4012334" cy="2860075"/>
+          </a:xfrm>
+          <a:prstGeom prst="rect">
             <a:avLst/>
           </a:prstGeom>
-          <a:noFill/>
-        </p:spPr>
-        <p:style>
-          <a:lnRef idx="2">
-            <a:schemeClr val="accent6"/>
-          </a:lnRef>
-          <a:fillRef idx="1">
-            <a:schemeClr val="lt1"/>
-          </a:fillRef>
-          <a:effectRef idx="0">
-            <a:schemeClr val="accent6"/>
-          </a:effectRef>
-          <a:fontRef idx="minor">
-            <a:schemeClr val="dk1"/>
-          </a:fontRef>
-        </p:style>
-        <p:txBody>
-          <a:bodyPr rtlCol="0" anchor="ctr"/>
-          <a:lstStyle/>
-          <a:p>
-            <a:pPr algn="ctr"/>
-            <a:endParaRPr lang="en-US"/>
-          </a:p>
-        </p:txBody>
-      </p:sp>
-      <p:sp>
-        <p:nvSpPr>
-          <p:cNvPr id="10" name="Oval 9"/>
-          <p:cNvSpPr/>
-          <p:nvPr/>
-        </p:nvSpPr>
-        <p:spPr>
-          <a:xfrm>
-            <a:off x="4223012" y="4503050"/>
-            <a:ext cx="822960" cy="822960"/>
-          </a:xfrm>
-          <a:prstGeom prst="ellipse">
-            <a:avLst/>
-          </a:prstGeom>
-          <a:noFill/>
-        </p:spPr>
-        <p:style>
-          <a:lnRef idx="2">
-            <a:schemeClr val="accent6"/>
-          </a:lnRef>
-          <a:fillRef idx="1">
-            <a:schemeClr val="lt1"/>
-          </a:fillRef>
-          <a:effectRef idx="0">
-            <a:schemeClr val="accent6"/>
-          </a:effectRef>
-          <a:fontRef idx="minor">
-            <a:schemeClr val="dk1"/>
-          </a:fontRef>
-        </p:style>
-        <p:txBody>
-          <a:bodyPr rtlCol="0" anchor="ctr"/>
-          <a:lstStyle/>
-          <a:p>
-            <a:pPr algn="ctr"/>
-            <a:endParaRPr lang="en-US"/>
-          </a:p>
-        </p:txBody>
-      </p:sp>
-      <p:sp>
-        <p:nvSpPr>
-          <p:cNvPr id="11" name="Oval 10"/>
-          <p:cNvSpPr/>
-          <p:nvPr/>
-        </p:nvSpPr>
-        <p:spPr>
-          <a:xfrm>
-            <a:off x="4314452" y="4594490"/>
-            <a:ext cx="640080" cy="640080"/>
-          </a:xfrm>
-          <a:prstGeom prst="ellipse">
-            <a:avLst/>
-          </a:prstGeom>
-          <a:noFill/>
-        </p:spPr>
-        <p:style>
-          <a:lnRef idx="2">
-            <a:schemeClr val="accent6"/>
-          </a:lnRef>
-          <a:fillRef idx="1">
-            <a:schemeClr val="lt1"/>
-          </a:fillRef>
-          <a:effectRef idx="0">
-            <a:schemeClr val="accent6"/>
-          </a:effectRef>
-          <a:fontRef idx="minor">
-            <a:schemeClr val="dk1"/>
-          </a:fontRef>
-        </p:style>
-        <p:txBody>
-          <a:bodyPr rtlCol="0" anchor="ctr"/>
-          <a:lstStyle/>
-          <a:p>
-            <a:pPr algn="ctr"/>
-            <a:endParaRPr lang="en-US"/>
-          </a:p>
-        </p:txBody>
-      </p:sp>
+        </p:spPr>
+      </p:pic>
     </p:spTree>
     <p:extLst>
       <p:ext uri="{BB962C8B-B14F-4D97-AF65-F5344CB8AC3E}">
-        <p14:creationId xmlns:p14="http://schemas.microsoft.com/office/powerpoint/2010/main" val="10971821"/>
+        <p14:creationId xmlns:p14="http://schemas.microsoft.com/office/powerpoint/2010/main" val="336040324"/>
+      </p:ext>
+    </p:extLst>
+  </p:cSld>
+  <p:clrMapOvr>
+    <a:masterClrMapping/>
+  </p:clrMapOvr>
+  <p:timing>
+    <p:tnLst>
+      <p:par>
+        <p:cTn id="1" dur="indefinite" restart="never" nodeType="tmRoot"/>
+      </p:par>
+    </p:tnLst>
+  </p:timing>
+</p:sld>
+</file>
+
+<file path=ppt/slides/slide24.xml><?xml version="1.0" encoding="utf-8"?>
+<p:sld xmlns:a="http://schemas.openxmlformats.org/drawingml/2006/main" xmlns:r="http://schemas.openxmlformats.org/officeDocument/2006/relationships" xmlns:p="http://schemas.openxmlformats.org/presentationml/2006/main">
+  <p:cSld>
+    <p:spTree>
+      <p:nvGrpSpPr>
+        <p:cNvPr id="1" name=""/>
+        <p:cNvGrpSpPr/>
+        <p:nvPr/>
+      </p:nvGrpSpPr>
+      <p:grpSpPr>
+        <a:xfrm>
+          <a:off x="0" y="0"/>
+          <a:ext cx="0" cy="0"/>
+          <a:chOff x="0" y="0"/>
+          <a:chExt cx="0" cy="0"/>
+        </a:xfrm>
+      </p:grpSpPr>
+      <p:sp>
+        <p:nvSpPr>
+          <p:cNvPr id="2" name="Title 1"/>
+          <p:cNvSpPr>
+            <a:spLocks noGrp="1"/>
+          </p:cNvSpPr>
+          <p:nvPr>
+            <p:ph type="title"/>
+          </p:nvPr>
+        </p:nvSpPr>
+        <p:spPr>
+          <a:xfrm>
+            <a:off x="838200" y="723080"/>
+            <a:ext cx="3189514" cy="1007750"/>
+          </a:xfrm>
+        </p:spPr>
+        <p:txBody>
+          <a:bodyPr>
+            <a:normAutofit/>
+          </a:bodyPr>
+          <a:lstStyle/>
+          <a:p>
+            <a:r>
+              <a:rPr lang="en-US" dirty="0"/>
+              <a:t>Accessing EPICS7 structured data</a:t>
+            </a:r>
+          </a:p>
+        </p:txBody>
+      </p:sp>
+      <p:sp>
+        <p:nvSpPr>
+          <p:cNvPr id="10" name="Text Placeholder 9"/>
+          <p:cNvSpPr>
+            <a:spLocks noGrp="1"/>
+          </p:cNvSpPr>
+          <p:nvPr>
+            <p:ph type="body" sz="half" idx="2"/>
+          </p:nvPr>
+        </p:nvSpPr>
+        <p:spPr>
+          <a:xfrm>
+            <a:off x="824241" y="1730830"/>
+            <a:ext cx="3355873" cy="4270815"/>
+          </a:xfrm>
+        </p:spPr>
+        <p:txBody>
+          <a:bodyPr>
+            <a:normAutofit/>
+          </a:bodyPr>
+          <a:lstStyle/>
+          <a:p>
+            <a:endParaRPr lang="en-US" dirty="0" smtClean="0"/>
+          </a:p>
+          <a:p>
+            <a:pPr marL="285750" indent="-285750">
+              <a:buFont typeface="Arial" panose="020B0604020202020204" pitchFamily="34" charset="0"/>
+              <a:buChar char="•"/>
+            </a:pPr>
+            <a:r>
+              <a:rPr lang="en-US" dirty="0" smtClean="0"/>
+              <a:t>Formula </a:t>
+            </a:r>
+            <a:r>
+              <a:rPr lang="en-US" dirty="0"/>
+              <a:t>Functions</a:t>
+            </a:r>
+            <a:br>
+              <a:rPr lang="en-US" dirty="0"/>
+            </a:br>
+            <a:r>
+              <a:rPr lang="en-US" dirty="0"/>
+              <a:t/>
+            </a:r>
+            <a:br>
+              <a:rPr lang="en-US" dirty="0"/>
+            </a:br>
+            <a:r>
+              <a:rPr lang="en-US" dirty="0"/>
+              <a:t>Allow parsing of any EPICS7 data structure into a Type that can be used by </a:t>
+            </a:r>
+            <a:r>
+              <a:rPr lang="en-US" dirty="0" err="1"/>
+              <a:t>cs</a:t>
+            </a:r>
+            <a:r>
+              <a:rPr lang="en-US" dirty="0"/>
+              <a:t>-studio applications</a:t>
+            </a:r>
+          </a:p>
+          <a:p>
+            <a:pPr marL="742950" lvl="1" indent="-285750">
+              <a:buFont typeface="Arial" panose="020B0604020202020204" pitchFamily="34" charset="0"/>
+              <a:buChar char="•"/>
+            </a:pPr>
+            <a:endParaRPr lang="en-US" dirty="0"/>
+          </a:p>
+        </p:txBody>
+      </p:sp>
+      <p:pic>
+        <p:nvPicPr>
+          <p:cNvPr id="5" name="Picture 4"/>
+          <p:cNvPicPr>
+            <a:picLocks noChangeAspect="1"/>
+          </p:cNvPicPr>
+          <p:nvPr/>
+        </p:nvPicPr>
+        <p:blipFill>
+          <a:blip r:embed="rId2"/>
+          <a:stretch>
+            <a:fillRect/>
+          </a:stretch>
+        </p:blipFill>
+        <p:spPr>
+          <a:xfrm>
+            <a:off x="222451" y="723079"/>
+            <a:ext cx="615749" cy="609653"/>
+          </a:xfrm>
+          <a:prstGeom prst="rect">
+            <a:avLst/>
+          </a:prstGeom>
+        </p:spPr>
+      </p:pic>
+      <p:pic>
+        <p:nvPicPr>
+          <p:cNvPr id="13" name="Content Placeholder 8"/>
+          <p:cNvPicPr>
+            <a:picLocks noChangeAspect="1"/>
+          </p:cNvPicPr>
+          <p:nvPr/>
+        </p:nvPicPr>
+        <p:blipFill>
+          <a:blip r:embed="rId3">
+            <a:extLst>
+              <a:ext uri="{28A0092B-C50C-407E-A947-70E740481C1C}">
+                <a14:useLocalDpi xmlns:a14="http://schemas.microsoft.com/office/drawing/2010/main" val="0"/>
+              </a:ext>
+            </a:extLst>
+          </a:blip>
+          <a:stretch>
+            <a:fillRect/>
+          </a:stretch>
+        </p:blipFill>
+        <p:spPr>
+          <a:xfrm>
+            <a:off x="8214325" y="1740497"/>
+            <a:ext cx="3770354" cy="4148301"/>
+          </a:xfrm>
+          <a:prstGeom prst="rect">
+            <a:avLst/>
+          </a:prstGeom>
+        </p:spPr>
+      </p:pic>
+      <p:pic>
+        <p:nvPicPr>
+          <p:cNvPr id="14" name="Picture 13"/>
+          <p:cNvPicPr>
+            <a:picLocks noChangeAspect="1"/>
+          </p:cNvPicPr>
+          <p:nvPr/>
+        </p:nvPicPr>
+        <p:blipFill>
+          <a:blip r:embed="rId4">
+            <a:extLst>
+              <a:ext uri="{28A0092B-C50C-407E-A947-70E740481C1C}">
+                <a14:useLocalDpi xmlns:a14="http://schemas.microsoft.com/office/drawing/2010/main" val="0"/>
+              </a:ext>
+            </a:extLst>
+          </a:blip>
+          <a:stretch>
+            <a:fillRect/>
+          </a:stretch>
+        </p:blipFill>
+        <p:spPr>
+          <a:xfrm>
+            <a:off x="4014740" y="738792"/>
+            <a:ext cx="6181092" cy="887102"/>
+          </a:xfrm>
+          <a:prstGeom prst="rect">
+            <a:avLst/>
+          </a:prstGeom>
+        </p:spPr>
+      </p:pic>
+      <p:pic>
+        <p:nvPicPr>
+          <p:cNvPr id="15" name="Picture 14" descr="formula.PNG"/>
+          <p:cNvPicPr>
+            <a:picLocks noChangeAspect="1"/>
+          </p:cNvPicPr>
+          <p:nvPr/>
+        </p:nvPicPr>
+        <p:blipFill>
+          <a:blip r:embed="rId5">
+            <a:extLst>
+              <a:ext uri="{28A0092B-C50C-407E-A947-70E740481C1C}">
+                <a14:useLocalDpi xmlns:a14="http://schemas.microsoft.com/office/drawing/2010/main" val="0"/>
+              </a:ext>
+            </a:extLst>
+          </a:blip>
+          <a:stretch>
+            <a:fillRect/>
+          </a:stretch>
+        </p:blipFill>
+        <p:spPr>
+          <a:xfrm>
+            <a:off x="4027714" y="1730830"/>
+            <a:ext cx="4146542" cy="4163592"/>
+          </a:xfrm>
+          <a:prstGeom prst="rect">
+            <a:avLst/>
+          </a:prstGeom>
+        </p:spPr>
+      </p:pic>
+    </p:spTree>
+    <p:extLst>
+      <p:ext uri="{BB962C8B-B14F-4D97-AF65-F5344CB8AC3E}">
+        <p14:creationId xmlns:p14="http://schemas.microsoft.com/office/powerpoint/2010/main" val="4229672340"/>
+      </p:ext>
+    </p:extLst>
+  </p:cSld>
+  <p:clrMapOvr>
+    <a:masterClrMapping/>
+  </p:clrMapOvr>
+  <p:timing>
+    <p:tnLst>
+      <p:par>
+        <p:cTn id="1" dur="indefinite" restart="never" nodeType="tmRoot"/>
+      </p:par>
+    </p:tnLst>
+  </p:timing>
+</p:sld>
+</file>
+
+<file path=ppt/slides/slide25.xml><?xml version="1.0" encoding="utf-8"?>
+<p:sld xmlns:a="http://schemas.openxmlformats.org/drawingml/2006/main" xmlns:r="http://schemas.openxmlformats.org/officeDocument/2006/relationships" xmlns:p="http://schemas.openxmlformats.org/presentationml/2006/main">
+  <p:cSld>
+    <p:spTree>
+      <p:nvGrpSpPr>
+        <p:cNvPr id="1" name=""/>
+        <p:cNvGrpSpPr/>
+        <p:nvPr/>
+      </p:nvGrpSpPr>
+      <p:grpSpPr>
+        <a:xfrm>
+          <a:off x="0" y="0"/>
+          <a:ext cx="0" cy="0"/>
+          <a:chOff x="0" y="0"/>
+          <a:chExt cx="0" cy="0"/>
+        </a:xfrm>
+      </p:grpSpPr>
+      <p:sp>
+        <p:nvSpPr>
+          <p:cNvPr id="2" name="Title 1"/>
+          <p:cNvSpPr>
+            <a:spLocks noGrp="1"/>
+          </p:cNvSpPr>
+          <p:nvPr>
+            <p:ph type="title"/>
+          </p:nvPr>
+        </p:nvSpPr>
+        <p:spPr>
+          <a:xfrm>
+            <a:off x="838200" y="723080"/>
+            <a:ext cx="3189514" cy="1007750"/>
+          </a:xfrm>
+        </p:spPr>
+        <p:txBody>
+          <a:bodyPr>
+            <a:normAutofit/>
+          </a:bodyPr>
+          <a:lstStyle/>
+          <a:p>
+            <a:r>
+              <a:rPr lang="en-US" dirty="0"/>
+              <a:t>Accessing EPICS7 structured data</a:t>
+            </a:r>
+          </a:p>
+        </p:txBody>
+      </p:sp>
+      <p:sp>
+        <p:nvSpPr>
+          <p:cNvPr id="10" name="Text Placeholder 9"/>
+          <p:cNvSpPr>
+            <a:spLocks noGrp="1"/>
+          </p:cNvSpPr>
+          <p:nvPr>
+            <p:ph type="body" sz="half" idx="2"/>
+          </p:nvPr>
+        </p:nvSpPr>
+        <p:spPr>
+          <a:xfrm>
+            <a:off x="824241" y="1730831"/>
+            <a:ext cx="6556273" cy="936170"/>
+          </a:xfrm>
+        </p:spPr>
+        <p:txBody>
+          <a:bodyPr>
+            <a:normAutofit/>
+          </a:bodyPr>
+          <a:lstStyle/>
+          <a:p>
+            <a:endParaRPr lang="en-US" dirty="0" smtClean="0"/>
+          </a:p>
+          <a:p>
+            <a:pPr marL="285750" indent="-285750">
+              <a:buFont typeface="Arial" panose="020B0604020202020204" pitchFamily="34" charset="0"/>
+              <a:buChar char="•"/>
+            </a:pPr>
+            <a:r>
+              <a:rPr lang="en-US" dirty="0" err="1"/>
+              <a:t>NTNDArray</a:t>
+            </a:r>
+            <a:r>
+              <a:rPr lang="en-US" dirty="0"/>
+              <a:t> formula set</a:t>
+            </a:r>
+          </a:p>
+        </p:txBody>
+      </p:sp>
+      <p:pic>
+        <p:nvPicPr>
+          <p:cNvPr id="5" name="Picture 4"/>
+          <p:cNvPicPr>
+            <a:picLocks noChangeAspect="1"/>
+          </p:cNvPicPr>
+          <p:nvPr/>
+        </p:nvPicPr>
+        <p:blipFill>
+          <a:blip r:embed="rId2"/>
+          <a:stretch>
+            <a:fillRect/>
+          </a:stretch>
+        </p:blipFill>
+        <p:spPr>
+          <a:xfrm>
+            <a:off x="222451" y="723079"/>
+            <a:ext cx="615749" cy="609653"/>
+          </a:xfrm>
+          <a:prstGeom prst="rect">
+            <a:avLst/>
+          </a:prstGeom>
+        </p:spPr>
+      </p:pic>
+      <p:pic>
+        <p:nvPicPr>
+          <p:cNvPr id="8" name="Content Placeholder 19"/>
+          <p:cNvPicPr>
+            <a:picLocks noChangeAspect="1"/>
+          </p:cNvPicPr>
+          <p:nvPr/>
+        </p:nvPicPr>
+        <p:blipFill>
+          <a:blip r:embed="rId3">
+            <a:extLst>
+              <a:ext uri="{28A0092B-C50C-407E-A947-70E740481C1C}">
+                <a14:useLocalDpi xmlns:a14="http://schemas.microsoft.com/office/drawing/2010/main" val="0"/>
+              </a:ext>
+            </a:extLst>
+          </a:blip>
+          <a:stretch>
+            <a:fillRect/>
+          </a:stretch>
+        </p:blipFill>
+        <p:spPr>
+          <a:xfrm>
+            <a:off x="8107435" y="1581466"/>
+            <a:ext cx="3273572" cy="4488200"/>
+          </a:xfrm>
+          <a:prstGeom prst="rect">
+            <a:avLst/>
+          </a:prstGeom>
+        </p:spPr>
+      </p:pic>
+      <p:pic>
+        <p:nvPicPr>
+          <p:cNvPr id="9" name="Picture 8"/>
+          <p:cNvPicPr>
+            <a:picLocks noChangeAspect="1"/>
+          </p:cNvPicPr>
+          <p:nvPr/>
+        </p:nvPicPr>
+        <p:blipFill>
+          <a:blip r:embed="rId4">
+            <a:extLst>
+              <a:ext uri="{28A0092B-C50C-407E-A947-70E740481C1C}">
+                <a14:useLocalDpi xmlns:a14="http://schemas.microsoft.com/office/drawing/2010/main" val="0"/>
+              </a:ext>
+            </a:extLst>
+          </a:blip>
+          <a:stretch>
+            <a:fillRect/>
+          </a:stretch>
+        </p:blipFill>
+        <p:spPr>
+          <a:xfrm>
+            <a:off x="8107435" y="660570"/>
+            <a:ext cx="3273572" cy="797408"/>
+          </a:xfrm>
+          <a:prstGeom prst="rect">
+            <a:avLst/>
+          </a:prstGeom>
+        </p:spPr>
+      </p:pic>
+      <p:pic>
+        <p:nvPicPr>
+          <p:cNvPr id="11" name="Picture 10"/>
+          <p:cNvPicPr>
+            <a:picLocks noChangeAspect="1"/>
+          </p:cNvPicPr>
+          <p:nvPr/>
+        </p:nvPicPr>
+        <p:blipFill>
+          <a:blip r:embed="rId5">
+            <a:extLst>
+              <a:ext uri="{28A0092B-C50C-407E-A947-70E740481C1C}">
+                <a14:useLocalDpi xmlns:a14="http://schemas.microsoft.com/office/drawing/2010/main" val="0"/>
+              </a:ext>
+            </a:extLst>
+          </a:blip>
+          <a:stretch>
+            <a:fillRect/>
+          </a:stretch>
+        </p:blipFill>
+        <p:spPr>
+          <a:xfrm>
+            <a:off x="858902" y="2786878"/>
+            <a:ext cx="6642423" cy="1258888"/>
+          </a:xfrm>
+          <a:prstGeom prst="rect">
+            <a:avLst/>
+          </a:prstGeom>
+        </p:spPr>
+      </p:pic>
+      <p:sp>
+        <p:nvSpPr>
+          <p:cNvPr id="6" name="Rectangle 5"/>
+          <p:cNvSpPr/>
+          <p:nvPr/>
+        </p:nvSpPr>
+        <p:spPr>
+          <a:xfrm>
+            <a:off x="838199" y="4079539"/>
+            <a:ext cx="6663125" cy="2308324"/>
+          </a:xfrm>
+          <a:prstGeom prst="rect">
+            <a:avLst/>
+          </a:prstGeom>
+        </p:spPr>
+        <p:txBody>
+          <a:bodyPr wrap="square">
+            <a:spAutoFit/>
+          </a:bodyPr>
+          <a:lstStyle/>
+          <a:p>
+            <a:r>
+              <a:rPr lang="en-US" dirty="0"/>
+              <a:t>image</a:t>
+            </a:r>
+          </a:p>
+          <a:p>
+            <a:r>
+              <a:rPr lang="en-US" dirty="0" smtClean="0"/>
+              <a:t>	Creates </a:t>
+            </a:r>
+            <a:r>
+              <a:rPr lang="en-US" dirty="0"/>
+              <a:t>an </a:t>
+            </a:r>
+            <a:r>
+              <a:rPr lang="en-US" dirty="0" err="1"/>
+              <a:t>VImage</a:t>
+            </a:r>
+            <a:r>
+              <a:rPr lang="en-US" dirty="0"/>
+              <a:t> from the </a:t>
+            </a:r>
+            <a:r>
+              <a:rPr lang="en-US" dirty="0" err="1"/>
+              <a:t>NTNDArray</a:t>
+            </a:r>
+            <a:r>
+              <a:rPr lang="en-US" dirty="0"/>
+              <a:t> using all </a:t>
+            </a:r>
+            <a:r>
+              <a:rPr lang="en-US" dirty="0" smtClean="0"/>
+              <a:t>the</a:t>
+            </a:r>
+            <a:r>
+              <a:rPr lang="en-US" dirty="0"/>
+              <a:t>	appropriate fields (value, dimensions, …)</a:t>
+            </a:r>
+          </a:p>
+          <a:p>
+            <a:r>
+              <a:rPr lang="en-US" dirty="0" err="1"/>
+              <a:t>ndArray</a:t>
+            </a:r>
+            <a:endParaRPr lang="en-US" dirty="0"/>
+          </a:p>
+          <a:p>
+            <a:r>
+              <a:rPr lang="en-US" dirty="0"/>
+              <a:t>	Extracts the raw values as a </a:t>
+            </a:r>
+            <a:r>
+              <a:rPr lang="en-US" dirty="0" err="1"/>
+              <a:t>VNumberArray</a:t>
+            </a:r>
+            <a:endParaRPr lang="en-US" dirty="0"/>
+          </a:p>
+          <a:p>
+            <a:r>
+              <a:rPr lang="en-US" dirty="0"/>
+              <a:t>attributes</a:t>
+            </a:r>
+          </a:p>
+          <a:p>
+            <a:r>
+              <a:rPr lang="en-US" dirty="0"/>
+              <a:t>	</a:t>
+            </a:r>
+            <a:r>
+              <a:rPr lang="en-US" dirty="0" smtClean="0"/>
+              <a:t>Creates </a:t>
+            </a:r>
+            <a:r>
+              <a:rPr lang="en-US" dirty="0"/>
+              <a:t>a </a:t>
+            </a:r>
+            <a:r>
+              <a:rPr lang="en-US" dirty="0" err="1"/>
+              <a:t>VTable</a:t>
+            </a:r>
+            <a:r>
+              <a:rPr lang="en-US" dirty="0"/>
+              <a:t> from the attributes structure of this 	</a:t>
+            </a:r>
+            <a:r>
+              <a:rPr lang="en-US" dirty="0" err="1" smtClean="0"/>
+              <a:t>NTNDArray</a:t>
+            </a:r>
+            <a:endParaRPr lang="en-US" dirty="0"/>
+          </a:p>
+        </p:txBody>
+      </p:sp>
+    </p:spTree>
+    <p:extLst>
+      <p:ext uri="{BB962C8B-B14F-4D97-AF65-F5344CB8AC3E}">
+        <p14:creationId xmlns:p14="http://schemas.microsoft.com/office/powerpoint/2010/main" val="673788991"/>
       </p:ext>
     </p:extLst>
   </p:cSld>
@@ -5271,7 +7722,7 @@
       </p:grpSpPr>
       <p:sp>
         <p:nvSpPr>
-          <p:cNvPr id="2" name="Title 1"/>
+          <p:cNvPr id="4" name="Title 3"/>
           <p:cNvSpPr>
             <a:spLocks noGrp="1"/>
           </p:cNvSpPr>
@@ -5286,7 +7737,7 @@
           <a:p>
             <a:r>
               <a:rPr lang="en-US" dirty="0" smtClean="0"/>
-              <a:t>Probe - getting started</a:t>
+              <a:t>Running CS-Studio</a:t>
             </a:r>
             <a:endParaRPr lang="en-US" dirty="0"/>
           </a:p>
@@ -5294,164 +7745,108 @@
       </p:sp>
       <p:sp>
         <p:nvSpPr>
-          <p:cNvPr id="3" name="Content Placeholder 2"/>
-          <p:cNvSpPr>
-            <a:spLocks noGrp="1"/>
-          </p:cNvSpPr>
-          <p:nvPr>
-            <p:ph sz="half" idx="1"/>
-          </p:nvPr>
-        </p:nvSpPr>
-        <p:spPr>
-          <a:xfrm>
-            <a:off x="838199" y="1825625"/>
-            <a:ext cx="7044159" cy="4351338"/>
-          </a:xfrm>
-        </p:spPr>
+          <p:cNvPr id="5" name="Content Placeholder 4"/>
+          <p:cNvSpPr>
+            <a:spLocks noGrp="1"/>
+          </p:cNvSpPr>
+          <p:nvPr>
+            <p:ph idx="1"/>
+          </p:nvPr>
+        </p:nvSpPr>
+        <p:spPr/>
         <p:txBody>
           <a:bodyPr/>
           <a:lstStyle/>
           <a:p>
             <a:r>
               <a:rPr lang="en-US" dirty="0" smtClean="0"/>
-              <a:t>Connect to a simple scalar </a:t>
+              <a:t>You can also install </a:t>
             </a:r>
             <a:r>
               <a:rPr lang="en-US" dirty="0" err="1" smtClean="0"/>
-              <a:t>pv</a:t>
-            </a:r>
-            <a:r>
-              <a:rPr lang="en-US" dirty="0" smtClean="0"/>
-              <a:t> (simulation)</a:t>
+              <a:t>cs</a:t>
+            </a:r>
+            <a:r>
+              <a:rPr lang="en-US" dirty="0" smtClean="0"/>
+              <a:t>-studio yourself by downloading and unzipping the appropriate .zip file from</a:t>
+            </a:r>
+          </a:p>
+          <a:p>
+            <a:pPr marL="457200" lvl="1" indent="0">
+              <a:buNone/>
+            </a:pPr>
+            <a:r>
+              <a:rPr lang="en-US" dirty="0">
+                <a:hlinkClick r:id="rId3"/>
+              </a:rPr>
+              <a:t>http://</a:t>
+            </a:r>
+            <a:r>
+              <a:rPr lang="en-US" dirty="0" smtClean="0">
+                <a:hlinkClick r:id="rId3"/>
+              </a:rPr>
+              <a:t>controlsystemstudio.org/download.html</a:t>
+            </a:r>
+            <a:endParaRPr lang="en-US" dirty="0" smtClean="0"/>
+          </a:p>
+          <a:p>
+            <a:pPr marL="457200" lvl="1" indent="0">
+              <a:buNone/>
+            </a:pPr>
+            <a:r>
+              <a:rPr lang="en-US" dirty="0"/>
+              <a:t>~$: </a:t>
+            </a:r>
+            <a:r>
+              <a:rPr lang="en-US" dirty="0" smtClean="0"/>
+              <a:t>./</a:t>
+            </a:r>
+            <a:r>
+              <a:rPr lang="en-US" dirty="0" err="1" smtClean="0"/>
+              <a:t>cs</a:t>
+            </a:r>
+            <a:r>
+              <a:rPr lang="en-US" dirty="0" smtClean="0"/>
+              <a:t>-studio</a:t>
+            </a:r>
+          </a:p>
+          <a:p>
+            <a:pPr marL="457200" lvl="1" indent="0">
+              <a:buNone/>
+            </a:pPr>
+            <a:r>
+              <a:rPr lang="en-US" dirty="0"/>
+              <a:t> </a:t>
+            </a:r>
+            <a:endParaRPr lang="en-US" dirty="0" smtClean="0"/>
+          </a:p>
+          <a:p>
+            <a:r>
+              <a:rPr lang="en-US" dirty="0" smtClean="0"/>
+              <a:t>There are multiple versions of the </a:t>
+            </a:r>
+            <a:r>
+              <a:rPr lang="en-US" dirty="0" err="1" smtClean="0"/>
+              <a:t>cs</a:t>
+            </a:r>
+            <a:r>
+              <a:rPr lang="en-US" dirty="0" smtClean="0"/>
+              <a:t>-studio product. Customized for different sites and use cases</a:t>
             </a:r>
             <a:endParaRPr lang="en-US" dirty="0"/>
           </a:p>
           <a:p>
-            <a:pPr lvl="1"/>
-            <a:r>
-              <a:rPr lang="en-US" dirty="0" smtClean="0"/>
-              <a:t>In the PV Formula field type “</a:t>
-            </a:r>
-            <a:r>
-              <a:rPr lang="en-US" dirty="0" err="1" smtClean="0"/>
-              <a:t>sim</a:t>
-            </a:r>
-            <a:r>
-              <a:rPr lang="en-US" dirty="0" smtClean="0"/>
-              <a:t>://noise”  and hit the return key</a:t>
-            </a:r>
-          </a:p>
-          <a:p>
-            <a:r>
-              <a:rPr lang="en-US" dirty="0" smtClean="0"/>
-              <a:t>Connect to a simple scalar </a:t>
-            </a:r>
-            <a:r>
-              <a:rPr lang="en-US" dirty="0" err="1" smtClean="0"/>
-              <a:t>pv</a:t>
-            </a:r>
-            <a:r>
-              <a:rPr lang="en-US" dirty="0" smtClean="0"/>
-              <a:t> (</a:t>
-            </a:r>
-            <a:r>
-              <a:rPr lang="en-US" dirty="0" err="1" smtClean="0"/>
-              <a:t>softIOC</a:t>
-            </a:r>
-            <a:r>
-              <a:rPr lang="en-US" dirty="0" smtClean="0"/>
-              <a:t>)</a:t>
-            </a:r>
-          </a:p>
-          <a:p>
-            <a:pPr lvl="1"/>
-            <a:r>
-              <a:rPr lang="en-US" dirty="0" smtClean="0"/>
-              <a:t>In the PV Formula field type </a:t>
-            </a:r>
-            <a:r>
-              <a:rPr lang="en-US" dirty="0"/>
-              <a:t/>
-            </a:r>
-            <a:br>
-              <a:rPr lang="en-US" dirty="0"/>
-            </a:br>
-            <a:r>
-              <a:rPr lang="en-US" dirty="0" smtClean="0"/>
-              <a:t>“</a:t>
-            </a:r>
-            <a:r>
-              <a:rPr lang="en-US" dirty="0" smtClean="0"/>
-              <a:t>XF:31IDA-OP{Tbl-Ax:X1}</a:t>
-            </a:r>
-            <a:r>
-              <a:rPr lang="en-US" dirty="0" err="1" smtClean="0"/>
-              <a:t>Mtr.RBV</a:t>
-            </a:r>
-            <a:r>
-              <a:rPr lang="en-US" dirty="0" smtClean="0"/>
-              <a:t>” and hit the return key</a:t>
-            </a:r>
-          </a:p>
-        </p:txBody>
-      </p:sp>
-      <p:pic>
-        <p:nvPicPr>
-          <p:cNvPr id="5" name="Picture 4"/>
-          <p:cNvPicPr>
-            <a:picLocks noChangeAspect="1"/>
-          </p:cNvPicPr>
-          <p:nvPr/>
-        </p:nvPicPr>
-        <p:blipFill>
-          <a:blip r:embed="rId3"/>
-          <a:stretch>
-            <a:fillRect/>
-          </a:stretch>
-        </p:blipFill>
-        <p:spPr>
-          <a:xfrm>
-            <a:off x="222451" y="723079"/>
-            <a:ext cx="615749" cy="609653"/>
-          </a:xfrm>
-          <a:prstGeom prst="rect">
-            <a:avLst/>
-          </a:prstGeom>
-        </p:spPr>
-      </p:pic>
-      <p:pic>
-        <p:nvPicPr>
-          <p:cNvPr id="8" name="Content Placeholder 6"/>
-          <p:cNvPicPr>
-            <a:picLocks noGrp="1" noChangeAspect="1"/>
-          </p:cNvPicPr>
-          <p:nvPr>
-            <p:ph sz="half" idx="2"/>
-          </p:nvPr>
-        </p:nvPicPr>
-        <p:blipFill>
-          <a:blip r:embed="rId4">
-            <a:extLst>
-              <a:ext uri="{28A0092B-C50C-407E-A947-70E740481C1C}">
-                <a14:useLocalDpi xmlns:a14="http://schemas.microsoft.com/office/drawing/2010/main" val="0"/>
-              </a:ext>
-            </a:extLst>
-          </a:blip>
-          <a:stretch>
-            <a:fillRect/>
-          </a:stretch>
-        </p:blipFill>
-        <p:spPr>
-          <a:xfrm>
-            <a:off x="7882359" y="1824171"/>
-            <a:ext cx="3471441" cy="4352792"/>
-          </a:xfrm>
-        </p:spPr>
-      </p:pic>
+            <a:pPr marL="457200" lvl="1" indent="0">
+              <a:buNone/>
+            </a:pPr>
+            <a:endParaRPr lang="en-US" dirty="0"/>
+          </a:p>
+        </p:txBody>
+      </p:sp>
     </p:spTree>
     <p:extLst>
       <p:ext uri="{BB962C8B-B14F-4D97-AF65-F5344CB8AC3E}">
-        <p14:creationId xmlns:p14="http://schemas.microsoft.com/office/powerpoint/2010/main" val="952907494"/>
+        <p14:creationId xmlns:p14="http://schemas.microsoft.com/office/powerpoint/2010/main" val="4043561382"/>
       </p:ext>
     </p:extLst>
   </p:cSld>
@@ -5495,164 +7890,36 @@
             <p:ph type="title"/>
           </p:nvPr>
         </p:nvSpPr>
-        <p:spPr/>
+        <p:spPr>
+          <a:xfrm>
+            <a:off x="839788" y="457200"/>
+            <a:ext cx="3166875" cy="1315668"/>
+          </a:xfrm>
+        </p:spPr>
         <p:txBody>
           <a:bodyPr/>
           <a:lstStyle/>
           <a:p>
             <a:r>
               <a:rPr lang="en-US" dirty="0" smtClean="0"/>
-              <a:t>Probe - deciphering the data</a:t>
+              <a:t>Welcome</a:t>
             </a:r>
             <a:endParaRPr lang="en-US" dirty="0"/>
-          </a:p>
-        </p:txBody>
-      </p:sp>
-      <p:sp>
-        <p:nvSpPr>
-          <p:cNvPr id="3" name="Content Placeholder 2"/>
-          <p:cNvSpPr>
-            <a:spLocks noGrp="1"/>
-          </p:cNvSpPr>
-          <p:nvPr>
-            <p:ph sz="half" idx="1"/>
-          </p:nvPr>
-        </p:nvSpPr>
-        <p:spPr>
-          <a:xfrm>
-            <a:off x="838199" y="1825625"/>
-            <a:ext cx="6314955" cy="4351338"/>
-          </a:xfrm>
-        </p:spPr>
-        <p:txBody>
-          <a:bodyPr/>
-          <a:lstStyle/>
-          <a:p>
-            <a:r>
-              <a:rPr lang="en-US" dirty="0" smtClean="0"/>
-              <a:t>Value:</a:t>
-            </a:r>
-          </a:p>
-          <a:p>
-            <a:pPr marL="457200" lvl="1" indent="0">
-              <a:buNone/>
-            </a:pPr>
-            <a:r>
-              <a:rPr lang="en-US" dirty="0" smtClean="0"/>
-              <a:t>Shows the current value of the </a:t>
-            </a:r>
-            <a:r>
-              <a:rPr lang="en-US" dirty="0" err="1" smtClean="0"/>
-              <a:t>pv</a:t>
-            </a:r>
-            <a:r>
-              <a:rPr lang="en-US" dirty="0" smtClean="0"/>
-              <a:t> and the timestamp associated with it</a:t>
-            </a:r>
-          </a:p>
-          <a:p>
-            <a:r>
-              <a:rPr lang="en-US" dirty="0" smtClean="0"/>
-              <a:t>Change Value:</a:t>
-            </a:r>
-          </a:p>
-          <a:p>
-            <a:pPr marL="457200" lvl="1" indent="0">
-              <a:buNone/>
-            </a:pPr>
-            <a:r>
-              <a:rPr lang="en-US" dirty="0" smtClean="0"/>
-              <a:t>The new value field is used to write new values to the </a:t>
-            </a:r>
-            <a:r>
-              <a:rPr lang="en-US" dirty="0" err="1" smtClean="0"/>
-              <a:t>pv</a:t>
-            </a:r>
-            <a:r>
-              <a:rPr lang="en-US" dirty="0" smtClean="0"/>
-              <a:t/>
-            </a:r>
-            <a:br>
-              <a:rPr lang="en-US" dirty="0" smtClean="0"/>
-            </a:br>
-            <a:r>
-              <a:rPr lang="en-US" dirty="0" smtClean="0"/>
-              <a:t>If the </a:t>
-            </a:r>
-            <a:r>
-              <a:rPr lang="en-US" dirty="0" err="1" smtClean="0"/>
-              <a:t>pv</a:t>
-            </a:r>
-            <a:r>
-              <a:rPr lang="en-US" dirty="0" smtClean="0"/>
-              <a:t> is read only this field is disabled</a:t>
-            </a:r>
-          </a:p>
-          <a:p>
-            <a:r>
-              <a:rPr lang="en-US" dirty="0" err="1" smtClean="0"/>
-              <a:t>MetaData</a:t>
-            </a:r>
-            <a:r>
-              <a:rPr lang="en-US" dirty="0" smtClean="0"/>
-              <a:t>:</a:t>
-            </a:r>
-          </a:p>
-          <a:p>
-            <a:pPr marL="457200" lvl="1" indent="0">
-              <a:buNone/>
-            </a:pPr>
-            <a:r>
-              <a:rPr lang="en-US" dirty="0" smtClean="0"/>
-              <a:t>Additional information about the </a:t>
-            </a:r>
-            <a:r>
-              <a:rPr lang="en-US" dirty="0" err="1" smtClean="0"/>
-              <a:t>pv</a:t>
-            </a:r>
-            <a:r>
-              <a:rPr lang="en-US" dirty="0" smtClean="0"/>
-              <a:t> Type, Display limits, Alarm limits, units…..</a:t>
-            </a:r>
           </a:p>
         </p:txBody>
       </p:sp>
       <p:pic>
         <p:nvPicPr>
-          <p:cNvPr id="5" name="Picture 4"/>
-          <p:cNvPicPr>
-            <a:picLocks noChangeAspect="1"/>
-          </p:cNvPicPr>
-          <p:nvPr/>
-        </p:nvPicPr>
-        <p:blipFill>
-          <a:blip r:embed="rId2"/>
-          <a:stretch>
-            <a:fillRect/>
-          </a:stretch>
-        </p:blipFill>
-        <p:spPr>
-          <a:xfrm>
-            <a:off x="222451" y="723079"/>
-            <a:ext cx="615749" cy="609653"/>
-          </a:xfrm>
-          <a:prstGeom prst="rect">
-            <a:avLst/>
-          </a:prstGeom>
-        </p:spPr>
-      </p:pic>
-      <p:pic>
-        <p:nvPicPr>
-          <p:cNvPr id="8" name="Content Placeholder 6"/>
+          <p:cNvPr id="4" name="Content Placeholder 3"/>
           <p:cNvPicPr>
             <a:picLocks noGrp="1" noChangeAspect="1"/>
           </p:cNvPicPr>
           <p:nvPr>
-            <p:ph sz="half" idx="2"/>
+            <p:ph idx="1"/>
           </p:nvPr>
         </p:nvPicPr>
         <p:blipFill>
-          <a:blip r:embed="rId3">
+          <a:blip r:embed="rId2">
             <a:extLst>
               <a:ext uri="{28A0092B-C50C-407E-A947-70E740481C1C}">
                 <a14:useLocalDpi xmlns:a14="http://schemas.microsoft.com/office/drawing/2010/main" val="0"/>
@@ -5665,15 +7932,207 @@
         </p:blipFill>
         <p:spPr>
           <a:xfrm>
-            <a:off x="7882359" y="1824171"/>
-            <a:ext cx="3471441" cy="4352792"/>
+            <a:off x="4006663" y="818483"/>
+            <a:ext cx="6264048" cy="5432469"/>
           </a:xfrm>
         </p:spPr>
       </p:pic>
+      <p:sp>
+        <p:nvSpPr>
+          <p:cNvPr id="9" name="Content Placeholder 8"/>
+          <p:cNvSpPr>
+            <a:spLocks noGrp="1"/>
+          </p:cNvSpPr>
+          <p:nvPr>
+            <p:ph type="body" sz="half" idx="2"/>
+          </p:nvPr>
+        </p:nvSpPr>
+        <p:spPr>
+          <a:xfrm>
+            <a:off x="839788" y="2057400"/>
+            <a:ext cx="3166875" cy="3811588"/>
+          </a:xfrm>
+        </p:spPr>
+        <p:txBody>
+          <a:bodyPr/>
+          <a:lstStyle/>
+          <a:p>
+            <a:pPr marL="285750" indent="-285750">
+              <a:buFont typeface="Arial" panose="020B0604020202020204" pitchFamily="34" charset="0"/>
+              <a:buChar char="•"/>
+            </a:pPr>
+            <a:r>
+              <a:rPr lang="en-US" dirty="0" smtClean="0"/>
+              <a:t>First Steps</a:t>
+            </a:r>
+          </a:p>
+          <a:p>
+            <a:pPr marL="285750" indent="-285750">
+              <a:buFont typeface="Arial" panose="020B0604020202020204" pitchFamily="34" charset="0"/>
+              <a:buChar char="•"/>
+            </a:pPr>
+            <a:r>
+              <a:rPr lang="en-US" dirty="0" smtClean="0"/>
+              <a:t>Tutorials</a:t>
+            </a:r>
+          </a:p>
+          <a:p>
+            <a:pPr marL="285750" indent="-285750">
+              <a:buFont typeface="Arial" panose="020B0604020202020204" pitchFamily="34" charset="0"/>
+              <a:buChar char="•"/>
+            </a:pPr>
+            <a:r>
+              <a:rPr lang="en-US" dirty="0" smtClean="0"/>
+              <a:t>What’s New</a:t>
+            </a:r>
+          </a:p>
+          <a:p>
+            <a:pPr marL="285750" indent="-285750">
+              <a:buFont typeface="Arial" panose="020B0604020202020204" pitchFamily="34" charset="0"/>
+              <a:buChar char="•"/>
+            </a:pPr>
+            <a:endParaRPr lang="en-US" dirty="0"/>
+          </a:p>
+          <a:p>
+            <a:pPr marL="285750" indent="-285750">
+              <a:buFont typeface="Arial" panose="020B0604020202020204" pitchFamily="34" charset="0"/>
+              <a:buChar char="•"/>
+            </a:pPr>
+            <a:r>
+              <a:rPr lang="en-US" dirty="0" smtClean="0"/>
+              <a:t>Help </a:t>
+            </a:r>
+            <a:r>
+              <a:rPr lang="en-US" dirty="0" smtClean="0">
+                <a:sym typeface="Wingdings" panose="05000000000000000000" pitchFamily="2" charset="2"/>
+              </a:rPr>
+              <a:t> Welcome</a:t>
+            </a:r>
+            <a:endParaRPr lang="en-US" dirty="0"/>
+          </a:p>
+        </p:txBody>
+      </p:sp>
+      <p:sp>
+        <p:nvSpPr>
+          <p:cNvPr id="5" name="Oval 4"/>
+          <p:cNvSpPr/>
+          <p:nvPr/>
+        </p:nvSpPr>
+        <p:spPr>
+          <a:xfrm>
+            <a:off x="4560426" y="1132788"/>
+            <a:ext cx="457200" cy="457200"/>
+          </a:xfrm>
+          <a:prstGeom prst="ellipse">
+            <a:avLst/>
+          </a:prstGeom>
+          <a:noFill/>
+        </p:spPr>
+        <p:style>
+          <a:lnRef idx="2">
+            <a:schemeClr val="accent6"/>
+          </a:lnRef>
+          <a:fillRef idx="1">
+            <a:schemeClr val="lt1"/>
+          </a:fillRef>
+          <a:effectRef idx="0">
+            <a:schemeClr val="accent6"/>
+          </a:effectRef>
+          <a:fontRef idx="minor">
+            <a:schemeClr val="dk1"/>
+          </a:fontRef>
+        </p:style>
+        <p:txBody>
+          <a:bodyPr rtlCol="0" anchor="ctr"/>
+          <a:lstStyle/>
+          <a:p>
+            <a:pPr algn="ctr"/>
+            <a:endParaRPr lang="en-US"/>
+          </a:p>
+        </p:txBody>
+      </p:sp>
+      <p:sp>
+        <p:nvSpPr>
+          <p:cNvPr id="6" name="Oval 5"/>
+          <p:cNvSpPr/>
+          <p:nvPr/>
+        </p:nvSpPr>
+        <p:spPr>
+          <a:xfrm>
+            <a:off x="4377546" y="949908"/>
+            <a:ext cx="822960" cy="822960"/>
+          </a:xfrm>
+          <a:prstGeom prst="ellipse">
+            <a:avLst/>
+          </a:prstGeom>
+          <a:noFill/>
+        </p:spPr>
+        <p:style>
+          <a:lnRef idx="2">
+            <a:schemeClr val="accent6"/>
+          </a:lnRef>
+          <a:fillRef idx="1">
+            <a:schemeClr val="lt1"/>
+          </a:fillRef>
+          <a:effectRef idx="0">
+            <a:schemeClr val="accent6"/>
+          </a:effectRef>
+          <a:fontRef idx="minor">
+            <a:schemeClr val="dk1"/>
+          </a:fontRef>
+        </p:style>
+        <p:txBody>
+          <a:bodyPr rtlCol="0" anchor="ctr"/>
+          <a:lstStyle/>
+          <a:p>
+            <a:pPr algn="ctr"/>
+            <a:endParaRPr lang="en-US"/>
+          </a:p>
+        </p:txBody>
+      </p:sp>
+      <p:sp>
+        <p:nvSpPr>
+          <p:cNvPr id="7" name="Oval 6"/>
+          <p:cNvSpPr/>
+          <p:nvPr/>
+        </p:nvSpPr>
+        <p:spPr>
+          <a:xfrm>
+            <a:off x="4468986" y="1041348"/>
+            <a:ext cx="640080" cy="640080"/>
+          </a:xfrm>
+          <a:prstGeom prst="ellipse">
+            <a:avLst/>
+          </a:prstGeom>
+          <a:noFill/>
+        </p:spPr>
+        <p:style>
+          <a:lnRef idx="2">
+            <a:schemeClr val="accent6"/>
+          </a:lnRef>
+          <a:fillRef idx="1">
+            <a:schemeClr val="lt1"/>
+          </a:fillRef>
+          <a:effectRef idx="0">
+            <a:schemeClr val="accent6"/>
+          </a:effectRef>
+          <a:fontRef idx="minor">
+            <a:schemeClr val="dk1"/>
+          </a:fontRef>
+        </p:style>
+        <p:txBody>
+          <a:bodyPr rtlCol="0" anchor="ctr"/>
+          <a:lstStyle/>
+          <a:p>
+            <a:pPr algn="ctr"/>
+            <a:endParaRPr lang="en-US"/>
+          </a:p>
+        </p:txBody>
+      </p:sp>
     </p:spTree>
     <p:extLst>
       <p:ext uri="{BB962C8B-B14F-4D97-AF65-F5344CB8AC3E}">
-        <p14:creationId xmlns:p14="http://schemas.microsoft.com/office/powerpoint/2010/main" val="3937055028"/>
+        <p14:creationId xmlns:p14="http://schemas.microsoft.com/office/powerpoint/2010/main" val="4150750595"/>
       </p:ext>
     </p:extLst>
   </p:cSld>
@@ -5717,14 +8176,19 @@
             <p:ph type="title"/>
           </p:nvPr>
         </p:nvSpPr>
-        <p:spPr/>
+        <p:spPr>
+          <a:xfrm>
+            <a:off x="839788" y="457200"/>
+            <a:ext cx="3166875" cy="1315668"/>
+          </a:xfrm>
+        </p:spPr>
         <p:txBody>
           <a:bodyPr/>
           <a:lstStyle/>
           <a:p>
             <a:r>
               <a:rPr lang="en-US" dirty="0" smtClean="0"/>
-              <a:t>Probe - deciphering the data</a:t>
+              <a:t>Workbench</a:t>
             </a:r>
             <a:endParaRPr lang="en-US" dirty="0"/>
           </a:p>
@@ -5732,18 +8196,18 @@
       </p:sp>
       <p:sp>
         <p:nvSpPr>
-          <p:cNvPr id="3" name="Content Placeholder 2"/>
-          <p:cNvSpPr>
-            <a:spLocks noGrp="1"/>
-          </p:cNvSpPr>
-          <p:nvPr>
-            <p:ph sz="half" idx="1"/>
-          </p:nvPr>
-        </p:nvSpPr>
-        <p:spPr>
-          <a:xfrm>
-            <a:off x="838199" y="1825625"/>
-            <a:ext cx="5743271" cy="4351338"/>
+          <p:cNvPr id="9" name="Content Placeholder 8"/>
+          <p:cNvSpPr>
+            <a:spLocks noGrp="1"/>
+          </p:cNvSpPr>
+          <p:nvPr>
+            <p:ph type="body" sz="half" idx="2"/>
+          </p:nvPr>
+        </p:nvSpPr>
+        <p:spPr>
+          <a:xfrm>
+            <a:off x="839788" y="2057400"/>
+            <a:ext cx="3166875" cy="3811588"/>
           </a:xfrm>
         </p:spPr>
         <p:txBody>
@@ -5752,50 +8216,74 @@
           <a:p>
             <a:r>
               <a:rPr lang="en-US" dirty="0" smtClean="0"/>
-              <a:t>The drop down menu allows you to selected the additional information about the </a:t>
-            </a:r>
-            <a:r>
-              <a:rPr lang="en-US" dirty="0" err="1" smtClean="0"/>
-              <a:t>pv</a:t>
-            </a:r>
-            <a:r>
-              <a:rPr lang="en-US" dirty="0" smtClean="0"/>
-              <a:t> and the connection to be displayed</a:t>
-            </a:r>
-          </a:p>
-          <a:p>
-            <a:pPr lvl="1"/>
-            <a:r>
-              <a:rPr lang="en-US" dirty="0" smtClean="0"/>
-              <a:t>Viewer</a:t>
-            </a:r>
-          </a:p>
-          <a:p>
-            <a:pPr lvl="1"/>
-            <a:r>
-              <a:rPr lang="en-US" dirty="0" smtClean="0"/>
-              <a:t>Value</a:t>
-            </a:r>
-          </a:p>
-          <a:p>
-            <a:pPr lvl="1"/>
-            <a:r>
-              <a:rPr lang="en-US" dirty="0" smtClean="0"/>
-              <a:t>Change value</a:t>
-            </a:r>
-          </a:p>
-          <a:p>
-            <a:pPr lvl="1"/>
-            <a:r>
-              <a:rPr lang="en-US" dirty="0" smtClean="0"/>
-              <a:t>Details</a:t>
-            </a:r>
+              <a:t>It represents your working environment.</a:t>
+            </a:r>
+          </a:p>
+          <a:p>
+            <a:endParaRPr lang="en-US" dirty="0" smtClean="0"/>
+          </a:p>
+          <a:p>
+            <a:pPr marL="285750" indent="-285750">
+              <a:buFont typeface="Arial" panose="020B0604020202020204" pitchFamily="34" charset="0"/>
+              <a:buChar char="•"/>
+            </a:pPr>
+            <a:r>
+              <a:rPr lang="en-US" dirty="0" smtClean="0"/>
+              <a:t>Window</a:t>
+            </a:r>
+          </a:p>
+          <a:p>
+            <a:pPr marL="285750" indent="-285750">
+              <a:buFont typeface="Arial" panose="020B0604020202020204" pitchFamily="34" charset="0"/>
+              <a:buChar char="•"/>
+            </a:pPr>
+            <a:r>
+              <a:rPr lang="en-US" dirty="0" smtClean="0"/>
+              <a:t>Menu bar</a:t>
+            </a:r>
+          </a:p>
+          <a:p>
+            <a:pPr marL="285750" indent="-285750">
+              <a:buFont typeface="Arial" panose="020B0604020202020204" pitchFamily="34" charset="0"/>
+              <a:buChar char="•"/>
+            </a:pPr>
+            <a:r>
+              <a:rPr lang="en-US" dirty="0" smtClean="0"/>
+              <a:t>Toolbar</a:t>
+            </a:r>
+          </a:p>
+          <a:p>
+            <a:pPr marL="285750" indent="-285750">
+              <a:buFont typeface="Arial" panose="020B0604020202020204" pitchFamily="34" charset="0"/>
+              <a:buChar char="•"/>
+            </a:pPr>
+            <a:r>
+              <a:rPr lang="en-US" dirty="0" smtClean="0"/>
+              <a:t>Perspective bar</a:t>
+            </a:r>
+          </a:p>
+          <a:p>
+            <a:pPr marL="285750" indent="-285750">
+              <a:buFont typeface="Arial" panose="020B0604020202020204" pitchFamily="34" charset="0"/>
+              <a:buChar char="•"/>
+            </a:pPr>
+            <a:r>
+              <a:rPr lang="en-US" dirty="0" smtClean="0"/>
+              <a:t>Views</a:t>
+            </a:r>
+          </a:p>
+          <a:p>
+            <a:pPr marL="285750" indent="-285750">
+              <a:buFont typeface="Arial" panose="020B0604020202020204" pitchFamily="34" charset="0"/>
+              <a:buChar char="•"/>
+            </a:pPr>
+            <a:endParaRPr lang="en-US" dirty="0"/>
           </a:p>
         </p:txBody>
       </p:sp>
       <p:pic>
         <p:nvPicPr>
-          <p:cNvPr id="5" name="Picture 4"/>
+          <p:cNvPr id="4" name="Picture 3"/>
           <p:cNvPicPr>
             <a:picLocks noChangeAspect="1"/>
           </p:cNvPicPr>
@@ -5809,161 +8297,18 @@
         </p:blipFill>
         <p:spPr>
           <a:xfrm>
-            <a:off x="222451" y="723079"/>
-            <a:ext cx="615749" cy="609653"/>
+            <a:off x="4363347" y="739739"/>
+            <a:ext cx="6677839" cy="5529316"/>
           </a:xfrm>
           <a:prstGeom prst="rect">
             <a:avLst/>
           </a:prstGeom>
         </p:spPr>
       </p:pic>
-      <p:pic>
-        <p:nvPicPr>
-          <p:cNvPr id="6" name="Content Placeholder 5"/>
-          <p:cNvPicPr>
-            <a:picLocks noGrp="1" noChangeAspect="1"/>
-          </p:cNvPicPr>
-          <p:nvPr>
-            <p:ph sz="half" idx="2"/>
-          </p:nvPr>
-        </p:nvPicPr>
-        <p:blipFill>
-          <a:blip r:embed="rId3"/>
-          <a:stretch>
-            <a:fillRect/>
-          </a:stretch>
-        </p:blipFill>
-        <p:spPr>
-          <a:xfrm>
-            <a:off x="6581470" y="1825625"/>
-            <a:ext cx="4363059" cy="4351338"/>
-          </a:xfrm>
-          <a:prstGeom prst="rect">
-            <a:avLst/>
-          </a:prstGeom>
-        </p:spPr>
-      </p:pic>
-      <p:sp>
-        <p:nvSpPr>
-          <p:cNvPr id="7" name="Oval 6"/>
-          <p:cNvSpPr/>
-          <p:nvPr/>
-        </p:nvSpPr>
-        <p:spPr>
-          <a:xfrm>
-            <a:off x="9248173" y="1690688"/>
-            <a:ext cx="457200" cy="457200"/>
-          </a:xfrm>
-          <a:prstGeom prst="ellipse">
-            <a:avLst/>
-          </a:prstGeom>
-          <a:noFill/>
-        </p:spPr>
-        <p:style>
-          <a:lnRef idx="2">
-            <a:schemeClr val="accent6"/>
-          </a:lnRef>
-          <a:fillRef idx="1">
-            <a:schemeClr val="lt1"/>
-          </a:fillRef>
-          <a:effectRef idx="0">
-            <a:schemeClr val="accent6"/>
-          </a:effectRef>
-          <a:fontRef idx="minor">
-            <a:schemeClr val="dk1"/>
-          </a:fontRef>
-        </p:style>
-        <p:txBody>
-          <a:bodyPr rtlCol="0" anchor="ctr"/>
-          <a:lstStyle/>
-          <a:p>
-            <a:pPr algn="ctr"/>
-            <a:endParaRPr lang="en-US"/>
-          </a:p>
-        </p:txBody>
-      </p:sp>
-      <p:sp>
-        <p:nvSpPr>
-          <p:cNvPr id="9" name="Oval 8"/>
-          <p:cNvSpPr/>
-          <p:nvPr/>
-        </p:nvSpPr>
-        <p:spPr>
-          <a:xfrm>
-            <a:off x="9065293" y="1507808"/>
-            <a:ext cx="822960" cy="822960"/>
-          </a:xfrm>
-          <a:prstGeom prst="ellipse">
-            <a:avLst/>
-          </a:prstGeom>
-          <a:noFill/>
-        </p:spPr>
-        <p:style>
-          <a:lnRef idx="2">
-            <a:schemeClr val="accent6"/>
-          </a:lnRef>
-          <a:fillRef idx="1">
-            <a:schemeClr val="lt1"/>
-          </a:fillRef>
-          <a:effectRef idx="0">
-            <a:schemeClr val="accent6"/>
-          </a:effectRef>
-          <a:fontRef idx="minor">
-            <a:schemeClr val="dk1"/>
-          </a:fontRef>
-        </p:style>
-        <p:txBody>
-          <a:bodyPr rtlCol="0" anchor="ctr"/>
-          <a:lstStyle/>
-          <a:p>
-            <a:pPr algn="ctr"/>
-            <a:endParaRPr lang="en-US"/>
-          </a:p>
-        </p:txBody>
-      </p:sp>
-      <p:sp>
-        <p:nvSpPr>
-          <p:cNvPr id="10" name="Oval 9"/>
-          <p:cNvSpPr/>
-          <p:nvPr/>
-        </p:nvSpPr>
-        <p:spPr>
-          <a:xfrm>
-            <a:off x="9156733" y="1599248"/>
-            <a:ext cx="640080" cy="640080"/>
-          </a:xfrm>
-          <a:prstGeom prst="ellipse">
-            <a:avLst/>
-          </a:prstGeom>
-          <a:noFill/>
-        </p:spPr>
-        <p:style>
-          <a:lnRef idx="2">
-            <a:schemeClr val="accent6"/>
-          </a:lnRef>
-          <a:fillRef idx="1">
-            <a:schemeClr val="lt1"/>
-          </a:fillRef>
-          <a:effectRef idx="0">
-            <a:schemeClr val="accent6"/>
-          </a:effectRef>
-          <a:fontRef idx="minor">
-            <a:schemeClr val="dk1"/>
-          </a:fontRef>
-        </p:style>
-        <p:txBody>
-          <a:bodyPr rtlCol="0" anchor="ctr"/>
-          <a:lstStyle/>
-          <a:p>
-            <a:pPr algn="ctr"/>
-            <a:endParaRPr lang="en-US"/>
-          </a:p>
-        </p:txBody>
-      </p:sp>
     </p:spTree>
     <p:extLst>
       <p:ext uri="{BB962C8B-B14F-4D97-AF65-F5344CB8AC3E}">
-        <p14:creationId xmlns:p14="http://schemas.microsoft.com/office/powerpoint/2010/main" val="2668535233"/>
+        <p14:creationId xmlns:p14="http://schemas.microsoft.com/office/powerpoint/2010/main" val="3699760948"/>
       </p:ext>
     </p:extLst>
   </p:cSld>
@@ -6004,7 +8349,7 @@
             <a:spLocks noGrp="1"/>
           </p:cNvSpPr>
           <p:nvPr>
-            <p:ph type="title"/>
+            <p:ph type="ctrTitle"/>
           </p:nvPr>
         </p:nvSpPr>
         <p:spPr/>
@@ -6014,7 +8359,14 @@
           <a:p>
             <a:r>
               <a:rPr lang="en-US" dirty="0" smtClean="0"/>
-              <a:t>Probe - writing a value</a:t>
+              <a:t>CS-Studio:</a:t>
+            </a:r>
+            <a:br>
+              <a:rPr lang="en-US" dirty="0" smtClean="0"/>
+            </a:br>
+            <a:r>
+              <a:rPr lang="en-US" dirty="0" smtClean="0"/>
+              <a:t>Probe</a:t>
             </a:r>
             <a:endParaRPr lang="en-US" dirty="0"/>
           </a:p>
@@ -6022,152 +8374,27 @@
       </p:sp>
       <p:sp>
         <p:nvSpPr>
-          <p:cNvPr id="3" name="Content Placeholder 2"/>
-          <p:cNvSpPr>
-            <a:spLocks noGrp="1"/>
-          </p:cNvSpPr>
-          <p:nvPr>
-            <p:ph sz="half" idx="1"/>
-          </p:nvPr>
-        </p:nvSpPr>
-        <p:spPr>
-          <a:xfrm>
-            <a:off x="838200" y="1825625"/>
-            <a:ext cx="6291806" cy="4351338"/>
-          </a:xfrm>
-        </p:spPr>
+          <p:cNvPr id="3" name="Subtitle 2"/>
+          <p:cNvSpPr>
+            <a:spLocks noGrp="1"/>
+          </p:cNvSpPr>
+          <p:nvPr>
+            <p:ph type="subTitle" idx="1"/>
+          </p:nvPr>
+        </p:nvSpPr>
+        <p:spPr/>
         <p:txBody>
           <a:bodyPr/>
           <a:lstStyle/>
           <a:p>
-            <a:r>
-              <a:rPr lang="en-US" dirty="0" smtClean="0"/>
-              <a:t>Connect to a simple scalar </a:t>
-            </a:r>
-            <a:r>
-              <a:rPr lang="en-US" dirty="0" err="1" smtClean="0"/>
-              <a:t>pv</a:t>
-            </a:r>
-            <a:r>
-              <a:rPr lang="en-US" dirty="0" smtClean="0"/>
-              <a:t> (local)</a:t>
-            </a:r>
-            <a:endParaRPr lang="en-US" dirty="0"/>
-          </a:p>
-          <a:p>
-            <a:pPr lvl="1"/>
-            <a:r>
-              <a:rPr lang="en-US" dirty="0" smtClean="0"/>
-              <a:t>In the </a:t>
-            </a:r>
-            <a:r>
-              <a:rPr lang="en-US" i="1" dirty="0" smtClean="0"/>
-              <a:t>PV Formula: </a:t>
-            </a:r>
-            <a:r>
-              <a:rPr lang="en-US" dirty="0" smtClean="0"/>
-              <a:t>field type “</a:t>
-            </a:r>
-            <a:r>
-              <a:rPr lang="en-US" dirty="0" err="1" smtClean="0"/>
-              <a:t>loc</a:t>
-            </a:r>
-            <a:r>
-              <a:rPr lang="en-US" dirty="0" smtClean="0"/>
-              <a:t>://</a:t>
-            </a:r>
-            <a:r>
-              <a:rPr lang="en-US" dirty="0" err="1" smtClean="0"/>
-              <a:t>my_test_pv</a:t>
-            </a:r>
-            <a:r>
-              <a:rPr lang="en-US" dirty="0" smtClean="0"/>
-              <a:t>(0)” and hit RETURN</a:t>
-            </a:r>
-          </a:p>
-          <a:p>
-            <a:pPr lvl="1"/>
-            <a:r>
-              <a:rPr lang="en-US" dirty="0" smtClean="0"/>
-              <a:t>In the </a:t>
-            </a:r>
-            <a:r>
-              <a:rPr lang="en-US" i="1" dirty="0" smtClean="0"/>
-              <a:t>New Value</a:t>
-            </a:r>
-            <a:r>
-              <a:rPr lang="en-US" dirty="0"/>
-              <a:t>:</a:t>
-            </a:r>
-            <a:r>
-              <a:rPr lang="en-US" dirty="0" smtClean="0"/>
-              <a:t> field enter any valid number and hit RETURN</a:t>
-            </a:r>
-          </a:p>
-          <a:p>
-            <a:pPr lvl="1"/>
-            <a:endParaRPr lang="en-US" dirty="0" smtClean="0"/>
-          </a:p>
-          <a:p>
-            <a:pPr lvl="1"/>
-            <a:endParaRPr lang="en-US" dirty="0" smtClean="0"/>
-          </a:p>
-        </p:txBody>
-      </p:sp>
-      <p:pic>
-        <p:nvPicPr>
-          <p:cNvPr id="5" name="Picture 4"/>
-          <p:cNvPicPr>
-            <a:picLocks noChangeAspect="1"/>
-          </p:cNvPicPr>
-          <p:nvPr/>
-        </p:nvPicPr>
-        <p:blipFill>
-          <a:blip r:embed="rId2"/>
-          <a:stretch>
-            <a:fillRect/>
-          </a:stretch>
-        </p:blipFill>
-        <p:spPr>
-          <a:xfrm>
-            <a:off x="222451" y="723079"/>
-            <a:ext cx="615749" cy="609653"/>
-          </a:xfrm>
-          <a:prstGeom prst="rect">
-            <a:avLst/>
-          </a:prstGeom>
-        </p:spPr>
-      </p:pic>
-      <p:pic>
-        <p:nvPicPr>
-          <p:cNvPr id="10" name="Content Placeholder 9"/>
-          <p:cNvPicPr>
-            <a:picLocks noGrp="1" noChangeAspect="1"/>
-          </p:cNvPicPr>
-          <p:nvPr>
-            <p:ph sz="half" idx="2"/>
-          </p:nvPr>
-        </p:nvPicPr>
-        <p:blipFill>
-          <a:blip r:embed="rId3"/>
-          <a:stretch>
-            <a:fillRect/>
-          </a:stretch>
-        </p:blipFill>
-        <p:spPr>
-          <a:xfrm>
-            <a:off x="7475759" y="1825625"/>
-            <a:ext cx="3883224" cy="4351338"/>
-          </a:xfrm>
-          <a:prstGeom prst="rect">
-            <a:avLst/>
-          </a:prstGeom>
-        </p:spPr>
-      </p:pic>
+            <a:endParaRPr lang="en-US"/>
+          </a:p>
+        </p:txBody>
+      </p:sp>
     </p:spTree>
     <p:extLst>
       <p:ext uri="{BB962C8B-B14F-4D97-AF65-F5344CB8AC3E}">
-        <p14:creationId xmlns:p14="http://schemas.microsoft.com/office/powerpoint/2010/main" val="2981400463"/>
+        <p14:creationId xmlns:p14="http://schemas.microsoft.com/office/powerpoint/2010/main" val="3274134175"/>
       </p:ext>
     </p:extLst>
   </p:cSld>
@@ -6218,7 +8445,7 @@
           <a:p>
             <a:r>
               <a:rPr lang="en-US" dirty="0" smtClean="0"/>
-              <a:t>Probe - writing a value</a:t>
+              <a:t>Probe </a:t>
             </a:r>
             <a:endParaRPr lang="en-US" dirty="0"/>
           </a:p>
@@ -6226,146 +8453,180 @@
       </p:sp>
       <p:sp>
         <p:nvSpPr>
-          <p:cNvPr id="7" name="Text Placeholder 6"/>
-          <p:cNvSpPr>
-            <a:spLocks noGrp="1"/>
-          </p:cNvSpPr>
-          <p:nvPr>
-            <p:ph type="body" sz="half" idx="2"/>
+          <p:cNvPr id="6" name="Content Placeholder 5"/>
+          <p:cNvSpPr>
+            <a:spLocks noGrp="1"/>
+          </p:cNvSpPr>
+          <p:nvPr>
+            <p:ph idx="1"/>
           </p:nvPr>
         </p:nvSpPr>
         <p:spPr/>
         <p:txBody>
-          <a:bodyPr/>
-          <a:lstStyle/>
-          <a:p>
+          <a:bodyPr>
+            <a:normAutofit lnSpcReduction="10000"/>
+          </a:bodyPr>
+          <a:lstStyle/>
+          <a:p>
+            <a:r>
+              <a:rPr lang="en-US" dirty="0" smtClean="0"/>
+              <a:t>A simple application to connect to </a:t>
+            </a:r>
+            <a:r>
+              <a:rPr lang="en-US" dirty="0" err="1" smtClean="0"/>
+              <a:t>pv’s</a:t>
+            </a:r>
             <a:endParaRPr lang="en-US" dirty="0" smtClean="0"/>
           </a:p>
           <a:p>
-            <a:pPr marL="285750" indent="-285750">
-              <a:buFont typeface="Arial" panose="020B0604020202020204" pitchFamily="34" charset="0"/>
-              <a:buChar char="•"/>
-            </a:pPr>
-            <a:r>
-              <a:rPr lang="en-US" dirty="0" smtClean="0"/>
-              <a:t>Open 2 probes</a:t>
-            </a:r>
-          </a:p>
-          <a:p>
-            <a:pPr marL="285750" indent="-285750">
-              <a:buFont typeface="Arial" panose="020B0604020202020204" pitchFamily="34" charset="0"/>
-              <a:buChar char="•"/>
-            </a:pPr>
-            <a:r>
-              <a:rPr lang="en-US" dirty="0" smtClean="0"/>
-              <a:t>Move the probe views so that they can be both viewed simultaneously</a:t>
-            </a:r>
-          </a:p>
-          <a:p>
-            <a:pPr marL="285750" indent="-285750">
-              <a:buFont typeface="Arial" panose="020B0604020202020204" pitchFamily="34" charset="0"/>
-              <a:buChar char="•"/>
-            </a:pPr>
-            <a:r>
-              <a:rPr lang="en-US" dirty="0" smtClean="0"/>
-              <a:t>In the first probe enter the </a:t>
+            <a:pPr lvl="1"/>
+            <a:r>
+              <a:rPr lang="en-US" dirty="0" smtClean="0"/>
+              <a:t>Monitor </a:t>
             </a:r>
             <a:r>
               <a:rPr lang="en-US" dirty="0" err="1" smtClean="0"/>
-              <a:t>setpoint</a:t>
-            </a:r>
-            <a:r>
-              <a:rPr lang="en-US" dirty="0" smtClean="0"/>
-              <a:t> </a:t>
+              <a:t>pv’s</a:t>
+            </a:r>
+            <a:r>
+              <a:rPr lang="en-US" dirty="0" smtClean="0"/>
+              <a:t> (</a:t>
             </a:r>
             <a:r>
               <a:rPr lang="en-US" dirty="0" err="1" smtClean="0"/>
-              <a:t>pv</a:t>
-            </a:r>
-            <a:r>
-              <a:rPr lang="en-US" dirty="0" smtClean="0"/>
+              <a:t>caget</a:t>
+            </a:r>
+            <a:r>
+              <a:rPr lang="en-US" dirty="0" smtClean="0"/>
+              <a:t>, </a:t>
+            </a:r>
+            <a:r>
+              <a:rPr lang="en-US" dirty="0" err="1" smtClean="0"/>
+              <a:t>camonitor</a:t>
+            </a:r>
+            <a:r>
+              <a:rPr lang="en-US" dirty="0" smtClean="0"/>
+              <a:t>)</a:t>
+            </a:r>
+          </a:p>
+          <a:p>
+            <a:pPr lvl="1"/>
+            <a:r>
+              <a:rPr lang="en-US" dirty="0" smtClean="0"/>
+              <a:t>Write to </a:t>
+            </a:r>
+            <a:r>
+              <a:rPr lang="en-US" dirty="0" err="1" smtClean="0"/>
+              <a:t>pv’s</a:t>
+            </a:r>
+            <a:r>
+              <a:rPr lang="en-US" dirty="0" smtClean="0"/>
+              <a:t> (caput)</a:t>
+            </a:r>
+          </a:p>
+          <a:p>
+            <a:r>
+              <a:rPr lang="en-US" dirty="0" smtClean="0"/>
+              <a:t>Opening probe </a:t>
+            </a:r>
+          </a:p>
+          <a:p>
+            <a:pPr lvl="1"/>
+            <a:r>
+              <a:rPr lang="en-US" dirty="0" smtClean="0"/>
+              <a:t>Menu:</a:t>
+            </a:r>
+            <a:br>
+              <a:rPr lang="en-US" dirty="0" smtClean="0"/>
+            </a:br>
+            <a:r>
+              <a:rPr lang="en-US" dirty="0" smtClean="0"/>
+              <a:t>CSS </a:t>
+            </a:r>
+            <a:r>
+              <a:rPr lang="en-US" dirty="0" smtClean="0">
+                <a:sym typeface="Wingdings" panose="05000000000000000000" pitchFamily="2" charset="2"/>
+              </a:rPr>
+              <a:t> Diagnostic Tools     Probe</a:t>
+            </a:r>
+          </a:p>
+          <a:p>
+            <a:pPr lvl="1"/>
+            <a:r>
+              <a:rPr lang="en-US" dirty="0" smtClean="0">
+                <a:sym typeface="Wingdings" panose="05000000000000000000" pitchFamily="2" charset="2"/>
+              </a:rPr>
+              <a:t>Toolbar:</a:t>
+            </a:r>
+            <a:br>
+              <a:rPr lang="en-US" dirty="0" smtClean="0">
+                <a:sym typeface="Wingdings" panose="05000000000000000000" pitchFamily="2" charset="2"/>
+              </a:rPr>
+            </a:br>
+            <a:r>
+              <a:rPr lang="en-US" dirty="0" smtClean="0">
+                <a:sym typeface="Wingdings" panose="05000000000000000000" pitchFamily="2" charset="2"/>
+              </a:rPr>
               <a:t/>
             </a:r>
             <a:br>
-              <a:rPr lang="en-US" dirty="0" smtClean="0"/>
+              <a:rPr lang="en-US" dirty="0" smtClean="0">
+                <a:sym typeface="Wingdings" panose="05000000000000000000" pitchFamily="2" charset="2"/>
+              </a:rPr>
             </a:br>
             <a:r>
-              <a:rPr lang="en-US" dirty="0" smtClean="0"/>
-              <a:t>PV</a:t>
-            </a:r>
-            <a:r>
-              <a:rPr lang="en-US" dirty="0"/>
-              <a:t>: </a:t>
-            </a:r>
-            <a:r>
-              <a:rPr lang="en-US" i="1" dirty="0" smtClean="0"/>
-              <a:t>XF:31IDA-OP{Tbl-Ax:X1}</a:t>
-            </a:r>
-            <a:r>
-              <a:rPr lang="en-US" i="1" dirty="0" err="1" smtClean="0"/>
-              <a:t>Mtr</a:t>
-            </a:r>
-            <a:endParaRPr lang="en-US" i="1" dirty="0" smtClean="0"/>
-          </a:p>
-          <a:p>
-            <a:pPr marL="285750" indent="-285750">
-              <a:buFont typeface="Arial" panose="020B0604020202020204" pitchFamily="34" charset="0"/>
-              <a:buChar char="•"/>
-            </a:pPr>
-            <a:r>
-              <a:rPr lang="en-US" dirty="0" smtClean="0"/>
-              <a:t>In the second probe enter the </a:t>
-            </a:r>
-            <a:r>
-              <a:rPr lang="en-US" dirty="0" err="1" smtClean="0"/>
-              <a:t>Readback</a:t>
-            </a:r>
-            <a:r>
-              <a:rPr lang="en-US" dirty="0" smtClean="0"/>
-              <a:t> </a:t>
-            </a:r>
-            <a:r>
-              <a:rPr lang="en-US" dirty="0" err="1" smtClean="0"/>
-              <a:t>pv</a:t>
-            </a:r>
-            <a:r>
-              <a:rPr lang="en-US" dirty="0"/>
+              <a:rPr lang="en-US" dirty="0" smtClean="0">
+                <a:sym typeface="Wingdings" panose="05000000000000000000" pitchFamily="2" charset="2"/>
+              </a:rPr>
               <a:t/>
             </a:r>
             <a:br>
-              <a:rPr lang="en-US" dirty="0"/>
+              <a:rPr lang="en-US" dirty="0" smtClean="0">
+                <a:sym typeface="Wingdings" panose="05000000000000000000" pitchFamily="2" charset="2"/>
+              </a:rPr>
             </a:br>
-            <a:r>
-              <a:rPr lang="en-US" dirty="0" smtClean="0"/>
-              <a:t>PV: </a:t>
-            </a:r>
-            <a:r>
-              <a:rPr lang="en-US" i="1" dirty="0" smtClean="0"/>
-              <a:t>XF:31IDA-OP{Tbl-Ax:X1}</a:t>
-            </a:r>
-            <a:r>
-              <a:rPr lang="en-US" i="1" dirty="0" err="1" smtClean="0"/>
-              <a:t>Mtr.RBV</a:t>
-            </a:r>
-            <a:endParaRPr lang="en-US" i="1" dirty="0" smtClean="0"/>
-          </a:p>
-          <a:p>
-            <a:pPr marL="285750" indent="-285750">
-              <a:buFont typeface="Arial" panose="020B0604020202020204" pitchFamily="34" charset="0"/>
-              <a:buChar char="•"/>
-            </a:pPr>
-            <a:r>
-              <a:rPr lang="en-US" dirty="0" smtClean="0"/>
-              <a:t>Set a new motor position (-100 and 100)</a:t>
+            <a:endParaRPr lang="en-US" dirty="0" smtClean="0">
+              <a:sym typeface="Wingdings" panose="05000000000000000000" pitchFamily="2" charset="2"/>
+            </a:endParaRPr>
+          </a:p>
+          <a:p>
+            <a:pPr lvl="1"/>
+            <a:r>
+              <a:rPr lang="en-US" dirty="0" smtClean="0">
+                <a:sym typeface="Wingdings" panose="05000000000000000000" pitchFamily="2" charset="2"/>
+              </a:rPr>
+              <a:t>Context Menu*:</a:t>
+            </a:r>
+            <a:r>
+              <a:rPr lang="en-US" dirty="0">
+                <a:sym typeface="Wingdings" panose="05000000000000000000" pitchFamily="2" charset="2"/>
+              </a:rPr>
+              <a:t/>
+            </a:r>
+            <a:br>
+              <a:rPr lang="en-US" dirty="0">
+                <a:sym typeface="Wingdings" panose="05000000000000000000" pitchFamily="2" charset="2"/>
+              </a:rPr>
+            </a:br>
+            <a:r>
+              <a:rPr lang="en-US" dirty="0">
+                <a:sym typeface="Wingdings" panose="05000000000000000000" pitchFamily="2" charset="2"/>
+              </a:rPr>
+              <a:t>Process Variable  </a:t>
+            </a:r>
+            <a:r>
+              <a:rPr lang="en-US" dirty="0" smtClean="0">
+                <a:sym typeface="Wingdings" panose="05000000000000000000" pitchFamily="2" charset="2"/>
+              </a:rPr>
+              <a:t>Probe</a:t>
             </a:r>
             <a:endParaRPr lang="en-US" dirty="0"/>
           </a:p>
           <a:p>
-            <a:pPr marL="285750" indent="-285750">
-              <a:buFont typeface="Arial" panose="020B0604020202020204" pitchFamily="34" charset="0"/>
-              <a:buChar char="•"/>
-            </a:pPr>
-            <a:endParaRPr lang="en-US" dirty="0" smtClean="0"/>
+            <a:pPr lvl="1"/>
+            <a:endParaRPr lang="en-US" dirty="0" smtClean="0">
+              <a:sym typeface="Wingdings" panose="05000000000000000000" pitchFamily="2" charset="2"/>
+            </a:endParaRPr>
           </a:p>
         </p:txBody>
       </p:sp>
@@ -6395,34 +8656,179 @@
       </p:pic>
       <p:pic>
         <p:nvPicPr>
-          <p:cNvPr id="9" name="Content Placeholder 5"/>
+          <p:cNvPr id="7" name="Picture 6"/>
           <p:cNvPicPr>
-            <a:picLocks noGrp="1" noChangeAspect="1"/>
+            <a:picLocks noChangeAspect="1"/>
           </p:cNvPicPr>
-          <p:nvPr>
-            <p:ph idx="1"/>
-          </p:nvPr>
+          <p:nvPr/>
         </p:nvPicPr>
         <p:blipFill>
-          <a:blip r:embed="rId3"/>
+          <a:blip r:embed="rId3">
+            <a:extLst>
+              <a:ext uri="{28A0092B-C50C-407E-A947-70E740481C1C}">
+                <a14:useLocalDpi xmlns:a14="http://schemas.microsoft.com/office/drawing/2010/main" val="0"/>
+              </a:ext>
+            </a:extLst>
+          </a:blip>
           <a:stretch>
             <a:fillRect/>
           </a:stretch>
         </p:blipFill>
         <p:spPr>
           <a:xfrm>
-            <a:off x="5710860" y="855561"/>
-            <a:ext cx="5227216" cy="5112835"/>
+            <a:off x="4871668" y="3765230"/>
+            <a:ext cx="203175" cy="203175"/>
           </a:xfrm>
           <a:prstGeom prst="rect">
             <a:avLst/>
           </a:prstGeom>
         </p:spPr>
       </p:pic>
+      <p:pic>
+        <p:nvPicPr>
+          <p:cNvPr id="3" name="Picture 2"/>
+          <p:cNvPicPr>
+            <a:picLocks noChangeAspect="1"/>
+          </p:cNvPicPr>
+          <p:nvPr/>
+        </p:nvPicPr>
+        <p:blipFill>
+          <a:blip r:embed="rId4"/>
+          <a:stretch>
+            <a:fillRect/>
+          </a:stretch>
+        </p:blipFill>
+        <p:spPr>
+          <a:xfrm>
+            <a:off x="2794126" y="4103342"/>
+            <a:ext cx="4155083" cy="983794"/>
+          </a:xfrm>
+          <a:prstGeom prst="rect">
+            <a:avLst/>
+          </a:prstGeom>
+        </p:spPr>
+      </p:pic>
+      <p:sp>
+        <p:nvSpPr>
+          <p:cNvPr id="9" name="Oval 8"/>
+          <p:cNvSpPr/>
+          <p:nvPr/>
+        </p:nvSpPr>
+        <p:spPr>
+          <a:xfrm>
+            <a:off x="4405892" y="4685930"/>
+            <a:ext cx="457200" cy="457200"/>
+          </a:xfrm>
+          <a:prstGeom prst="ellipse">
+            <a:avLst/>
+          </a:prstGeom>
+          <a:noFill/>
+        </p:spPr>
+        <p:style>
+          <a:lnRef idx="2">
+            <a:schemeClr val="accent6"/>
+          </a:lnRef>
+          <a:fillRef idx="1">
+            <a:schemeClr val="lt1"/>
+          </a:fillRef>
+          <a:effectRef idx="0">
+            <a:schemeClr val="accent6"/>
+          </a:effectRef>
+          <a:fontRef idx="minor">
+            <a:schemeClr val="dk1"/>
+          </a:fontRef>
+        </p:style>
+        <p:txBody>
+          <a:bodyPr rtlCol="0" anchor="ctr"/>
+          <a:lstStyle/>
+          <a:p>
+            <a:pPr algn="ctr"/>
+            <a:endParaRPr lang="en-US"/>
+          </a:p>
+        </p:txBody>
+      </p:sp>
+      <p:sp>
+        <p:nvSpPr>
+          <p:cNvPr id="10" name="Oval 9"/>
+          <p:cNvSpPr/>
+          <p:nvPr/>
+        </p:nvSpPr>
+        <p:spPr>
+          <a:xfrm>
+            <a:off x="4223012" y="4503050"/>
+            <a:ext cx="822960" cy="822960"/>
+          </a:xfrm>
+          <a:prstGeom prst="ellipse">
+            <a:avLst/>
+          </a:prstGeom>
+          <a:noFill/>
+        </p:spPr>
+        <p:style>
+          <a:lnRef idx="2">
+            <a:schemeClr val="accent6"/>
+          </a:lnRef>
+          <a:fillRef idx="1">
+            <a:schemeClr val="lt1"/>
+          </a:fillRef>
+          <a:effectRef idx="0">
+            <a:schemeClr val="accent6"/>
+          </a:effectRef>
+          <a:fontRef idx="minor">
+            <a:schemeClr val="dk1"/>
+          </a:fontRef>
+        </p:style>
+        <p:txBody>
+          <a:bodyPr rtlCol="0" anchor="ctr"/>
+          <a:lstStyle/>
+          <a:p>
+            <a:pPr algn="ctr"/>
+            <a:endParaRPr lang="en-US"/>
+          </a:p>
+        </p:txBody>
+      </p:sp>
+      <p:sp>
+        <p:nvSpPr>
+          <p:cNvPr id="11" name="Oval 10"/>
+          <p:cNvSpPr/>
+          <p:nvPr/>
+        </p:nvSpPr>
+        <p:spPr>
+          <a:xfrm>
+            <a:off x="4314452" y="4594490"/>
+            <a:ext cx="640080" cy="640080"/>
+          </a:xfrm>
+          <a:prstGeom prst="ellipse">
+            <a:avLst/>
+          </a:prstGeom>
+          <a:noFill/>
+        </p:spPr>
+        <p:style>
+          <a:lnRef idx="2">
+            <a:schemeClr val="accent6"/>
+          </a:lnRef>
+          <a:fillRef idx="1">
+            <a:schemeClr val="lt1"/>
+          </a:fillRef>
+          <a:effectRef idx="0">
+            <a:schemeClr val="accent6"/>
+          </a:effectRef>
+          <a:fontRef idx="minor">
+            <a:schemeClr val="dk1"/>
+          </a:fontRef>
+        </p:style>
+        <p:txBody>
+          <a:bodyPr rtlCol="0" anchor="ctr"/>
+          <a:lstStyle/>
+          <a:p>
+            <a:pPr algn="ctr"/>
+            <a:endParaRPr lang="en-US"/>
+          </a:p>
+        </p:txBody>
+      </p:sp>
     </p:spTree>
     <p:extLst>
       <p:ext uri="{BB962C8B-B14F-4D97-AF65-F5344CB8AC3E}">
-        <p14:creationId xmlns:p14="http://schemas.microsoft.com/office/powerpoint/2010/main" val="1109382699"/>
+        <p14:creationId xmlns:p14="http://schemas.microsoft.com/office/powerpoint/2010/main" val="10971821"/>
       </p:ext>
     </p:extLst>
   </p:cSld>
@@ -6473,7 +8879,7 @@
           <a:p>
             <a:r>
               <a:rPr lang="en-US" dirty="0" smtClean="0"/>
-              <a:t>Probe - Autocomplete</a:t>
+              <a:t>Probe - getting started</a:t>
             </a:r>
             <a:endParaRPr lang="en-US" dirty="0"/>
           </a:p>
@@ -6491,62 +8897,140 @@
         </p:nvSpPr>
         <p:spPr>
           <a:xfrm>
-            <a:off x="838200" y="1825625"/>
-            <a:ext cx="5334000" cy="4351338"/>
-          </a:xfrm>
-        </p:spPr>
-        <p:txBody>
-          <a:bodyPr/>
-          <a:lstStyle/>
-          <a:p>
-            <a:r>
-              <a:rPr lang="en-US" dirty="0" smtClean="0"/>
-              <a:t>Autocomplete</a:t>
-            </a:r>
+            <a:off x="838199" y="1825625"/>
+            <a:ext cx="7044159" cy="4351338"/>
+          </a:xfrm>
+        </p:spPr>
+        <p:txBody>
+          <a:bodyPr>
+            <a:normAutofit fontScale="92500" lnSpcReduction="10000"/>
+          </a:bodyPr>
+          <a:lstStyle/>
+          <a:p>
+            <a:r>
+              <a:rPr lang="en-US" dirty="0" smtClean="0"/>
+              <a:t>Connect to a simple scalar </a:t>
+            </a:r>
+            <a:r>
+              <a:rPr lang="en-US" dirty="0" err="1" smtClean="0"/>
+              <a:t>pv</a:t>
+            </a:r>
+            <a:r>
+              <a:rPr lang="en-US" dirty="0" smtClean="0"/>
+              <a:t> (simulation)</a:t>
+            </a:r>
+            <a:endParaRPr lang="en-US" dirty="0"/>
           </a:p>
           <a:p>
             <a:pPr lvl="1"/>
             <a:r>
               <a:rPr lang="en-US" dirty="0" smtClean="0"/>
-              <a:t>History</a:t>
+              <a:t>In the PV Formula field type “</a:t>
+            </a:r>
+            <a:r>
+              <a:rPr lang="en-US" dirty="0" err="1" smtClean="0"/>
+              <a:t>sim</a:t>
+            </a:r>
+            <a:r>
+              <a:rPr lang="en-US" dirty="0" smtClean="0"/>
+              <a:t>://noise”  and hit the return key</a:t>
+            </a:r>
+          </a:p>
+          <a:p>
+            <a:r>
+              <a:rPr lang="en-US" dirty="0" smtClean="0"/>
+              <a:t>Connect to a simple scalar </a:t>
+            </a:r>
+            <a:r>
+              <a:rPr lang="en-US" dirty="0" err="1" smtClean="0"/>
+              <a:t>pv</a:t>
+            </a:r>
+            <a:r>
+              <a:rPr lang="en-US" dirty="0" smtClean="0"/>
+              <a:t> (IOC)*</a:t>
             </a:r>
           </a:p>
           <a:p>
             <a:pPr lvl="1"/>
             <a:r>
+              <a:rPr lang="en-US" dirty="0" smtClean="0"/>
+              <a:t>In the PV Formula field type </a:t>
+            </a:r>
+            <a:r>
+              <a:rPr lang="en-US" dirty="0"/>
+              <a:t/>
+            </a:r>
+            <a:br>
+              <a:rPr lang="en-US" dirty="0"/>
+            </a:br>
+            <a:r>
+              <a:rPr lang="en-US" dirty="0" smtClean="0"/>
+              <a:t>“XF:31IDA-OP{Tbl-Ax:X1}</a:t>
+            </a:r>
+            <a:r>
               <a:rPr lang="en-US" dirty="0" err="1" smtClean="0"/>
-              <a:t>ChannelFinder</a:t>
-            </a:r>
+              <a:t>Mtr.RBV</a:t>
+            </a:r>
+            <a:r>
+              <a:rPr lang="en-US" dirty="0" smtClean="0"/>
+              <a:t>” and hit the return key</a:t>
+            </a:r>
+          </a:p>
+          <a:p>
+            <a:pPr lvl="1"/>
+            <a:endParaRPr lang="en-US" dirty="0"/>
+          </a:p>
+          <a:p>
+            <a:pPr lvl="1"/>
             <a:endParaRPr lang="en-US" dirty="0" smtClean="0"/>
           </a:p>
           <a:p>
             <a:pPr lvl="1"/>
-            <a:r>
-              <a:rPr lang="en-US" dirty="0" smtClean="0"/>
-              <a:t>Predefined simulation </a:t>
-            </a:r>
-            <a:r>
-              <a:rPr lang="en-US" dirty="0" err="1" smtClean="0"/>
-              <a:t>pv’s</a:t>
-            </a:r>
-            <a:r>
-              <a:rPr lang="en-US" dirty="0" smtClean="0"/>
-              <a:t> (</a:t>
-            </a:r>
-            <a:r>
-              <a:rPr lang="en-US" dirty="0" err="1" smtClean="0"/>
-              <a:t>Datasources</a:t>
-            </a:r>
-            <a:r>
-              <a:rPr lang="en-US" dirty="0" smtClean="0"/>
-              <a:t>)</a:t>
-            </a:r>
-          </a:p>
-          <a:p>
-            <a:pPr lvl="1"/>
-            <a:r>
-              <a:rPr lang="en-US" dirty="0" smtClean="0"/>
-              <a:t>Formula functions</a:t>
+            <a:endParaRPr lang="en-US" dirty="0"/>
+          </a:p>
+          <a:p>
+            <a:pPr marL="457200" lvl="1" indent="0">
+              <a:buNone/>
+            </a:pPr>
+            <a:r>
+              <a:rPr lang="en-US" sz="1900" dirty="0" smtClean="0"/>
+              <a:t>* Start the test IOC </a:t>
+            </a:r>
+          </a:p>
+          <a:p>
+            <a:pPr marL="457200" lvl="1" indent="0">
+              <a:buNone/>
+            </a:pPr>
+            <a:r>
+              <a:rPr lang="en-US" sz="1900" dirty="0" smtClean="0"/>
+              <a:t>&gt;&gt; cd ~/Epics/</a:t>
+            </a:r>
+            <a:r>
+              <a:rPr lang="en-US" sz="1900" dirty="0" err="1" smtClean="0"/>
+              <a:t>iocs</a:t>
+            </a:r>
+            <a:r>
+              <a:rPr lang="en-US" sz="1900" dirty="0" smtClean="0"/>
+              <a:t>/</a:t>
+            </a:r>
+            <a:r>
+              <a:rPr lang="en-US" sz="1900" dirty="0" err="1" smtClean="0"/>
+              <a:t>motorsim</a:t>
+            </a:r>
+            <a:r>
+              <a:rPr lang="en-US" sz="1900" smtClean="0"/>
+              <a:t/>
+            </a:r>
+            <a:br>
+              <a:rPr lang="en-US" sz="1900" smtClean="0"/>
+            </a:br>
+            <a:r>
+              <a:rPr lang="en-US" sz="1900" smtClean="0"/>
+              <a:t>&gt;&gt; ./</a:t>
+            </a:r>
+            <a:r>
+              <a:rPr lang="en-US" sz="1900" dirty="0" smtClean="0"/>
+              <a:t>startSimMotor.sh</a:t>
             </a:r>
           </a:p>
         </p:txBody>
@@ -6577,7 +9061,7 @@
       </p:pic>
       <p:pic>
         <p:nvPicPr>
-          <p:cNvPr id="6" name="Content Placeholder 5"/>
+          <p:cNvPr id="8" name="Content Placeholder 6"/>
           <p:cNvPicPr>
             <a:picLocks noGrp="1" noChangeAspect="1"/>
           </p:cNvPicPr>
@@ -6586,25 +9070,28 @@
           </p:nvPr>
         </p:nvPicPr>
         <p:blipFill>
-          <a:blip r:embed="rId4"/>
+          <a:blip r:embed="rId4">
+            <a:extLst>
+              <a:ext uri="{28A0092B-C50C-407E-A947-70E740481C1C}">
+                <a14:useLocalDpi xmlns:a14="http://schemas.microsoft.com/office/drawing/2010/main" val="0"/>
+              </a:ext>
+            </a:extLst>
+          </a:blip>
           <a:stretch>
             <a:fillRect/>
           </a:stretch>
         </p:blipFill>
         <p:spPr>
           <a:xfrm>
-            <a:off x="6838950" y="1825625"/>
-            <a:ext cx="4514850" cy="3438525"/>
-          </a:xfrm>
-          <a:prstGeom prst="rect">
-            <a:avLst/>
-          </a:prstGeom>
+            <a:off x="7882359" y="1824171"/>
+            <a:ext cx="3471441" cy="4352792"/>
+          </a:xfrm>
         </p:spPr>
       </p:pic>
     </p:spTree>
     <p:extLst>
       <p:ext uri="{BB962C8B-B14F-4D97-AF65-F5344CB8AC3E}">
-        <p14:creationId xmlns:p14="http://schemas.microsoft.com/office/powerpoint/2010/main" val="4152635381"/>
+        <p14:creationId xmlns:p14="http://schemas.microsoft.com/office/powerpoint/2010/main" val="952907494"/>
       </p:ext>
     </p:extLst>
   </p:cSld>
@@ -6655,24 +9142,157 @@
           <a:p>
             <a:r>
               <a:rPr lang="en-US" dirty="0" smtClean="0"/>
-              <a:t>Probe - Help</a:t>
+              <a:t>Probe - deciphering the data</a:t>
             </a:r>
             <a:endParaRPr lang="en-US" dirty="0"/>
+          </a:p>
+        </p:txBody>
+      </p:sp>
+      <p:sp>
+        <p:nvSpPr>
+          <p:cNvPr id="3" name="Content Placeholder 2"/>
+          <p:cNvSpPr>
+            <a:spLocks noGrp="1"/>
+          </p:cNvSpPr>
+          <p:nvPr>
+            <p:ph sz="half" idx="1"/>
+          </p:nvPr>
+        </p:nvSpPr>
+        <p:spPr>
+          <a:xfrm>
+            <a:off x="838199" y="1825625"/>
+            <a:ext cx="6314955" cy="4351338"/>
+          </a:xfrm>
+        </p:spPr>
+        <p:txBody>
+          <a:bodyPr/>
+          <a:lstStyle/>
+          <a:p>
+            <a:r>
+              <a:rPr lang="en-US" dirty="0" smtClean="0"/>
+              <a:t>Value:</a:t>
+            </a:r>
+          </a:p>
+          <a:p>
+            <a:pPr marL="457200" lvl="1" indent="0">
+              <a:buNone/>
+            </a:pPr>
+            <a:r>
+              <a:rPr lang="en-US" dirty="0" smtClean="0"/>
+              <a:t>Shows the current value of the </a:t>
+            </a:r>
+            <a:r>
+              <a:rPr lang="en-US" dirty="0" err="1" smtClean="0"/>
+              <a:t>pv</a:t>
+            </a:r>
+            <a:r>
+              <a:rPr lang="en-US" dirty="0" smtClean="0"/>
+              <a:t> and the timestamp associated with it</a:t>
+            </a:r>
+          </a:p>
+          <a:p>
+            <a:r>
+              <a:rPr lang="en-US" dirty="0" smtClean="0"/>
+              <a:t>Change Value:</a:t>
+            </a:r>
+          </a:p>
+          <a:p>
+            <a:pPr marL="457200" lvl="1" indent="0">
+              <a:buNone/>
+            </a:pPr>
+            <a:r>
+              <a:rPr lang="en-US" dirty="0" smtClean="0"/>
+              <a:t>The new value field is used to write new values to the </a:t>
+            </a:r>
+            <a:r>
+              <a:rPr lang="en-US" dirty="0" err="1" smtClean="0"/>
+              <a:t>pv</a:t>
+            </a:r>
+            <a:r>
+              <a:rPr lang="en-US" dirty="0" smtClean="0"/>
+              <a:t/>
+            </a:r>
+            <a:br>
+              <a:rPr lang="en-US" dirty="0" smtClean="0"/>
+            </a:br>
+            <a:r>
+              <a:rPr lang="en-US" dirty="0" smtClean="0"/>
+              <a:t>If the </a:t>
+            </a:r>
+            <a:r>
+              <a:rPr lang="en-US" dirty="0" err="1" smtClean="0"/>
+              <a:t>pv</a:t>
+            </a:r>
+            <a:r>
+              <a:rPr lang="en-US" dirty="0" smtClean="0"/>
+              <a:t> is read only this field is disabled</a:t>
+            </a:r>
+          </a:p>
+          <a:p>
+            <a:r>
+              <a:rPr lang="en-US" dirty="0" err="1" smtClean="0"/>
+              <a:t>MetaData</a:t>
+            </a:r>
+            <a:r>
+              <a:rPr lang="en-US" dirty="0" smtClean="0"/>
+              <a:t>:</a:t>
+            </a:r>
+          </a:p>
+          <a:p>
+            <a:pPr marL="457200" lvl="1" indent="0">
+              <a:buNone/>
+            </a:pPr>
+            <a:r>
+              <a:rPr lang="en-US" dirty="0" smtClean="0"/>
+              <a:t>Additional information about the </a:t>
+            </a:r>
+            <a:r>
+              <a:rPr lang="en-US" dirty="0" err="1" smtClean="0"/>
+              <a:t>pv</a:t>
+            </a:r>
+            <a:r>
+              <a:rPr lang="en-US" dirty="0" smtClean="0"/>
+              <a:t> Type, Display limits, Alarm limits, units…..</a:t>
+            </a:r>
           </a:p>
         </p:txBody>
       </p:sp>
       <p:pic>
         <p:nvPicPr>
-          <p:cNvPr id="4" name="Content Placeholder 3"/>
+          <p:cNvPr id="5" name="Picture 4"/>
+          <p:cNvPicPr>
+            <a:picLocks noChangeAspect="1"/>
+          </p:cNvPicPr>
+          <p:nvPr/>
+        </p:nvPicPr>
+        <p:blipFill>
+          <a:blip r:embed="rId2"/>
+          <a:stretch>
+            <a:fillRect/>
+          </a:stretch>
+        </p:blipFill>
+        <p:spPr>
+          <a:xfrm>
+            <a:off x="222451" y="723079"/>
+            <a:ext cx="615749" cy="609653"/>
+          </a:xfrm>
+          <a:prstGeom prst="rect">
+            <a:avLst/>
+          </a:prstGeom>
+        </p:spPr>
+      </p:pic>
+      <p:pic>
+        <p:nvPicPr>
+          <p:cNvPr id="8" name="Content Placeholder 6"/>
           <p:cNvPicPr>
             <a:picLocks noGrp="1" noChangeAspect="1"/>
           </p:cNvPicPr>
           <p:nvPr>
-            <p:ph sz="half" idx="1"/>
+            <p:ph sz="half" idx="2"/>
           </p:nvPr>
         </p:nvPicPr>
         <p:blipFill>
-          <a:blip r:embed="rId2">
+          <a:blip r:embed="rId3">
             <a:extLst>
               <a:ext uri="{28A0092B-C50C-407E-A947-70E740481C1C}">
                 <a14:useLocalDpi xmlns:a14="http://schemas.microsoft.com/office/drawing/2010/main" val="0"/>
@@ -6685,60 +9305,15 @@
         </p:blipFill>
         <p:spPr>
           <a:xfrm>
-            <a:off x="228461" y="723036"/>
-            <a:ext cx="609739" cy="609739"/>
+            <a:off x="7882359" y="1824171"/>
+            <a:ext cx="3471441" cy="4352792"/>
           </a:xfrm>
         </p:spPr>
       </p:pic>
-      <p:sp>
-        <p:nvSpPr>
-          <p:cNvPr id="5" name="Content Placeholder 4"/>
-          <p:cNvSpPr>
-            <a:spLocks noGrp="1"/>
-          </p:cNvSpPr>
-          <p:nvPr>
-            <p:ph sz="half" idx="2"/>
-          </p:nvPr>
-        </p:nvSpPr>
-        <p:spPr>
-          <a:xfrm>
-            <a:off x="838200" y="1690686"/>
-            <a:ext cx="10515600" cy="4452206"/>
-          </a:xfrm>
-        </p:spPr>
-        <p:txBody>
-          <a:bodyPr/>
-          <a:lstStyle/>
-          <a:p>
-            <a:r>
-              <a:rPr lang="en-US" dirty="0" smtClean="0"/>
-              <a:t>Help </a:t>
-            </a:r>
-            <a:r>
-              <a:rPr lang="en-US" dirty="0" smtClean="0">
-                <a:sym typeface="Wingdings" panose="05000000000000000000" pitchFamily="2" charset="2"/>
-              </a:rPr>
-              <a:t> Help Content</a:t>
-            </a:r>
-          </a:p>
-          <a:p>
-            <a:pPr marL="457200" lvl="1" indent="0">
-              <a:buNone/>
-            </a:pPr>
-            <a:r>
-              <a:rPr lang="en-US" dirty="0" smtClean="0">
-                <a:sym typeface="Wingdings" panose="05000000000000000000" pitchFamily="2" charset="2"/>
-              </a:rPr>
-              <a:t>CSS Applications  Diagnostic Tools  Probe</a:t>
-            </a:r>
-            <a:endParaRPr lang="en-US" dirty="0"/>
-          </a:p>
-        </p:txBody>
-      </p:sp>
     </p:spTree>
     <p:extLst>
       <p:ext uri="{BB962C8B-B14F-4D97-AF65-F5344CB8AC3E}">
-        <p14:creationId xmlns:p14="http://schemas.microsoft.com/office/powerpoint/2010/main" val="378823300"/>
+        <p14:creationId xmlns:p14="http://schemas.microsoft.com/office/powerpoint/2010/main" val="3937055028"/>
       </p:ext>
     </p:extLst>
   </p:cSld>

--- a/presentations/1 CS-Studio - Probe.pptx
+++ b/presentations/1 CS-Studio - Probe.pptx
@@ -221,7 +221,7 @@
           <a:p>
             <a:fld id="{D9966FA8-7494-476B-82FA-6423FAB21465}" type="datetimeFigureOut">
               <a:rPr lang="en-US" smtClean="0"/>
-              <a:t>3/2/2018</a:t>
+              <a:t>3/4/2018</a:t>
             </a:fld>
             <a:endParaRPr lang="en-US"/>
           </a:p>
@@ -996,7 +996,7 @@
           <a:p>
             <a:fld id="{6222EF03-A9AE-4AF1-9CC5-BDF342F0A591}" type="datetimeFigureOut">
               <a:rPr lang="en-US" smtClean="0"/>
-              <a:t>3/2/2018</a:t>
+              <a:t>3/4/2018</a:t>
             </a:fld>
             <a:endParaRPr lang="en-US"/>
           </a:p>
@@ -1166,7 +1166,7 @@
           <a:p>
             <a:fld id="{6222EF03-A9AE-4AF1-9CC5-BDF342F0A591}" type="datetimeFigureOut">
               <a:rPr lang="en-US" smtClean="0"/>
-              <a:t>3/2/2018</a:t>
+              <a:t>3/4/2018</a:t>
             </a:fld>
             <a:endParaRPr lang="en-US"/>
           </a:p>
@@ -1346,7 +1346,7 @@
           <a:p>
             <a:fld id="{6222EF03-A9AE-4AF1-9CC5-BDF342F0A591}" type="datetimeFigureOut">
               <a:rPr lang="en-US" smtClean="0"/>
-              <a:t>3/2/2018</a:t>
+              <a:t>3/4/2018</a:t>
             </a:fld>
             <a:endParaRPr lang="en-US"/>
           </a:p>
@@ -1516,7 +1516,7 @@
           <a:p>
             <a:fld id="{6222EF03-A9AE-4AF1-9CC5-BDF342F0A591}" type="datetimeFigureOut">
               <a:rPr lang="en-US" smtClean="0"/>
-              <a:t>3/2/2018</a:t>
+              <a:t>3/4/2018</a:t>
             </a:fld>
             <a:endParaRPr lang="en-US"/>
           </a:p>
@@ -1762,7 +1762,7 @@
           <a:p>
             <a:fld id="{6222EF03-A9AE-4AF1-9CC5-BDF342F0A591}" type="datetimeFigureOut">
               <a:rPr lang="en-US" smtClean="0"/>
-              <a:t>3/2/2018</a:t>
+              <a:t>3/4/2018</a:t>
             </a:fld>
             <a:endParaRPr lang="en-US"/>
           </a:p>
@@ -1994,7 +1994,7 @@
           <a:p>
             <a:fld id="{6222EF03-A9AE-4AF1-9CC5-BDF342F0A591}" type="datetimeFigureOut">
               <a:rPr lang="en-US" smtClean="0"/>
-              <a:t>3/2/2018</a:t>
+              <a:t>3/4/2018</a:t>
             </a:fld>
             <a:endParaRPr lang="en-US"/>
           </a:p>
@@ -2361,7 +2361,7 @@
           <a:p>
             <a:fld id="{6222EF03-A9AE-4AF1-9CC5-BDF342F0A591}" type="datetimeFigureOut">
               <a:rPr lang="en-US" smtClean="0"/>
-              <a:t>3/2/2018</a:t>
+              <a:t>3/4/2018</a:t>
             </a:fld>
             <a:endParaRPr lang="en-US"/>
           </a:p>
@@ -2479,7 +2479,7 @@
           <a:p>
             <a:fld id="{6222EF03-A9AE-4AF1-9CC5-BDF342F0A591}" type="datetimeFigureOut">
               <a:rPr lang="en-US" smtClean="0"/>
-              <a:t>3/2/2018</a:t>
+              <a:t>3/4/2018</a:t>
             </a:fld>
             <a:endParaRPr lang="en-US"/>
           </a:p>
@@ -2574,7 +2574,7 @@
           <a:p>
             <a:fld id="{6222EF03-A9AE-4AF1-9CC5-BDF342F0A591}" type="datetimeFigureOut">
               <a:rPr lang="en-US" smtClean="0"/>
-              <a:t>3/2/2018</a:t>
+              <a:t>3/4/2018</a:t>
             </a:fld>
             <a:endParaRPr lang="en-US"/>
           </a:p>
@@ -2851,7 +2851,7 @@
           <a:p>
             <a:fld id="{6222EF03-A9AE-4AF1-9CC5-BDF342F0A591}" type="datetimeFigureOut">
               <a:rPr lang="en-US" smtClean="0"/>
-              <a:t>3/2/2018</a:t>
+              <a:t>3/4/2018</a:t>
             </a:fld>
             <a:endParaRPr lang="en-US"/>
           </a:p>
@@ -3104,7 +3104,7 @@
           <a:p>
             <a:fld id="{6222EF03-A9AE-4AF1-9CC5-BDF342F0A591}" type="datetimeFigureOut">
               <a:rPr lang="en-US" smtClean="0"/>
-              <a:t>3/2/2018</a:t>
+              <a:t>3/4/2018</a:t>
             </a:fld>
             <a:endParaRPr lang="en-US"/>
           </a:p>
@@ -3317,7 +3317,7 @@
           <a:p>
             <a:fld id="{6222EF03-A9AE-4AF1-9CC5-BDF342F0A591}" type="datetimeFigureOut">
               <a:rPr lang="en-US" smtClean="0"/>
-              <a:t>3/2/2018</a:t>
+              <a:t>3/4/2018</a:t>
             </a:fld>
             <a:endParaRPr lang="en-US"/>
           </a:p>
@@ -9003,34 +9003,38 @@
             </a:pPr>
             <a:r>
               <a:rPr lang="en-US" sz="1900" dirty="0" smtClean="0"/>
-              <a:t>&gt;&gt; cd ~/Epics/</a:t>
+              <a:t>&gt;&gt; cd </a:t>
+            </a:r>
+            <a:r>
+              <a:rPr lang="en-US" sz="1900" dirty="0"/>
+              <a:t>/</a:t>
+            </a:r>
+            <a:r>
+              <a:rPr lang="en-US" sz="1900" dirty="0" smtClean="0"/>
+              <a:t>home/train/</a:t>
             </a:r>
             <a:r>
               <a:rPr lang="en-US" sz="1900" dirty="0" err="1" smtClean="0"/>
-              <a:t>iocs</a:t>
+              <a:t>git</a:t>
             </a:r>
             <a:r>
               <a:rPr lang="en-US" sz="1900" dirty="0" smtClean="0"/>
-              <a:t>/</a:t>
-            </a:r>
-            <a:r>
-              <a:rPr lang="en-US" sz="1900" dirty="0" err="1" smtClean="0"/>
+              <a:t>/build-epics/</a:t>
+            </a:r>
+            <a:r>
+              <a:rPr lang="en-US" sz="1900" smtClean="0"/>
               <a:t>motorsim</a:t>
             </a:r>
             <a:r>
-              <a:rPr lang="en-US" sz="1900" smtClean="0"/>
+              <a:rPr lang="en-US" sz="1900" dirty="0" smtClean="0"/>
               <a:t/>
             </a:r>
             <a:br>
-              <a:rPr lang="en-US" sz="1900" smtClean="0"/>
+              <a:rPr lang="en-US" sz="1900" dirty="0" smtClean="0"/>
             </a:br>
             <a:r>
-              <a:rPr lang="en-US" sz="1900" smtClean="0"/>
-              <a:t>&gt;&gt; ./</a:t>
-            </a:r>
-            <a:r>
               <a:rPr lang="en-US" sz="1900" dirty="0" smtClean="0"/>
-              <a:t>startSimMotor.sh</a:t>
+              <a:t>&gt;&gt; ./startSimMotor.sh</a:t>
             </a:r>
           </a:p>
         </p:txBody>
